--- a/slides.pptx
+++ b/slides.pptx
@@ -4,19 +4,23 @@
   <p:sldMasterIdLst>
     <p:sldMasterId id="2147483648" r:id="rId1"/>
   </p:sldMasterIdLst>
+  <p:notesMasterIdLst>
+    <p:notesMasterId r:id="rId15"/>
+  </p:notesMasterIdLst>
   <p:sldIdLst>
     <p:sldId id="256" r:id="rId2"/>
     <p:sldId id="257" r:id="rId3"/>
     <p:sldId id="258" r:id="rId4"/>
-    <p:sldId id="259" r:id="rId5"/>
-    <p:sldId id="260" r:id="rId6"/>
-    <p:sldId id="261" r:id="rId7"/>
-    <p:sldId id="262" r:id="rId8"/>
-    <p:sldId id="263" r:id="rId9"/>
-    <p:sldId id="264" r:id="rId10"/>
-    <p:sldId id="266" r:id="rId11"/>
-    <p:sldId id="265" r:id="rId12"/>
-    <p:sldId id="267" r:id="rId13"/>
+    <p:sldId id="268" r:id="rId5"/>
+    <p:sldId id="259" r:id="rId6"/>
+    <p:sldId id="260" r:id="rId7"/>
+    <p:sldId id="261" r:id="rId8"/>
+    <p:sldId id="262" r:id="rId9"/>
+    <p:sldId id="263" r:id="rId10"/>
+    <p:sldId id="264" r:id="rId11"/>
+    <p:sldId id="266" r:id="rId12"/>
+    <p:sldId id="265" r:id="rId13"/>
+    <p:sldId id="267" r:id="rId14"/>
   </p:sldIdLst>
   <p:sldSz cx="12192000" cy="6858000"/>
   <p:notesSz cx="6858000" cy="9144000"/>
@@ -121,6 +125,470 @@
     </p:ext>
   </p:extLst>
 </p:presentation>
+</file>
+
+<file path=ppt/notesMasters/notesMaster1.xml><?xml version="1.0" encoding="utf-8"?>
+<p:notesMaster xmlns:a="http://schemas.openxmlformats.org/drawingml/2006/main" xmlns:r="http://schemas.openxmlformats.org/officeDocument/2006/relationships" xmlns:p="http://schemas.openxmlformats.org/presentationml/2006/main">
+  <p:cSld>
+    <p:bg>
+      <p:bgRef idx="1001">
+        <a:schemeClr val="bg1"/>
+      </p:bgRef>
+    </p:bg>
+    <p:spTree>
+      <p:nvGrpSpPr>
+        <p:cNvPr id="1" name=""/>
+        <p:cNvGrpSpPr/>
+        <p:nvPr/>
+      </p:nvGrpSpPr>
+      <p:grpSpPr>
+        <a:xfrm>
+          <a:off x="0" y="0"/>
+          <a:ext cx="0" cy="0"/>
+          <a:chOff x="0" y="0"/>
+          <a:chExt cx="0" cy="0"/>
+        </a:xfrm>
+      </p:grpSpPr>
+      <p:sp>
+        <p:nvSpPr>
+          <p:cNvPr id="2" name="Header Placeholder 1"/>
+          <p:cNvSpPr>
+            <a:spLocks noGrp="1"/>
+          </p:cNvSpPr>
+          <p:nvPr>
+            <p:ph type="hdr" sz="quarter"/>
+          </p:nvPr>
+        </p:nvSpPr>
+        <p:spPr>
+          <a:xfrm>
+            <a:off x="0" y="0"/>
+            <a:ext cx="2971800" cy="458788"/>
+          </a:xfrm>
+          <a:prstGeom prst="rect">
+            <a:avLst/>
+          </a:prstGeom>
+        </p:spPr>
+        <p:txBody>
+          <a:bodyPr vert="horz" lIns="91440" tIns="45720" rIns="91440" bIns="45720" rtlCol="0"/>
+          <a:lstStyle>
+            <a:lvl1pPr algn="l">
+              <a:defRPr sz="1200"/>
+            </a:lvl1pPr>
+          </a:lstStyle>
+          <a:p>
+            <a:endParaRPr lang="en-US"/>
+          </a:p>
+        </p:txBody>
+      </p:sp>
+      <p:sp>
+        <p:nvSpPr>
+          <p:cNvPr id="3" name="Date Placeholder 2"/>
+          <p:cNvSpPr>
+            <a:spLocks noGrp="1"/>
+          </p:cNvSpPr>
+          <p:nvPr>
+            <p:ph type="dt" idx="1"/>
+          </p:nvPr>
+        </p:nvSpPr>
+        <p:spPr>
+          <a:xfrm>
+            <a:off x="3884613" y="0"/>
+            <a:ext cx="2971800" cy="458788"/>
+          </a:xfrm>
+          <a:prstGeom prst="rect">
+            <a:avLst/>
+          </a:prstGeom>
+        </p:spPr>
+        <p:txBody>
+          <a:bodyPr vert="horz" lIns="91440" tIns="45720" rIns="91440" bIns="45720" rtlCol="0"/>
+          <a:lstStyle>
+            <a:lvl1pPr algn="r">
+              <a:defRPr sz="1200"/>
+            </a:lvl1pPr>
+          </a:lstStyle>
+          <a:p>
+            <a:fld id="{64664026-136F-481A-A12C-A6861CF98770}" type="datetimeFigureOut">
+              <a:rPr lang="en-US" smtClean="0"/>
+              <a:t>10-Dec-18</a:t>
+            </a:fld>
+            <a:endParaRPr lang="en-US"/>
+          </a:p>
+        </p:txBody>
+      </p:sp>
+      <p:sp>
+        <p:nvSpPr>
+          <p:cNvPr id="4" name="Slide Image Placeholder 3"/>
+          <p:cNvSpPr>
+            <a:spLocks noGrp="1" noRot="1" noChangeAspect="1"/>
+          </p:cNvSpPr>
+          <p:nvPr>
+            <p:ph type="sldImg" idx="2"/>
+          </p:nvPr>
+        </p:nvSpPr>
+        <p:spPr>
+          <a:xfrm>
+            <a:off x="685800" y="1143000"/>
+            <a:ext cx="5486400" cy="3086100"/>
+          </a:xfrm>
+          <a:prstGeom prst="rect">
+            <a:avLst/>
+          </a:prstGeom>
+          <a:noFill/>
+          <a:ln w="12700">
+            <a:solidFill>
+              <a:prstClr val="black"/>
+            </a:solidFill>
+          </a:ln>
+        </p:spPr>
+        <p:txBody>
+          <a:bodyPr vert="horz" lIns="91440" tIns="45720" rIns="91440" bIns="45720" rtlCol="0" anchor="ctr"/>
+          <a:lstStyle/>
+          <a:p>
+            <a:endParaRPr lang="en-US"/>
+          </a:p>
+        </p:txBody>
+      </p:sp>
+      <p:sp>
+        <p:nvSpPr>
+          <p:cNvPr id="5" name="Notes Placeholder 4"/>
+          <p:cNvSpPr>
+            <a:spLocks noGrp="1"/>
+          </p:cNvSpPr>
+          <p:nvPr>
+            <p:ph type="body" sz="quarter" idx="3"/>
+          </p:nvPr>
+        </p:nvSpPr>
+        <p:spPr>
+          <a:xfrm>
+            <a:off x="685800" y="4400550"/>
+            <a:ext cx="5486400" cy="3600450"/>
+          </a:xfrm>
+          <a:prstGeom prst="rect">
+            <a:avLst/>
+          </a:prstGeom>
+        </p:spPr>
+        <p:txBody>
+          <a:bodyPr vert="horz" lIns="91440" tIns="45720" rIns="91440" bIns="45720" rtlCol="0"/>
+          <a:lstStyle/>
+          <a:p>
+            <a:pPr lvl="0"/>
+            <a:r>
+              <a:rPr lang="en-US"/>
+              <a:t>Edit Master text styles</a:t>
+            </a:r>
+          </a:p>
+          <a:p>
+            <a:pPr lvl="1"/>
+            <a:r>
+              <a:rPr lang="en-US"/>
+              <a:t>Second level</a:t>
+            </a:r>
+          </a:p>
+          <a:p>
+            <a:pPr lvl="2"/>
+            <a:r>
+              <a:rPr lang="en-US"/>
+              <a:t>Third level</a:t>
+            </a:r>
+          </a:p>
+          <a:p>
+            <a:pPr lvl="3"/>
+            <a:r>
+              <a:rPr lang="en-US"/>
+              <a:t>Fourth level</a:t>
+            </a:r>
+          </a:p>
+          <a:p>
+            <a:pPr lvl="4"/>
+            <a:r>
+              <a:rPr lang="en-US"/>
+              <a:t>Fifth level</a:t>
+            </a:r>
+          </a:p>
+        </p:txBody>
+      </p:sp>
+      <p:sp>
+        <p:nvSpPr>
+          <p:cNvPr id="6" name="Footer Placeholder 5"/>
+          <p:cNvSpPr>
+            <a:spLocks noGrp="1"/>
+          </p:cNvSpPr>
+          <p:nvPr>
+            <p:ph type="ftr" sz="quarter" idx="4"/>
+          </p:nvPr>
+        </p:nvSpPr>
+        <p:spPr>
+          <a:xfrm>
+            <a:off x="0" y="8685213"/>
+            <a:ext cx="2971800" cy="458787"/>
+          </a:xfrm>
+          <a:prstGeom prst="rect">
+            <a:avLst/>
+          </a:prstGeom>
+        </p:spPr>
+        <p:txBody>
+          <a:bodyPr vert="horz" lIns="91440" tIns="45720" rIns="91440" bIns="45720" rtlCol="0" anchor="b"/>
+          <a:lstStyle>
+            <a:lvl1pPr algn="l">
+              <a:defRPr sz="1200"/>
+            </a:lvl1pPr>
+          </a:lstStyle>
+          <a:p>
+            <a:endParaRPr lang="en-US"/>
+          </a:p>
+        </p:txBody>
+      </p:sp>
+      <p:sp>
+        <p:nvSpPr>
+          <p:cNvPr id="7" name="Slide Number Placeholder 6"/>
+          <p:cNvSpPr>
+            <a:spLocks noGrp="1"/>
+          </p:cNvSpPr>
+          <p:nvPr>
+            <p:ph type="sldNum" sz="quarter" idx="5"/>
+          </p:nvPr>
+        </p:nvSpPr>
+        <p:spPr>
+          <a:xfrm>
+            <a:off x="3884613" y="8685213"/>
+            <a:ext cx="2971800" cy="458787"/>
+          </a:xfrm>
+          <a:prstGeom prst="rect">
+            <a:avLst/>
+          </a:prstGeom>
+        </p:spPr>
+        <p:txBody>
+          <a:bodyPr vert="horz" lIns="91440" tIns="45720" rIns="91440" bIns="45720" rtlCol="0" anchor="b"/>
+          <a:lstStyle>
+            <a:lvl1pPr algn="r">
+              <a:defRPr sz="1200"/>
+            </a:lvl1pPr>
+          </a:lstStyle>
+          <a:p>
+            <a:fld id="{852A211F-07A3-4450-B99B-885524CB33D2}" type="slidenum">
+              <a:rPr lang="en-US" smtClean="0"/>
+              <a:t>‹#›</a:t>
+            </a:fld>
+            <a:endParaRPr lang="en-US"/>
+          </a:p>
+        </p:txBody>
+      </p:sp>
+    </p:spTree>
+    <p:extLst>
+      <p:ext uri="{BB962C8B-B14F-4D97-AF65-F5344CB8AC3E}">
+        <p14:creationId xmlns:p14="http://schemas.microsoft.com/office/powerpoint/2010/main" val="3478087296"/>
+      </p:ext>
+    </p:extLst>
+  </p:cSld>
+  <p:clrMap bg1="lt1" tx1="dk1" bg2="lt2" tx2="dk2" accent1="accent1" accent2="accent2" accent3="accent3" accent4="accent4" accent5="accent5" accent6="accent6" hlink="hlink" folHlink="folHlink"/>
+  <p:notesStyle>
+    <a:lvl1pPr marL="0" algn="l" defTabSz="914400" rtl="0" eaLnBrk="1" latinLnBrk="0" hangingPunct="1">
+      <a:defRPr sz="1200" kern="1200">
+        <a:solidFill>
+          <a:schemeClr val="tx1"/>
+        </a:solidFill>
+        <a:latin typeface="+mn-lt"/>
+        <a:ea typeface="+mn-ea"/>
+        <a:cs typeface="+mn-cs"/>
+      </a:defRPr>
+    </a:lvl1pPr>
+    <a:lvl2pPr marL="457200" algn="l" defTabSz="914400" rtl="0" eaLnBrk="1" latinLnBrk="0" hangingPunct="1">
+      <a:defRPr sz="1200" kern="1200">
+        <a:solidFill>
+          <a:schemeClr val="tx1"/>
+        </a:solidFill>
+        <a:latin typeface="+mn-lt"/>
+        <a:ea typeface="+mn-ea"/>
+        <a:cs typeface="+mn-cs"/>
+      </a:defRPr>
+    </a:lvl2pPr>
+    <a:lvl3pPr marL="914400" algn="l" defTabSz="914400" rtl="0" eaLnBrk="1" latinLnBrk="0" hangingPunct="1">
+      <a:defRPr sz="1200" kern="1200">
+        <a:solidFill>
+          <a:schemeClr val="tx1"/>
+        </a:solidFill>
+        <a:latin typeface="+mn-lt"/>
+        <a:ea typeface="+mn-ea"/>
+        <a:cs typeface="+mn-cs"/>
+      </a:defRPr>
+    </a:lvl3pPr>
+    <a:lvl4pPr marL="1371600" algn="l" defTabSz="914400" rtl="0" eaLnBrk="1" latinLnBrk="0" hangingPunct="1">
+      <a:defRPr sz="1200" kern="1200">
+        <a:solidFill>
+          <a:schemeClr val="tx1"/>
+        </a:solidFill>
+        <a:latin typeface="+mn-lt"/>
+        <a:ea typeface="+mn-ea"/>
+        <a:cs typeface="+mn-cs"/>
+      </a:defRPr>
+    </a:lvl4pPr>
+    <a:lvl5pPr marL="1828800" algn="l" defTabSz="914400" rtl="0" eaLnBrk="1" latinLnBrk="0" hangingPunct="1">
+      <a:defRPr sz="1200" kern="1200">
+        <a:solidFill>
+          <a:schemeClr val="tx1"/>
+        </a:solidFill>
+        <a:latin typeface="+mn-lt"/>
+        <a:ea typeface="+mn-ea"/>
+        <a:cs typeface="+mn-cs"/>
+      </a:defRPr>
+    </a:lvl5pPr>
+    <a:lvl6pPr marL="2286000" algn="l" defTabSz="914400" rtl="0" eaLnBrk="1" latinLnBrk="0" hangingPunct="1">
+      <a:defRPr sz="1200" kern="1200">
+        <a:solidFill>
+          <a:schemeClr val="tx1"/>
+        </a:solidFill>
+        <a:latin typeface="+mn-lt"/>
+        <a:ea typeface="+mn-ea"/>
+        <a:cs typeface="+mn-cs"/>
+      </a:defRPr>
+    </a:lvl6pPr>
+    <a:lvl7pPr marL="2743200" algn="l" defTabSz="914400" rtl="0" eaLnBrk="1" latinLnBrk="0" hangingPunct="1">
+      <a:defRPr sz="1200" kern="1200">
+        <a:solidFill>
+          <a:schemeClr val="tx1"/>
+        </a:solidFill>
+        <a:latin typeface="+mn-lt"/>
+        <a:ea typeface="+mn-ea"/>
+        <a:cs typeface="+mn-cs"/>
+      </a:defRPr>
+    </a:lvl7pPr>
+    <a:lvl8pPr marL="3200400" algn="l" defTabSz="914400" rtl="0" eaLnBrk="1" latinLnBrk="0" hangingPunct="1">
+      <a:defRPr sz="1200" kern="1200">
+        <a:solidFill>
+          <a:schemeClr val="tx1"/>
+        </a:solidFill>
+        <a:latin typeface="+mn-lt"/>
+        <a:ea typeface="+mn-ea"/>
+        <a:cs typeface="+mn-cs"/>
+      </a:defRPr>
+    </a:lvl8pPr>
+    <a:lvl9pPr marL="3657600" algn="l" defTabSz="914400" rtl="0" eaLnBrk="1" latinLnBrk="0" hangingPunct="1">
+      <a:defRPr sz="1200" kern="1200">
+        <a:solidFill>
+          <a:schemeClr val="tx1"/>
+        </a:solidFill>
+        <a:latin typeface="+mn-lt"/>
+        <a:ea typeface="+mn-ea"/>
+        <a:cs typeface="+mn-cs"/>
+      </a:defRPr>
+    </a:lvl9pPr>
+  </p:notesStyle>
+</p:notesMaster>
+</file>
+
+<file path=ppt/notesSlides/notesSlide1.xml><?xml version="1.0" encoding="utf-8"?>
+<p:notes xmlns:a="http://schemas.openxmlformats.org/drawingml/2006/main" xmlns:r="http://schemas.openxmlformats.org/officeDocument/2006/relationships" xmlns:p="http://schemas.openxmlformats.org/presentationml/2006/main">
+  <p:cSld>
+    <p:spTree>
+      <p:nvGrpSpPr>
+        <p:cNvPr id="1" name=""/>
+        <p:cNvGrpSpPr/>
+        <p:nvPr/>
+      </p:nvGrpSpPr>
+      <p:grpSpPr>
+        <a:xfrm>
+          <a:off x="0" y="0"/>
+          <a:ext cx="0" cy="0"/>
+          <a:chOff x="0" y="0"/>
+          <a:chExt cx="0" cy="0"/>
+        </a:xfrm>
+      </p:grpSpPr>
+      <p:sp>
+        <p:nvSpPr>
+          <p:cNvPr id="2" name="Slide Image Placeholder 1"/>
+          <p:cNvSpPr>
+            <a:spLocks noGrp="1" noRot="1" noChangeAspect="1"/>
+          </p:cNvSpPr>
+          <p:nvPr>
+            <p:ph type="sldImg"/>
+          </p:nvPr>
+        </p:nvSpPr>
+        <p:spPr/>
+      </p:sp>
+      <p:sp>
+        <p:nvSpPr>
+          <p:cNvPr id="3" name="Notes Placeholder 2"/>
+          <p:cNvSpPr>
+            <a:spLocks noGrp="1"/>
+          </p:cNvSpPr>
+          <p:nvPr>
+            <p:ph type="body" idx="1"/>
+          </p:nvPr>
+        </p:nvSpPr>
+        <p:spPr/>
+        <p:txBody>
+          <a:bodyPr/>
+          <a:lstStyle/>
+          <a:p>
+            <a:pPr marL="0" marR="0" lvl="0" indent="0" algn="l" defTabSz="914400" rtl="0" eaLnBrk="1" fontAlgn="auto" latinLnBrk="0" hangingPunct="1">
+              <a:lnSpc>
+                <a:spcPct val="100000"/>
+              </a:lnSpc>
+              <a:spcBef>
+                <a:spcPts val="0"/>
+              </a:spcBef>
+              <a:spcAft>
+                <a:spcPts val="0"/>
+              </a:spcAft>
+              <a:buClrTx/>
+              <a:buSzTx/>
+              <a:buFontTx/>
+              <a:buNone/>
+              <a:tabLst/>
+              <a:defRPr/>
+            </a:pPr>
+            <a:r>
+              <a:rPr lang="en-US" sz="1200" kern="1200">
+                <a:solidFill>
+                  <a:schemeClr val="tx1"/>
+                </a:solidFill>
+                <a:effectLst/>
+                <a:latin typeface="+mn-lt"/>
+                <a:ea typeface="+mn-ea"/>
+                <a:cs typeface="+mn-cs"/>
+              </a:rPr>
+              <a:t>Đường cong hồi quy logistic ước tính (đường màu đỏ đậm) nằm cách xa đường cong chính xác (nét đứt xanh dương) do sự tồn tại của chỉ một ngoại lai (vòng tròn màu đỏ).</a:t>
+            </a:r>
+          </a:p>
+          <a:p>
+            <a:endParaRPr lang="en-US"/>
+          </a:p>
+        </p:txBody>
+      </p:sp>
+      <p:sp>
+        <p:nvSpPr>
+          <p:cNvPr id="4" name="Slide Number Placeholder 3"/>
+          <p:cNvSpPr>
+            <a:spLocks noGrp="1"/>
+          </p:cNvSpPr>
+          <p:nvPr>
+            <p:ph type="sldNum" sz="quarter" idx="5"/>
+          </p:nvPr>
+        </p:nvSpPr>
+        <p:spPr/>
+        <p:txBody>
+          <a:bodyPr/>
+          <a:lstStyle/>
+          <a:p>
+            <a:fld id="{852A211F-07A3-4450-B99B-885524CB33D2}" type="slidenum">
+              <a:rPr lang="en-US" smtClean="0"/>
+              <a:t>5</a:t>
+            </a:fld>
+            <a:endParaRPr lang="en-US"/>
+          </a:p>
+        </p:txBody>
+      </p:sp>
+    </p:spTree>
+    <p:extLst>
+      <p:ext uri="{BB962C8B-B14F-4D97-AF65-F5344CB8AC3E}">
+        <p14:creationId xmlns:p14="http://schemas.microsoft.com/office/powerpoint/2010/main" val="1650607823"/>
+      </p:ext>
+    </p:extLst>
+  </p:cSld>
+  <p:clrMapOvr>
+    <a:masterClrMapping/>
+  </p:clrMapOvr>
+</p:notes>
 </file>
 
 <file path=ppt/slideLayouts/slideLayout1.xml><?xml version="1.0" encoding="utf-8"?>
@@ -6065,7 +6533,7 @@
           <p:cNvPr id="2" name="Title 1">
             <a:extLst>
               <a:ext uri="{FF2B5EF4-FFF2-40B4-BE49-F238E27FC236}">
-                <a16:creationId xmlns:a16="http://schemas.microsoft.com/office/drawing/2014/main" id="{794F699A-8C53-44CB-B40D-1D6A75144032}"/>
+                <a16:creationId xmlns:a16="http://schemas.microsoft.com/office/drawing/2014/main" id="{17A32AD9-E319-49B1-A618-2021A66070F1}"/>
               </a:ext>
             </a:extLst>
           </p:cNvPr>
@@ -6078,8 +6546,8 @@
         </p:nvSpPr>
         <p:spPr>
           <a:xfrm>
-            <a:off x="677334" y="609601"/>
-            <a:ext cx="8596668" cy="781878"/>
+            <a:off x="677334" y="609600"/>
+            <a:ext cx="8596668" cy="825305"/>
           </a:xfrm>
         </p:spPr>
         <p:txBody>
@@ -6087,48 +6555,177 @@
           <a:lstStyle/>
           <a:p>
             <a:r>
+              <a:rPr lang="en-US" err="1">
+                <a:latin typeface="Times New Roman" panose="02020603050405020304" pitchFamily="18" charset="0"/>
+                <a:cs typeface="Times New Roman" panose="02020603050405020304" pitchFamily="18" charset="0"/>
+              </a:rPr>
+              <a:t>Hiệu</a:t>
+            </a:r>
+            <a:r>
               <a:rPr lang="en-US">
                 <a:latin typeface="Times New Roman" panose="02020603050405020304" pitchFamily="18" charset="0"/>
                 <a:cs typeface="Times New Roman" panose="02020603050405020304" pitchFamily="18" charset="0"/>
               </a:rPr>
-              <a:t>Robust Logistic Regression</a:t>
-            </a:r>
+              <a:t> </a:t>
+            </a:r>
+            <a:r>
+              <a:rPr lang="en-US" err="1">
+                <a:latin typeface="Times New Roman" panose="02020603050405020304" pitchFamily="18" charset="0"/>
+                <a:cs typeface="Times New Roman" panose="02020603050405020304" pitchFamily="18" charset="0"/>
+              </a:rPr>
+              <a:t>Suất</a:t>
+            </a:r>
+            <a:endParaRPr lang="en-US">
+              <a:latin typeface="Times New Roman" panose="02020603050405020304" pitchFamily="18" charset="0"/>
+              <a:cs typeface="Times New Roman" panose="02020603050405020304" pitchFamily="18" charset="0"/>
+            </a:endParaRPr>
           </a:p>
         </p:txBody>
       </p:sp>
       <p:pic>
         <p:nvPicPr>
-          <p:cNvPr id="5" name="Content Placeholder 4">
+          <p:cNvPr id="5" name="Picture 4">
             <a:extLst>
               <a:ext uri="{FF2B5EF4-FFF2-40B4-BE49-F238E27FC236}">
-                <a16:creationId xmlns:a16="http://schemas.microsoft.com/office/drawing/2014/main" id="{A8DD02D3-BD58-4B55-A084-5AA52EBA2785}"/>
+                <a16:creationId xmlns:a16="http://schemas.microsoft.com/office/drawing/2014/main" id="{8892871D-B40D-4388-B1FD-63669B2C62D2}"/>
               </a:ext>
             </a:extLst>
           </p:cNvPr>
-          <p:cNvPicPr>
-            <a:picLocks noGrp="1" noChangeAspect="1"/>
-          </p:cNvPicPr>
-          <p:nvPr>
-            <p:ph idx="1"/>
-          </p:nvPr>
+          <p:cNvPicPr/>
+          <p:nvPr/>
         </p:nvPicPr>
         <p:blipFill>
-          <a:blip r:embed="rId2"/>
+          <a:blip r:embed="rId2">
+            <a:extLst>
+              <a:ext uri="{28A0092B-C50C-407E-A947-70E740481C1C}">
+                <a14:useLocalDpi xmlns:a14="http://schemas.microsoft.com/office/drawing/2010/main" val="0"/>
+              </a:ext>
+            </a:extLst>
+          </a:blip>
+          <a:srcRect/>
           <a:stretch>
             <a:fillRect/>
           </a:stretch>
         </p:blipFill>
+        <p:spPr bwMode="auto">
+          <a:xfrm>
+            <a:off x="2185562" y="3964469"/>
+            <a:ext cx="7088440" cy="982868"/>
+          </a:xfrm>
+          <a:prstGeom prst="rect">
+            <a:avLst/>
+          </a:prstGeom>
+          <a:noFill/>
+        </p:spPr>
+      </p:pic>
+      <p:sp>
+        <p:nvSpPr>
+          <p:cNvPr id="7" name="Content Placeholder 6">
+            <a:extLst>
+              <a:ext uri="{FF2B5EF4-FFF2-40B4-BE49-F238E27FC236}">
+                <a16:creationId xmlns:a16="http://schemas.microsoft.com/office/drawing/2014/main" id="{3E40FBCD-11BE-4CE7-A5DD-F5B25635AFAE}"/>
+              </a:ext>
+            </a:extLst>
+          </p:cNvPr>
+          <p:cNvSpPr>
+            <a:spLocks noGrp="1"/>
+          </p:cNvSpPr>
+          <p:nvPr>
+            <p:ph idx="1"/>
+          </p:nvPr>
+        </p:nvSpPr>
         <p:spPr>
           <a:xfrm>
-            <a:off x="677334" y="1391478"/>
-            <a:ext cx="8030567" cy="5466521"/>
+            <a:off x="677334" y="1434905"/>
+            <a:ext cx="8596668" cy="4606457"/>
           </a:xfrm>
+        </p:spPr>
+        <p:txBody>
+          <a:bodyPr>
+            <a:normAutofit/>
+          </a:bodyPr>
+          <a:lstStyle/>
+          <a:p>
+            <a:r>
+              <a:rPr lang="en-US" sz="2200" err="1">
+                <a:latin typeface="Times New Roman" panose="02020603050405020304" pitchFamily="18" charset="0"/>
+                <a:cs typeface="Times New Roman" panose="02020603050405020304" pitchFamily="18" charset="0"/>
+              </a:rPr>
+              <a:t>Định</a:t>
+            </a:r>
+            <a:r>
+              <a:rPr lang="en-US" sz="2200">
+                <a:latin typeface="Times New Roman" panose="02020603050405020304" pitchFamily="18" charset="0"/>
+                <a:cs typeface="Times New Roman" panose="02020603050405020304" pitchFamily="18" charset="0"/>
+              </a:rPr>
+              <a:t> </a:t>
+            </a:r>
+            <a:r>
+              <a:rPr lang="en-US" sz="2200" err="1">
+                <a:latin typeface="Times New Roman" panose="02020603050405020304" pitchFamily="18" charset="0"/>
+                <a:cs typeface="Times New Roman" panose="02020603050405020304" pitchFamily="18" charset="0"/>
+              </a:rPr>
+              <a:t>lý</a:t>
+            </a:r>
+            <a:r>
+              <a:rPr lang="en-US" sz="2200">
+                <a:latin typeface="Times New Roman" panose="02020603050405020304" pitchFamily="18" charset="0"/>
+                <a:cs typeface="Times New Roman" panose="02020603050405020304" pitchFamily="18" charset="0"/>
+              </a:rPr>
+              <a:t>:</a:t>
+            </a:r>
+          </a:p>
+          <a:p>
+            <a:endParaRPr lang="en-US" sz="2200">
+              <a:latin typeface="Times New Roman" panose="02020603050405020304" pitchFamily="18" charset="0"/>
+              <a:cs typeface="Times New Roman" panose="02020603050405020304" pitchFamily="18" charset="0"/>
+            </a:endParaRPr>
+          </a:p>
+        </p:txBody>
+      </p:sp>
+      <p:pic>
+        <p:nvPicPr>
+          <p:cNvPr id="8" name="Picture 7">
+            <a:extLst>
+              <a:ext uri="{FF2B5EF4-FFF2-40B4-BE49-F238E27FC236}">
+                <a16:creationId xmlns:a16="http://schemas.microsoft.com/office/drawing/2014/main" id="{CB7EDB07-FA6C-42DC-A023-A164C1D99C8F}"/>
+              </a:ext>
+            </a:extLst>
+          </p:cNvPr>
+          <p:cNvPicPr/>
+          <p:nvPr/>
+        </p:nvPicPr>
+        <p:blipFill>
+          <a:blip r:embed="rId3">
+            <a:extLst>
+              <a:ext uri="{28A0092B-C50C-407E-A947-70E740481C1C}">
+                <a14:useLocalDpi xmlns:a14="http://schemas.microsoft.com/office/drawing/2010/main" val="0"/>
+              </a:ext>
+            </a:extLst>
+          </a:blip>
+          <a:srcRect/>
+          <a:stretch>
+            <a:fillRect/>
+          </a:stretch>
+        </p:blipFill>
+        <p:spPr bwMode="auto">
+          <a:xfrm>
+            <a:off x="677332" y="2461808"/>
+            <a:ext cx="10837334" cy="967192"/>
+          </a:xfrm>
+          <a:prstGeom prst="rect">
+            <a:avLst/>
+          </a:prstGeom>
+          <a:noFill/>
+          <a:ln>
+            <a:noFill/>
+          </a:ln>
         </p:spPr>
       </p:pic>
     </p:spTree>
     <p:extLst>
       <p:ext uri="{BB962C8B-B14F-4D97-AF65-F5344CB8AC3E}">
-        <p14:creationId xmlns:p14="http://schemas.microsoft.com/office/powerpoint/2010/main" val="3513963773"/>
+        <p14:creationId xmlns:p14="http://schemas.microsoft.com/office/powerpoint/2010/main" val="485451428"/>
       </p:ext>
     </p:extLst>
   </p:cSld>
@@ -6163,6 +6760,104 @@
           <p:cNvPr id="2" name="Title 1">
             <a:extLst>
               <a:ext uri="{FF2B5EF4-FFF2-40B4-BE49-F238E27FC236}">
+                <a16:creationId xmlns:a16="http://schemas.microsoft.com/office/drawing/2014/main" id="{794F699A-8C53-44CB-B40D-1D6A75144032}"/>
+              </a:ext>
+            </a:extLst>
+          </p:cNvPr>
+          <p:cNvSpPr>
+            <a:spLocks noGrp="1"/>
+          </p:cNvSpPr>
+          <p:nvPr>
+            <p:ph type="title"/>
+          </p:nvPr>
+        </p:nvSpPr>
+        <p:spPr>
+          <a:xfrm>
+            <a:off x="677334" y="609601"/>
+            <a:ext cx="8596668" cy="781878"/>
+          </a:xfrm>
+        </p:spPr>
+        <p:txBody>
+          <a:bodyPr/>
+          <a:lstStyle/>
+          <a:p>
+            <a:r>
+              <a:rPr lang="en-US">
+                <a:latin typeface="Times New Roman" panose="02020603050405020304" pitchFamily="18" charset="0"/>
+                <a:cs typeface="Times New Roman" panose="02020603050405020304" pitchFamily="18" charset="0"/>
+              </a:rPr>
+              <a:t>Robust Logistic Regression</a:t>
+            </a:r>
+          </a:p>
+        </p:txBody>
+      </p:sp>
+      <p:pic>
+        <p:nvPicPr>
+          <p:cNvPr id="8" name="Content Placeholder 7">
+            <a:extLst>
+              <a:ext uri="{FF2B5EF4-FFF2-40B4-BE49-F238E27FC236}">
+                <a16:creationId xmlns:a16="http://schemas.microsoft.com/office/drawing/2014/main" id="{FF59A0D7-24B7-46F9-B83F-77E0BD0A3B39}"/>
+              </a:ext>
+            </a:extLst>
+          </p:cNvPr>
+          <p:cNvPicPr>
+            <a:picLocks noGrp="1" noChangeAspect="1"/>
+          </p:cNvPicPr>
+          <p:nvPr>
+            <p:ph idx="1"/>
+          </p:nvPr>
+        </p:nvPicPr>
+        <p:blipFill>
+          <a:blip r:embed="rId2"/>
+          <a:stretch>
+            <a:fillRect/>
+          </a:stretch>
+        </p:blipFill>
+        <p:spPr>
+          <a:xfrm>
+            <a:off x="1995055" y="1585636"/>
+            <a:ext cx="6367548" cy="4759318"/>
+          </a:xfrm>
+        </p:spPr>
+      </p:pic>
+    </p:spTree>
+    <p:extLst>
+      <p:ext uri="{BB962C8B-B14F-4D97-AF65-F5344CB8AC3E}">
+        <p14:creationId xmlns:p14="http://schemas.microsoft.com/office/powerpoint/2010/main" val="3513963773"/>
+      </p:ext>
+    </p:extLst>
+  </p:cSld>
+  <p:clrMapOvr>
+    <a:masterClrMapping/>
+  </p:clrMapOvr>
+  <p:transition spd="slow">
+    <p:wipe/>
+  </p:transition>
+</p:sld>
+</file>
+
+<file path=ppt/slides/slide12.xml><?xml version="1.0" encoding="utf-8"?>
+<p:sld xmlns:a="http://schemas.openxmlformats.org/drawingml/2006/main" xmlns:r="http://schemas.openxmlformats.org/officeDocument/2006/relationships" xmlns:p="http://schemas.openxmlformats.org/presentationml/2006/main">
+  <p:cSld>
+    <p:spTree>
+      <p:nvGrpSpPr>
+        <p:cNvPr id="1" name=""/>
+        <p:cNvGrpSpPr/>
+        <p:nvPr/>
+      </p:nvGrpSpPr>
+      <p:grpSpPr>
+        <a:xfrm>
+          <a:off x="0" y="0"/>
+          <a:ext cx="0" cy="0"/>
+          <a:chOff x="0" y="0"/>
+          <a:chExt cx="0" cy="0"/>
+        </a:xfrm>
+      </p:grpSpPr>
+      <p:sp>
+        <p:nvSpPr>
+          <p:cNvPr id="2" name="Title 1">
+            <a:extLst>
+              <a:ext uri="{FF2B5EF4-FFF2-40B4-BE49-F238E27FC236}">
                 <a16:creationId xmlns:a16="http://schemas.microsoft.com/office/drawing/2014/main" id="{ECB2A3BA-092A-4B79-886B-225C0C919F47}"/>
               </a:ext>
             </a:extLst>
@@ -7080,7 +7775,7 @@
 </p:sld>
 </file>
 
-<file path=ppt/slides/slide12.xml><?xml version="1.0" encoding="utf-8"?>
+<file path=ppt/slides/slide13.xml><?xml version="1.0" encoding="utf-8"?>
 <p:sld xmlns:a="http://schemas.openxmlformats.org/drawingml/2006/main" xmlns:r="http://schemas.openxmlformats.org/officeDocument/2006/relationships" xmlns:p="http://schemas.openxmlformats.org/presentationml/2006/main">
   <p:cSld>
     <p:spTree>
@@ -7376,362 +8071,329 @@
           <a:lstStyle/>
           <a:p>
             <a:r>
-              <a:rPr lang="en-US" sz="2200" err="1">
+              <a:rPr lang="en-US" sz="2400" err="1">
                 <a:latin typeface="Times New Roman" panose="02020603050405020304" pitchFamily="18" charset="0"/>
                 <a:cs typeface="Times New Roman" panose="02020603050405020304" pitchFamily="18" charset="0"/>
               </a:rPr>
               <a:t>Hồi</a:t>
             </a:r>
             <a:r>
-              <a:rPr lang="en-US" sz="2200">
+              <a:rPr lang="en-US" sz="2400">
                 <a:latin typeface="Times New Roman" panose="02020603050405020304" pitchFamily="18" charset="0"/>
                 <a:cs typeface="Times New Roman" panose="02020603050405020304" pitchFamily="18" charset="0"/>
               </a:rPr>
               <a:t> </a:t>
             </a:r>
             <a:r>
-              <a:rPr lang="en-US" sz="2200" err="1">
+              <a:rPr lang="en-US" sz="2400" err="1">
                 <a:latin typeface="Times New Roman" panose="02020603050405020304" pitchFamily="18" charset="0"/>
                 <a:cs typeface="Times New Roman" panose="02020603050405020304" pitchFamily="18" charset="0"/>
               </a:rPr>
               <a:t>quy</a:t>
             </a:r>
             <a:r>
-              <a:rPr lang="en-US" sz="2200">
+              <a:rPr lang="en-US" sz="2400">
                 <a:latin typeface="Times New Roman" panose="02020603050405020304" pitchFamily="18" charset="0"/>
                 <a:cs typeface="Times New Roman" panose="02020603050405020304" pitchFamily="18" charset="0"/>
               </a:rPr>
               <a:t> logistic (LR) </a:t>
             </a:r>
             <a:r>
-              <a:rPr lang="en-US" sz="2200" err="1">
+              <a:rPr lang="en-US" sz="2400" err="1">
                 <a:latin typeface="Times New Roman" panose="02020603050405020304" pitchFamily="18" charset="0"/>
                 <a:cs typeface="Times New Roman" panose="02020603050405020304" pitchFamily="18" charset="0"/>
               </a:rPr>
               <a:t>là</a:t>
             </a:r>
             <a:r>
-              <a:rPr lang="en-US" sz="2200">
+              <a:rPr lang="en-US" sz="2400">
                 <a:latin typeface="Times New Roman" panose="02020603050405020304" pitchFamily="18" charset="0"/>
                 <a:cs typeface="Times New Roman" panose="02020603050405020304" pitchFamily="18" charset="0"/>
               </a:rPr>
               <a:t> </a:t>
             </a:r>
             <a:r>
-              <a:rPr lang="en-US" sz="2200" err="1">
+              <a:rPr lang="en-US" sz="2400" err="1">
                 <a:latin typeface="Times New Roman" panose="02020603050405020304" pitchFamily="18" charset="0"/>
                 <a:cs typeface="Times New Roman" panose="02020603050405020304" pitchFamily="18" charset="0"/>
               </a:rPr>
               <a:t>một</a:t>
             </a:r>
             <a:r>
-              <a:rPr lang="en-US" sz="2200">
+              <a:rPr lang="en-US" sz="2400">
                 <a:latin typeface="Times New Roman" panose="02020603050405020304" pitchFamily="18" charset="0"/>
                 <a:cs typeface="Times New Roman" panose="02020603050405020304" pitchFamily="18" charset="0"/>
               </a:rPr>
               <a:t> </a:t>
             </a:r>
             <a:r>
-              <a:rPr lang="en-US" sz="2200" err="1">
+              <a:rPr lang="en-US" sz="2400" err="1">
                 <a:latin typeface="Times New Roman" panose="02020603050405020304" pitchFamily="18" charset="0"/>
                 <a:cs typeface="Times New Roman" panose="02020603050405020304" pitchFamily="18" charset="0"/>
               </a:rPr>
               <a:t>mô</a:t>
             </a:r>
             <a:r>
-              <a:rPr lang="en-US" sz="2200">
+              <a:rPr lang="en-US" sz="2400">
                 <a:latin typeface="Times New Roman" panose="02020603050405020304" pitchFamily="18" charset="0"/>
                 <a:cs typeface="Times New Roman" panose="02020603050405020304" pitchFamily="18" charset="0"/>
               </a:rPr>
               <a:t> </a:t>
             </a:r>
             <a:r>
-              <a:rPr lang="en-US" sz="2200" err="1">
+              <a:rPr lang="en-US" sz="2400" err="1">
                 <a:latin typeface="Times New Roman" panose="02020603050405020304" pitchFamily="18" charset="0"/>
                 <a:cs typeface="Times New Roman" panose="02020603050405020304" pitchFamily="18" charset="0"/>
               </a:rPr>
               <a:t>hình</a:t>
             </a:r>
             <a:r>
-              <a:rPr lang="en-US" sz="2200">
+              <a:rPr lang="en-US" sz="2400">
+                <a:latin typeface="Times New Roman" panose="02020603050405020304" pitchFamily="18" charset="0"/>
+                <a:cs typeface="Times New Roman" panose="02020603050405020304" pitchFamily="18" charset="0"/>
+              </a:rPr>
+              <a:t> xác </a:t>
+            </a:r>
+            <a:r>
+              <a:rPr lang="en-US" sz="2400" err="1">
+                <a:latin typeface="Times New Roman" panose="02020603050405020304" pitchFamily="18" charset="0"/>
+                <a:cs typeface="Times New Roman" panose="02020603050405020304" pitchFamily="18" charset="0"/>
+              </a:rPr>
+              <a:t>suất</a:t>
+            </a:r>
+            <a:r>
+              <a:rPr lang="en-US" sz="2400">
                 <a:latin typeface="Times New Roman" panose="02020603050405020304" pitchFamily="18" charset="0"/>
                 <a:cs typeface="Times New Roman" panose="02020603050405020304" pitchFamily="18" charset="0"/>
               </a:rPr>
               <a:t> </a:t>
             </a:r>
             <a:r>
-              <a:rPr lang="en-US" sz="2200" err="1">
-                <a:latin typeface="Times New Roman" panose="02020603050405020304" pitchFamily="18" charset="0"/>
-                <a:cs typeface="Times New Roman" panose="02020603050405020304" pitchFamily="18" charset="0"/>
-              </a:rPr>
-              <a:t>phân</a:t>
-            </a:r>
-            <a:r>
-              <a:rPr lang="en-US" sz="2200">
+              <a:rPr lang="en-US" sz="2400" err="1">
+                <a:latin typeface="Times New Roman" panose="02020603050405020304" pitchFamily="18" charset="0"/>
+                <a:cs typeface="Times New Roman" panose="02020603050405020304" pitchFamily="18" charset="0"/>
+              </a:rPr>
+              <a:t>thống</a:t>
+            </a:r>
+            <a:r>
+              <a:rPr lang="en-US" sz="2400">
                 <a:latin typeface="Times New Roman" panose="02020603050405020304" pitchFamily="18" charset="0"/>
                 <a:cs typeface="Times New Roman" panose="02020603050405020304" pitchFamily="18" charset="0"/>
               </a:rPr>
               <a:t> </a:t>
             </a:r>
             <a:r>
-              <a:rPr lang="en-US" sz="2200" err="1">
-                <a:latin typeface="Times New Roman" panose="02020603050405020304" pitchFamily="18" charset="0"/>
-                <a:cs typeface="Times New Roman" panose="02020603050405020304" pitchFamily="18" charset="0"/>
-              </a:rPr>
-              <a:t>lớp</a:t>
-            </a:r>
-            <a:r>
-              <a:rPr lang="en-US" sz="2200">
+              <a:rPr lang="en-US" sz="2400" err="1">
+                <a:latin typeface="Times New Roman" panose="02020603050405020304" pitchFamily="18" charset="0"/>
+                <a:cs typeface="Times New Roman" panose="02020603050405020304" pitchFamily="18" charset="0"/>
+              </a:rPr>
+              <a:t>kê</a:t>
+            </a:r>
+            <a:r>
+              <a:rPr lang="en-US" sz="2400">
+                <a:latin typeface="Times New Roman" panose="02020603050405020304" pitchFamily="18" charset="0"/>
+                <a:cs typeface="Times New Roman" panose="02020603050405020304" pitchFamily="18" charset="0"/>
+              </a:rPr>
+              <a:t> phổ biến.</a:t>
+            </a:r>
+          </a:p>
+          <a:p>
+            <a:r>
+              <a:rPr lang="en-US" sz="2400" err="1">
+                <a:latin typeface="Times New Roman" panose="02020603050405020304" pitchFamily="18" charset="0"/>
+                <a:cs typeface="Times New Roman" panose="02020603050405020304" pitchFamily="18" charset="0"/>
+              </a:rPr>
+              <a:t>Kết</a:t>
+            </a:r>
+            <a:r>
+              <a:rPr lang="en-US" sz="2400">
                 <a:latin typeface="Times New Roman" panose="02020603050405020304" pitchFamily="18" charset="0"/>
                 <a:cs typeface="Times New Roman" panose="02020603050405020304" pitchFamily="18" charset="0"/>
               </a:rPr>
               <a:t> </a:t>
             </a:r>
             <a:r>
-              <a:rPr lang="en-US" sz="2200" err="1">
-                <a:latin typeface="Times New Roman" panose="02020603050405020304" pitchFamily="18" charset="0"/>
-                <a:cs typeface="Times New Roman" panose="02020603050405020304" pitchFamily="18" charset="0"/>
-              </a:rPr>
-              <a:t>xác</a:t>
-            </a:r>
-            <a:r>
-              <a:rPr lang="en-US" sz="2200">
+              <a:rPr lang="en-US" sz="2400" err="1">
+                <a:latin typeface="Times New Roman" panose="02020603050405020304" pitchFamily="18" charset="0"/>
+                <a:cs typeface="Times New Roman" panose="02020603050405020304" pitchFamily="18" charset="0"/>
+              </a:rPr>
+              <a:t>quả</a:t>
+            </a:r>
+            <a:r>
+              <a:rPr lang="en-US" sz="2400">
                 <a:latin typeface="Times New Roman" panose="02020603050405020304" pitchFamily="18" charset="0"/>
                 <a:cs typeface="Times New Roman" panose="02020603050405020304" pitchFamily="18" charset="0"/>
               </a:rPr>
               <a:t> </a:t>
             </a:r>
             <a:r>
-              <a:rPr lang="en-US" sz="2200" err="1">
-                <a:latin typeface="Times New Roman" panose="02020603050405020304" pitchFamily="18" charset="0"/>
-                <a:cs typeface="Times New Roman" panose="02020603050405020304" pitchFamily="18" charset="0"/>
-              </a:rPr>
-              <a:t>suất</a:t>
-            </a:r>
-            <a:r>
-              <a:rPr lang="en-US" sz="2200">
+              <a:rPr lang="en-US" sz="2400" err="1">
+                <a:latin typeface="Times New Roman" panose="02020603050405020304" pitchFamily="18" charset="0"/>
+                <a:cs typeface="Times New Roman" panose="02020603050405020304" pitchFamily="18" charset="0"/>
+              </a:rPr>
+              <a:t>của</a:t>
+            </a:r>
+            <a:r>
+              <a:rPr lang="en-US" sz="2400">
+                <a:latin typeface="Times New Roman" panose="02020603050405020304" pitchFamily="18" charset="0"/>
+                <a:cs typeface="Times New Roman" panose="02020603050405020304" pitchFamily="18" charset="0"/>
+              </a:rPr>
+              <a:t> LR </a:t>
+            </a:r>
+            <a:r>
+              <a:rPr lang="en-US" sz="2400" err="1">
+                <a:latin typeface="Times New Roman" panose="02020603050405020304" pitchFamily="18" charset="0"/>
+                <a:cs typeface="Times New Roman" panose="02020603050405020304" pitchFamily="18" charset="0"/>
+              </a:rPr>
+              <a:t>trên</a:t>
+            </a:r>
+            <a:r>
+              <a:rPr lang="en-US" sz="2400">
                 <a:latin typeface="Times New Roman" panose="02020603050405020304" pitchFamily="18" charset="0"/>
                 <a:cs typeface="Times New Roman" panose="02020603050405020304" pitchFamily="18" charset="0"/>
               </a:rPr>
               <a:t> </a:t>
             </a:r>
             <a:r>
-              <a:rPr lang="en-US" sz="2200" err="1">
-                <a:latin typeface="Times New Roman" panose="02020603050405020304" pitchFamily="18" charset="0"/>
-                <a:cs typeface="Times New Roman" panose="02020603050405020304" pitchFamily="18" charset="0"/>
-              </a:rPr>
-              <a:t>thống</a:t>
-            </a:r>
-            <a:r>
-              <a:rPr lang="en-US" sz="2200">
+              <a:rPr lang="en-US" sz="2400" err="1">
+                <a:latin typeface="Times New Roman" panose="02020603050405020304" pitchFamily="18" charset="0"/>
+                <a:cs typeface="Times New Roman" panose="02020603050405020304" pitchFamily="18" charset="0"/>
+              </a:rPr>
+              <a:t>mỗi</a:t>
+            </a:r>
+            <a:r>
+              <a:rPr lang="en-US" sz="2400">
                 <a:latin typeface="Times New Roman" panose="02020603050405020304" pitchFamily="18" charset="0"/>
                 <a:cs typeface="Times New Roman" panose="02020603050405020304" pitchFamily="18" charset="0"/>
               </a:rPr>
               <a:t> </a:t>
             </a:r>
             <a:r>
-              <a:rPr lang="en-US" sz="2200" err="1">
-                <a:latin typeface="Times New Roman" panose="02020603050405020304" pitchFamily="18" charset="0"/>
-                <a:cs typeface="Times New Roman" panose="02020603050405020304" pitchFamily="18" charset="0"/>
-              </a:rPr>
-              <a:t>kê</a:t>
-            </a:r>
-            <a:r>
-              <a:rPr lang="en-US" sz="2200">
+              <a:rPr lang="en-US" sz="2400" err="1">
+                <a:latin typeface="Times New Roman" panose="02020603050405020304" pitchFamily="18" charset="0"/>
+                <a:cs typeface="Times New Roman" panose="02020603050405020304" pitchFamily="18" charset="0"/>
+              </a:rPr>
+              <a:t>mẫu</a:t>
+            </a:r>
+            <a:r>
+              <a:rPr lang="en-US" sz="2400">
                 <a:latin typeface="Times New Roman" panose="02020603050405020304" pitchFamily="18" charset="0"/>
                 <a:cs typeface="Times New Roman" panose="02020603050405020304" pitchFamily="18" charset="0"/>
               </a:rPr>
               <a:t> </a:t>
             </a:r>
             <a:r>
-              <a:rPr lang="en-US" sz="2200" err="1">
-                <a:latin typeface="Times New Roman" panose="02020603050405020304" pitchFamily="18" charset="0"/>
-                <a:cs typeface="Times New Roman" panose="02020603050405020304" pitchFamily="18" charset="0"/>
-              </a:rPr>
-              <a:t>tiêu</a:t>
-            </a:r>
-            <a:r>
-              <a:rPr lang="en-US" sz="2200">
-                <a:latin typeface="Times New Roman" panose="02020603050405020304" pitchFamily="18" charset="0"/>
-                <a:cs typeface="Times New Roman" panose="02020603050405020304" pitchFamily="18" charset="0"/>
-              </a:rPr>
+              <a:rPr lang="en-US" sz="2400" err="1">
+                <a:latin typeface="Times New Roman" panose="02020603050405020304" pitchFamily="18" charset="0"/>
+                <a:cs typeface="Times New Roman" panose="02020603050405020304" pitchFamily="18" charset="0"/>
+              </a:rPr>
+              <a:t>là</a:t>
+            </a:r>
+            <a:r>
+              <a:rPr lang="en-US" sz="2400">
+                <a:latin typeface="Times New Roman" panose="02020603050405020304" pitchFamily="18" charset="0"/>
+                <a:cs typeface="Times New Roman" panose="02020603050405020304" pitchFamily="18" charset="0"/>
+              </a:rPr>
+              <a:t> giá trị xác suất</a:t>
+            </a:r>
+            <a:r>
+              <a:rPr lang="en-US" sz="2400"/>
               <a:t> </a:t>
             </a:r>
             <a:r>
-              <a:rPr lang="en-US" sz="2200" err="1">
-                <a:latin typeface="Times New Roman" panose="02020603050405020304" pitchFamily="18" charset="0"/>
-                <a:cs typeface="Times New Roman" panose="02020603050405020304" pitchFamily="18" charset="0"/>
-              </a:rPr>
-              <a:t>chuẩn</a:t>
-            </a:r>
-            <a:r>
-              <a:rPr lang="en-US" sz="2200">
-                <a:latin typeface="Times New Roman" panose="02020603050405020304" pitchFamily="18" charset="0"/>
-                <a:cs typeface="Times New Roman" panose="02020603050405020304" pitchFamily="18" charset="0"/>
-              </a:rPr>
-              <a:t>.</a:t>
-            </a:r>
-          </a:p>
-          <a:p>
-            <a:r>
-              <a:rPr lang="en-US" sz="2200" err="1">
-                <a:latin typeface="Times New Roman" panose="02020603050405020304" pitchFamily="18" charset="0"/>
-                <a:cs typeface="Times New Roman" panose="02020603050405020304" pitchFamily="18" charset="0"/>
-              </a:rPr>
-              <a:t>Kết</a:t>
-            </a:r>
-            <a:r>
-              <a:rPr lang="en-US" sz="2200">
+              <a:rPr lang="en-US" sz="2400">
+                <a:latin typeface="Times New Roman" panose="02020603050405020304" pitchFamily="18" charset="0"/>
+                <a:cs typeface="Times New Roman" panose="02020603050405020304" pitchFamily="18" charset="0"/>
+              </a:rPr>
+              <a:t>∈ [0,1].</a:t>
+            </a:r>
+          </a:p>
+          <a:p>
+            <a:r>
+              <a:rPr lang="en-US" sz="2400">
+                <a:latin typeface="Times New Roman" panose="02020603050405020304" pitchFamily="18" charset="0"/>
+                <a:cs typeface="Times New Roman" panose="02020603050405020304" pitchFamily="18" charset="0"/>
+              </a:rPr>
+              <a:t>LR </a:t>
+            </a:r>
+            <a:r>
+              <a:rPr lang="vi-VN" sz="2400">
+                <a:latin typeface="Times New Roman" panose="02020603050405020304" pitchFamily="18" charset="0"/>
+                <a:cs typeface="Times New Roman" panose="02020603050405020304" pitchFamily="18" charset="0"/>
+              </a:rPr>
+              <a:t>thực ra được sử dụng nhiều trong các bài toán </a:t>
+            </a:r>
+            <a:r>
+              <a:rPr lang="en-US" sz="2400">
+                <a:latin typeface="Times New Roman" panose="02020603050405020304" pitchFamily="18" charset="0"/>
+                <a:cs typeface="Times New Roman" panose="02020603050405020304" pitchFamily="18" charset="0"/>
+              </a:rPr>
+              <a:t>c</a:t>
+            </a:r>
+            <a:r>
+              <a:rPr lang="vi-VN" sz="2400">
+                <a:latin typeface="Times New Roman" panose="02020603050405020304" pitchFamily="18" charset="0"/>
+                <a:cs typeface="Times New Roman" panose="02020603050405020304" pitchFamily="18" charset="0"/>
+              </a:rPr>
+              <a:t>lassification</a:t>
+            </a:r>
+            <a:r>
+              <a:rPr lang="en-US" sz="2400">
+                <a:latin typeface="Times New Roman" panose="02020603050405020304" pitchFamily="18" charset="0"/>
+                <a:cs typeface="Times New Roman" panose="02020603050405020304" pitchFamily="18" charset="0"/>
+              </a:rPr>
+              <a:t>.  Bằng cách sử dụng một đ</a:t>
+            </a:r>
+            <a:r>
+              <a:rPr lang="vi-VN" sz="2400">
+                <a:latin typeface="Times New Roman" panose="02020603050405020304" pitchFamily="18" charset="0"/>
+                <a:cs typeface="Times New Roman" panose="02020603050405020304" pitchFamily="18" charset="0"/>
+              </a:rPr>
+              <a:t>iểm trên đồ thị của hàm sigmoid tương ứng với </a:t>
+            </a:r>
+            <a:r>
+              <a:rPr lang="el-GR" sz="2400" i="1">
+                <a:latin typeface="Times New Roman" panose="02020603050405020304" pitchFamily="18" charset="0"/>
+                <a:cs typeface="Times New Roman" panose="02020603050405020304" pitchFamily="18" charset="0"/>
+              </a:rPr>
+              <a:t>ϵ</a:t>
+            </a:r>
+            <a:r>
+              <a:rPr lang="en-US" sz="2400" i="1">
                 <a:latin typeface="Times New Roman" panose="02020603050405020304" pitchFamily="18" charset="0"/>
                 <a:cs typeface="Times New Roman" panose="02020603050405020304" pitchFamily="18" charset="0"/>
               </a:rPr>
               <a:t> </a:t>
             </a:r>
             <a:r>
-              <a:rPr lang="en-US" sz="2200" err="1">
-                <a:latin typeface="Times New Roman" panose="02020603050405020304" pitchFamily="18" charset="0"/>
-                <a:cs typeface="Times New Roman" panose="02020603050405020304" pitchFamily="18" charset="0"/>
-              </a:rPr>
-              <a:t>quả</a:t>
-            </a:r>
-            <a:r>
-              <a:rPr lang="en-US" sz="2200">
+              <a:rPr lang="el-GR" sz="2400">
+                <a:latin typeface="Times New Roman" panose="02020603050405020304" pitchFamily="18" charset="0"/>
+                <a:cs typeface="Times New Roman" panose="02020603050405020304" pitchFamily="18" charset="0"/>
+              </a:rPr>
+              <a:t>∈</a:t>
+            </a:r>
+            <a:r>
+              <a:rPr lang="en-US" sz="2400">
                 <a:latin typeface="Times New Roman" panose="02020603050405020304" pitchFamily="18" charset="0"/>
                 <a:cs typeface="Times New Roman" panose="02020603050405020304" pitchFamily="18" charset="0"/>
               </a:rPr>
               <a:t> </a:t>
             </a:r>
             <a:r>
-              <a:rPr lang="en-US" sz="2200" err="1">
-                <a:latin typeface="Times New Roman" panose="02020603050405020304" pitchFamily="18" charset="0"/>
-                <a:cs typeface="Times New Roman" panose="02020603050405020304" pitchFamily="18" charset="0"/>
-              </a:rPr>
-              <a:t>của</a:t>
-            </a:r>
-            <a:r>
-              <a:rPr lang="en-US" sz="2200">
-                <a:latin typeface="Times New Roman" panose="02020603050405020304" pitchFamily="18" charset="0"/>
-                <a:cs typeface="Times New Roman" panose="02020603050405020304" pitchFamily="18" charset="0"/>
-              </a:rPr>
-              <a:t> LR </a:t>
-            </a:r>
-            <a:r>
-              <a:rPr lang="en-US" sz="2200" err="1">
-                <a:latin typeface="Times New Roman" panose="02020603050405020304" pitchFamily="18" charset="0"/>
-                <a:cs typeface="Times New Roman" panose="02020603050405020304" pitchFamily="18" charset="0"/>
-              </a:rPr>
-              <a:t>trên</a:t>
-            </a:r>
-            <a:r>
-              <a:rPr lang="en-US" sz="2200">
-                <a:latin typeface="Times New Roman" panose="02020603050405020304" pitchFamily="18" charset="0"/>
-                <a:cs typeface="Times New Roman" panose="02020603050405020304" pitchFamily="18" charset="0"/>
-              </a:rPr>
-              <a:t> </a:t>
-            </a:r>
-            <a:r>
-              <a:rPr lang="en-US" sz="2200" err="1">
-                <a:latin typeface="Times New Roman" panose="02020603050405020304" pitchFamily="18" charset="0"/>
-                <a:cs typeface="Times New Roman" panose="02020603050405020304" pitchFamily="18" charset="0"/>
-              </a:rPr>
-              <a:t>mỗi</a:t>
-            </a:r>
-            <a:r>
-              <a:rPr lang="en-US" sz="2200">
-                <a:latin typeface="Times New Roman" panose="02020603050405020304" pitchFamily="18" charset="0"/>
-                <a:cs typeface="Times New Roman" panose="02020603050405020304" pitchFamily="18" charset="0"/>
-              </a:rPr>
-              <a:t> </a:t>
-            </a:r>
-            <a:r>
-              <a:rPr lang="en-US" sz="2200" err="1">
-                <a:latin typeface="Times New Roman" panose="02020603050405020304" pitchFamily="18" charset="0"/>
-                <a:cs typeface="Times New Roman" panose="02020603050405020304" pitchFamily="18" charset="0"/>
-              </a:rPr>
-              <a:t>mẫu</a:t>
-            </a:r>
-            <a:r>
-              <a:rPr lang="en-US" sz="2200">
-                <a:latin typeface="Times New Roman" panose="02020603050405020304" pitchFamily="18" charset="0"/>
-                <a:cs typeface="Times New Roman" panose="02020603050405020304" pitchFamily="18" charset="0"/>
-              </a:rPr>
-              <a:t> </a:t>
-            </a:r>
-            <a:r>
-              <a:rPr lang="en-US" sz="2200" err="1">
-                <a:latin typeface="Times New Roman" panose="02020603050405020304" pitchFamily="18" charset="0"/>
-                <a:cs typeface="Times New Roman" panose="02020603050405020304" pitchFamily="18" charset="0"/>
-              </a:rPr>
-              <a:t>là</a:t>
-            </a:r>
-            <a:r>
-              <a:rPr lang="en-US" sz="2200">
-                <a:latin typeface="Times New Roman" panose="02020603050405020304" pitchFamily="18" charset="0"/>
-                <a:cs typeface="Times New Roman" panose="02020603050405020304" pitchFamily="18" charset="0"/>
-              </a:rPr>
-              <a:t> </a:t>
-            </a:r>
-            <a:r>
-              <a:rPr lang="en-US" sz="2200" err="1">
-                <a:latin typeface="Times New Roman" panose="02020603050405020304" pitchFamily="18" charset="0"/>
-                <a:cs typeface="Times New Roman" panose="02020603050405020304" pitchFamily="18" charset="0"/>
-              </a:rPr>
-              <a:t>xác</a:t>
-            </a:r>
-            <a:r>
-              <a:rPr lang="en-US" sz="2200">
-                <a:latin typeface="Times New Roman" panose="02020603050405020304" pitchFamily="18" charset="0"/>
-                <a:cs typeface="Times New Roman" panose="02020603050405020304" pitchFamily="18" charset="0"/>
-              </a:rPr>
-              <a:t> </a:t>
-            </a:r>
-            <a:r>
-              <a:rPr lang="en-US" sz="2200" err="1">
-                <a:latin typeface="Times New Roman" panose="02020603050405020304" pitchFamily="18" charset="0"/>
-                <a:cs typeface="Times New Roman" panose="02020603050405020304" pitchFamily="18" charset="0"/>
-              </a:rPr>
-              <a:t>suất</a:t>
-            </a:r>
-            <a:r>
-              <a:rPr lang="en-US" sz="2200">
-                <a:latin typeface="Times New Roman" panose="02020603050405020304" pitchFamily="18" charset="0"/>
-                <a:cs typeface="Times New Roman" panose="02020603050405020304" pitchFamily="18" charset="0"/>
-              </a:rPr>
-              <a:t> positive </a:t>
-            </a:r>
-            <a:r>
-              <a:rPr lang="en-US" sz="2200" err="1">
-                <a:latin typeface="Times New Roman" panose="02020603050405020304" pitchFamily="18" charset="0"/>
-                <a:cs typeface="Times New Roman" panose="02020603050405020304" pitchFamily="18" charset="0"/>
-              </a:rPr>
-              <a:t>hoặc</a:t>
-            </a:r>
-            <a:r>
-              <a:rPr lang="en-US" sz="2200">
-                <a:latin typeface="Times New Roman" panose="02020603050405020304" pitchFamily="18" charset="0"/>
-                <a:cs typeface="Times New Roman" panose="02020603050405020304" pitchFamily="18" charset="0"/>
-              </a:rPr>
-              <a:t> negative.</a:t>
-            </a:r>
-          </a:p>
-          <a:p>
-            <a:r>
-              <a:rPr lang="vi-VN" sz="2200">
-                <a:latin typeface="Times New Roman" panose="02020603050405020304" pitchFamily="18" charset="0"/>
-                <a:cs typeface="Times New Roman" panose="02020603050405020304" pitchFamily="18" charset="0"/>
-              </a:rPr>
-              <a:t>LR được sử dụng rộng rãi để phân lớp</a:t>
-            </a:r>
-            <a:r>
-              <a:rPr lang="en-US" sz="2200">
-                <a:latin typeface="Times New Roman" panose="02020603050405020304" pitchFamily="18" charset="0"/>
-                <a:cs typeface="Times New Roman" panose="02020603050405020304" pitchFamily="18" charset="0"/>
-              </a:rPr>
-              <a:t>.</a:t>
-            </a:r>
-          </a:p>
-          <a:p>
-            <a:endParaRPr lang="en-US" sz="2200">
+              <a:rPr lang="el-GR" sz="2400">
+                <a:latin typeface="Times New Roman" panose="02020603050405020304" pitchFamily="18" charset="0"/>
+                <a:cs typeface="Times New Roman" panose="02020603050405020304" pitchFamily="18" charset="0"/>
+              </a:rPr>
+              <a:t>[0,1]</a:t>
+            </a:r>
+            <a:r>
+              <a:rPr lang="vi-VN" sz="2400">
+                <a:latin typeface="Times New Roman" panose="02020603050405020304" pitchFamily="18" charset="0"/>
+                <a:cs typeface="Times New Roman" panose="02020603050405020304" pitchFamily="18" charset="0"/>
+              </a:rPr>
+              <a:t> được chọn làm hard threshold (ngưỡng cứng)</a:t>
+            </a:r>
+            <a:endParaRPr lang="en-US" sz="2400">
               <a:latin typeface="Times New Roman" panose="02020603050405020304" pitchFamily="18" charset="0"/>
               <a:cs typeface="Times New Roman" panose="02020603050405020304" pitchFamily="18" charset="0"/>
             </a:endParaRPr>
@@ -7806,6 +8468,194 @@
           <p:cNvPr id="2" name="Title 1">
             <a:extLst>
               <a:ext uri="{FF2B5EF4-FFF2-40B4-BE49-F238E27FC236}">
+                <a16:creationId xmlns:a16="http://schemas.microsoft.com/office/drawing/2014/main" id="{864B9995-44EC-45AF-8700-A5BC3CD1E667}"/>
+              </a:ext>
+            </a:extLst>
+          </p:cNvPr>
+          <p:cNvSpPr>
+            <a:spLocks noGrp="1"/>
+          </p:cNvSpPr>
+          <p:nvPr>
+            <p:ph type="title"/>
+          </p:nvPr>
+        </p:nvSpPr>
+        <p:spPr>
+          <a:xfrm>
+            <a:off x="677334" y="609600"/>
+            <a:ext cx="8596668" cy="702365"/>
+          </a:xfrm>
+        </p:spPr>
+        <p:txBody>
+          <a:bodyPr/>
+          <a:lstStyle/>
+          <a:p>
+            <a:r>
+              <a:rPr lang="en-US" err="1">
+                <a:latin typeface="Times New Roman" panose="02020603050405020304" pitchFamily="18" charset="0"/>
+                <a:cs typeface="Times New Roman" panose="02020603050405020304" pitchFamily="18" charset="0"/>
+              </a:rPr>
+              <a:t>Giới</a:t>
+            </a:r>
+            <a:r>
+              <a:rPr lang="en-US">
+                <a:latin typeface="Times New Roman" panose="02020603050405020304" pitchFamily="18" charset="0"/>
+                <a:cs typeface="Times New Roman" panose="02020603050405020304" pitchFamily="18" charset="0"/>
+              </a:rPr>
+              <a:t> </a:t>
+            </a:r>
+            <a:r>
+              <a:rPr lang="en-US" err="1">
+                <a:latin typeface="Times New Roman" panose="02020603050405020304" pitchFamily="18" charset="0"/>
+                <a:cs typeface="Times New Roman" panose="02020603050405020304" pitchFamily="18" charset="0"/>
+              </a:rPr>
+              <a:t>Thiệu</a:t>
+            </a:r>
+            <a:endParaRPr lang="en-US">
+              <a:latin typeface="Times New Roman" panose="02020603050405020304" pitchFamily="18" charset="0"/>
+              <a:cs typeface="Times New Roman" panose="02020603050405020304" pitchFamily="18" charset="0"/>
+            </a:endParaRPr>
+          </a:p>
+        </p:txBody>
+      </p:sp>
+      <p:pic>
+        <p:nvPicPr>
+          <p:cNvPr id="4" name="Content Placeholder 3">
+            <a:extLst>
+              <a:ext uri="{FF2B5EF4-FFF2-40B4-BE49-F238E27FC236}">
+                <a16:creationId xmlns:a16="http://schemas.microsoft.com/office/drawing/2014/main" id="{78DAE010-8E68-40FA-8601-DF263E99E709}"/>
+              </a:ext>
+            </a:extLst>
+          </p:cNvPr>
+          <p:cNvPicPr>
+            <a:picLocks noGrp="1" noChangeAspect="1"/>
+          </p:cNvPicPr>
+          <p:nvPr>
+            <p:ph idx="1"/>
+          </p:nvPr>
+        </p:nvPicPr>
+        <p:blipFill>
+          <a:blip r:embed="rId2"/>
+          <a:stretch>
+            <a:fillRect/>
+          </a:stretch>
+        </p:blipFill>
+        <p:spPr>
+          <a:xfrm>
+            <a:off x="1721506" y="1311965"/>
+            <a:ext cx="7197207" cy="4012748"/>
+          </a:xfrm>
+        </p:spPr>
+      </p:pic>
+      <p:sp>
+        <p:nvSpPr>
+          <p:cNvPr id="5" name="TextBox 4">
+            <a:extLst>
+              <a:ext uri="{FF2B5EF4-FFF2-40B4-BE49-F238E27FC236}">
+                <a16:creationId xmlns:a16="http://schemas.microsoft.com/office/drawing/2014/main" id="{6E7519AD-4110-47A9-AB91-75F78A200992}"/>
+              </a:ext>
+            </a:extLst>
+          </p:cNvPr>
+          <p:cNvSpPr txBox="1"/>
+          <p:nvPr/>
+        </p:nvSpPr>
+        <p:spPr>
+          <a:xfrm>
+            <a:off x="1721506" y="5844209"/>
+            <a:ext cx="8111607" cy="369332"/>
+          </a:xfrm>
+          <a:prstGeom prst="rect">
+            <a:avLst/>
+          </a:prstGeom>
+          <a:noFill/>
+        </p:spPr>
+        <p:txBody>
+          <a:bodyPr wrap="square" rtlCol="0">
+            <a:spAutoFit/>
+          </a:bodyPr>
+          <a:lstStyle/>
+          <a:p>
+            <a:r>
+              <a:rPr lang="en-US" i="1">
+                <a:latin typeface="Times New Roman" panose="02020603050405020304" pitchFamily="18" charset="0"/>
+                <a:cs typeface="Times New Roman" panose="02020603050405020304" pitchFamily="18" charset="0"/>
+              </a:rPr>
+              <a:t>Ví dụ: </a:t>
+            </a:r>
+            <a:r>
+              <a:rPr lang="el-GR" i="1">
+                <a:latin typeface="Times New Roman" panose="02020603050405020304" pitchFamily="18" charset="0"/>
+                <a:cs typeface="Times New Roman" panose="02020603050405020304" pitchFamily="18" charset="0"/>
+              </a:rPr>
+              <a:t>ϵ</a:t>
+            </a:r>
+            <a:r>
+              <a:rPr lang="en-US" i="1">
+                <a:latin typeface="Times New Roman" panose="02020603050405020304" pitchFamily="18" charset="0"/>
+                <a:cs typeface="Times New Roman" panose="02020603050405020304" pitchFamily="18" charset="0"/>
+              </a:rPr>
+              <a:t> =</a:t>
+            </a:r>
+            <a:r>
+              <a:rPr lang="el-GR" i="1">
+                <a:latin typeface="Times New Roman" panose="02020603050405020304" pitchFamily="18" charset="0"/>
+                <a:cs typeface="Times New Roman" panose="02020603050405020304" pitchFamily="18" charset="0"/>
+              </a:rPr>
+              <a:t> </a:t>
+            </a:r>
+            <a:r>
+              <a:rPr lang="vi-VN"/>
+              <a:t>0.5 được chọn làm </a:t>
+            </a:r>
+            <a:r>
+              <a:rPr lang="vi-VN" i="1"/>
+              <a:t>hard threshold</a:t>
+            </a:r>
+            <a:r>
+              <a:rPr lang="vi-VN"/>
+              <a:t> (ngưỡng cứng)</a:t>
+            </a:r>
+            <a:endParaRPr lang="en-US"/>
+          </a:p>
+        </p:txBody>
+      </p:sp>
+    </p:spTree>
+    <p:extLst>
+      <p:ext uri="{BB962C8B-B14F-4D97-AF65-F5344CB8AC3E}">
+        <p14:creationId xmlns:p14="http://schemas.microsoft.com/office/powerpoint/2010/main" val="2324801731"/>
+      </p:ext>
+    </p:extLst>
+  </p:cSld>
+  <p:clrMapOvr>
+    <a:masterClrMapping/>
+  </p:clrMapOvr>
+  <p:transition spd="slow">
+    <p:wipe/>
+  </p:transition>
+</p:sld>
+</file>
+
+<file path=ppt/slides/slide5.xml><?xml version="1.0" encoding="utf-8"?>
+<p:sld xmlns:a="http://schemas.openxmlformats.org/drawingml/2006/main" xmlns:r="http://schemas.openxmlformats.org/officeDocument/2006/relationships" xmlns:p="http://schemas.openxmlformats.org/presentationml/2006/main">
+  <p:cSld>
+    <p:spTree>
+      <p:nvGrpSpPr>
+        <p:cNvPr id="1" name=""/>
+        <p:cNvGrpSpPr/>
+        <p:nvPr/>
+      </p:nvGrpSpPr>
+      <p:grpSpPr>
+        <a:xfrm>
+          <a:off x="0" y="0"/>
+          <a:ext cx="0" cy="0"/>
+          <a:chOff x="0" y="0"/>
+          <a:chExt cx="0" cy="0"/>
+        </a:xfrm>
+      </p:grpSpPr>
+      <p:sp>
+        <p:nvSpPr>
+          <p:cNvPr id="2" name="Title 1">
+            <a:extLst>
+              <a:ext uri="{FF2B5EF4-FFF2-40B4-BE49-F238E27FC236}">
                 <a16:creationId xmlns:a16="http://schemas.microsoft.com/office/drawing/2014/main" id="{DF8C07E7-DBA1-458A-8003-1F42AB3B10F2}"/>
               </a:ext>
             </a:extLst>
@@ -7872,7 +8722,7 @@
           </p:nvPr>
         </p:nvPicPr>
         <p:blipFill>
-          <a:blip r:embed="rId2"/>
+          <a:blip r:embed="rId3"/>
           <a:stretch>
             <a:fillRect/>
           </a:stretch>
@@ -7903,7 +8753,7 @@
 </p:sld>
 </file>
 
-<file path=ppt/slides/slide5.xml><?xml version="1.0" encoding="utf-8"?>
+<file path=ppt/slides/slide6.xml><?xml version="1.0" encoding="utf-8"?>
 <p:sld xmlns:a="http://schemas.openxmlformats.org/drawingml/2006/main" xmlns:r="http://schemas.openxmlformats.org/officeDocument/2006/relationships" xmlns:p="http://schemas.openxmlformats.org/presentationml/2006/main">
   <p:cSld>
     <p:spTree>
@@ -8370,7 +9220,7 @@
 </p:sld>
 </file>
 
-<file path=ppt/slides/slide6.xml><?xml version="1.0" encoding="utf-8"?>
+<file path=ppt/slides/slide7.xml><?xml version="1.0" encoding="utf-8"?>
 <p:sld xmlns:a="http://schemas.openxmlformats.org/drawingml/2006/main" xmlns:r="http://schemas.openxmlformats.org/officeDocument/2006/relationships" xmlns:p="http://schemas.openxmlformats.org/presentationml/2006/main">
   <p:cSld>
     <p:spTree>
@@ -9102,7 +9952,7 @@
 </p:sld>
 </file>
 
-<file path=ppt/slides/slide7.xml><?xml version="1.0" encoding="utf-8"?>
+<file path=ppt/slides/slide8.xml><?xml version="1.0" encoding="utf-8"?>
 <p:sld xmlns:a="http://schemas.openxmlformats.org/drawingml/2006/main" xmlns:r="http://schemas.openxmlformats.org/officeDocument/2006/relationships" xmlns:p="http://schemas.openxmlformats.org/presentationml/2006/main">
   <p:cSld>
     <p:spTree>
@@ -9607,7 +10457,7 @@
 </p:sld>
 </file>
 
-<file path=ppt/slides/slide8.xml><?xml version="1.0" encoding="utf-8"?>
+<file path=ppt/slides/slide9.xml><?xml version="1.0" encoding="utf-8"?>
 <p:sld xmlns:a="http://schemas.openxmlformats.org/drawingml/2006/main" xmlns:r="http://schemas.openxmlformats.org/officeDocument/2006/relationships" xmlns:p="http://schemas.openxmlformats.org/presentationml/2006/main">
   <p:cSld>
     <p:spTree>
@@ -9741,233 +10591,6 @@
     <p:extLst>
       <p:ext uri="{BB962C8B-B14F-4D97-AF65-F5344CB8AC3E}">
         <p14:creationId xmlns:p14="http://schemas.microsoft.com/office/powerpoint/2010/main" val="1942912647"/>
-      </p:ext>
-    </p:extLst>
-  </p:cSld>
-  <p:clrMapOvr>
-    <a:masterClrMapping/>
-  </p:clrMapOvr>
-  <p:transition spd="slow">
-    <p:wipe/>
-  </p:transition>
-</p:sld>
-</file>
-
-<file path=ppt/slides/slide9.xml><?xml version="1.0" encoding="utf-8"?>
-<p:sld xmlns:a="http://schemas.openxmlformats.org/drawingml/2006/main" xmlns:r="http://schemas.openxmlformats.org/officeDocument/2006/relationships" xmlns:p="http://schemas.openxmlformats.org/presentationml/2006/main">
-  <p:cSld>
-    <p:spTree>
-      <p:nvGrpSpPr>
-        <p:cNvPr id="1" name=""/>
-        <p:cNvGrpSpPr/>
-        <p:nvPr/>
-      </p:nvGrpSpPr>
-      <p:grpSpPr>
-        <a:xfrm>
-          <a:off x="0" y="0"/>
-          <a:ext cx="0" cy="0"/>
-          <a:chOff x="0" y="0"/>
-          <a:chExt cx="0" cy="0"/>
-        </a:xfrm>
-      </p:grpSpPr>
-      <p:sp>
-        <p:nvSpPr>
-          <p:cNvPr id="2" name="Title 1">
-            <a:extLst>
-              <a:ext uri="{FF2B5EF4-FFF2-40B4-BE49-F238E27FC236}">
-                <a16:creationId xmlns:a16="http://schemas.microsoft.com/office/drawing/2014/main" id="{17A32AD9-E319-49B1-A618-2021A66070F1}"/>
-              </a:ext>
-            </a:extLst>
-          </p:cNvPr>
-          <p:cNvSpPr>
-            <a:spLocks noGrp="1"/>
-          </p:cNvSpPr>
-          <p:nvPr>
-            <p:ph type="title"/>
-          </p:nvPr>
-        </p:nvSpPr>
-        <p:spPr>
-          <a:xfrm>
-            <a:off x="677334" y="609600"/>
-            <a:ext cx="8596668" cy="825305"/>
-          </a:xfrm>
-        </p:spPr>
-        <p:txBody>
-          <a:bodyPr/>
-          <a:lstStyle/>
-          <a:p>
-            <a:r>
-              <a:rPr lang="en-US" err="1">
-                <a:latin typeface="Times New Roman" panose="02020603050405020304" pitchFamily="18" charset="0"/>
-                <a:cs typeface="Times New Roman" panose="02020603050405020304" pitchFamily="18" charset="0"/>
-              </a:rPr>
-              <a:t>Hiệu</a:t>
-            </a:r>
-            <a:r>
-              <a:rPr lang="en-US">
-                <a:latin typeface="Times New Roman" panose="02020603050405020304" pitchFamily="18" charset="0"/>
-                <a:cs typeface="Times New Roman" panose="02020603050405020304" pitchFamily="18" charset="0"/>
-              </a:rPr>
-              <a:t> </a:t>
-            </a:r>
-            <a:r>
-              <a:rPr lang="en-US" err="1">
-                <a:latin typeface="Times New Roman" panose="02020603050405020304" pitchFamily="18" charset="0"/>
-                <a:cs typeface="Times New Roman" panose="02020603050405020304" pitchFamily="18" charset="0"/>
-              </a:rPr>
-              <a:t>Suất</a:t>
-            </a:r>
-            <a:endParaRPr lang="en-US">
-              <a:latin typeface="Times New Roman" panose="02020603050405020304" pitchFamily="18" charset="0"/>
-              <a:cs typeface="Times New Roman" panose="02020603050405020304" pitchFamily="18" charset="0"/>
-            </a:endParaRPr>
-          </a:p>
-        </p:txBody>
-      </p:sp>
-      <p:pic>
-        <p:nvPicPr>
-          <p:cNvPr id="5" name="Picture 4">
-            <a:extLst>
-              <a:ext uri="{FF2B5EF4-FFF2-40B4-BE49-F238E27FC236}">
-                <a16:creationId xmlns:a16="http://schemas.microsoft.com/office/drawing/2014/main" id="{8892871D-B40D-4388-B1FD-63669B2C62D2}"/>
-              </a:ext>
-            </a:extLst>
-          </p:cNvPr>
-          <p:cNvPicPr/>
-          <p:nvPr/>
-        </p:nvPicPr>
-        <p:blipFill>
-          <a:blip r:embed="rId2">
-            <a:extLst>
-              <a:ext uri="{28A0092B-C50C-407E-A947-70E740481C1C}">
-                <a14:useLocalDpi xmlns:a14="http://schemas.microsoft.com/office/drawing/2010/main" val="0"/>
-              </a:ext>
-            </a:extLst>
-          </a:blip>
-          <a:srcRect/>
-          <a:stretch>
-            <a:fillRect/>
-          </a:stretch>
-        </p:blipFill>
-        <p:spPr bwMode="auto">
-          <a:xfrm>
-            <a:off x="2185562" y="3964469"/>
-            <a:ext cx="7088440" cy="982868"/>
-          </a:xfrm>
-          <a:prstGeom prst="rect">
-            <a:avLst/>
-          </a:prstGeom>
-          <a:noFill/>
-        </p:spPr>
-      </p:pic>
-      <p:sp>
-        <p:nvSpPr>
-          <p:cNvPr id="7" name="Content Placeholder 6">
-            <a:extLst>
-              <a:ext uri="{FF2B5EF4-FFF2-40B4-BE49-F238E27FC236}">
-                <a16:creationId xmlns:a16="http://schemas.microsoft.com/office/drawing/2014/main" id="{3E40FBCD-11BE-4CE7-A5DD-F5B25635AFAE}"/>
-              </a:ext>
-            </a:extLst>
-          </p:cNvPr>
-          <p:cNvSpPr>
-            <a:spLocks noGrp="1"/>
-          </p:cNvSpPr>
-          <p:nvPr>
-            <p:ph idx="1"/>
-          </p:nvPr>
-        </p:nvSpPr>
-        <p:spPr>
-          <a:xfrm>
-            <a:off x="677334" y="1434905"/>
-            <a:ext cx="8596668" cy="4606457"/>
-          </a:xfrm>
-        </p:spPr>
-        <p:txBody>
-          <a:bodyPr>
-            <a:normAutofit/>
-          </a:bodyPr>
-          <a:lstStyle/>
-          <a:p>
-            <a:r>
-              <a:rPr lang="en-US" sz="2200" err="1">
-                <a:latin typeface="Times New Roman" panose="02020603050405020304" pitchFamily="18" charset="0"/>
-                <a:cs typeface="Times New Roman" panose="02020603050405020304" pitchFamily="18" charset="0"/>
-              </a:rPr>
-              <a:t>Định</a:t>
-            </a:r>
-            <a:r>
-              <a:rPr lang="en-US" sz="2200">
-                <a:latin typeface="Times New Roman" panose="02020603050405020304" pitchFamily="18" charset="0"/>
-                <a:cs typeface="Times New Roman" panose="02020603050405020304" pitchFamily="18" charset="0"/>
-              </a:rPr>
-              <a:t> </a:t>
-            </a:r>
-            <a:r>
-              <a:rPr lang="en-US" sz="2200" err="1">
-                <a:latin typeface="Times New Roman" panose="02020603050405020304" pitchFamily="18" charset="0"/>
-                <a:cs typeface="Times New Roman" panose="02020603050405020304" pitchFamily="18" charset="0"/>
-              </a:rPr>
-              <a:t>lý</a:t>
-            </a:r>
-            <a:r>
-              <a:rPr lang="en-US" sz="2200">
-                <a:latin typeface="Times New Roman" panose="02020603050405020304" pitchFamily="18" charset="0"/>
-                <a:cs typeface="Times New Roman" panose="02020603050405020304" pitchFamily="18" charset="0"/>
-              </a:rPr>
-              <a:t>:</a:t>
-            </a:r>
-          </a:p>
-          <a:p>
-            <a:endParaRPr lang="en-US" sz="2200">
-              <a:latin typeface="Times New Roman" panose="02020603050405020304" pitchFamily="18" charset="0"/>
-              <a:cs typeface="Times New Roman" panose="02020603050405020304" pitchFamily="18" charset="0"/>
-            </a:endParaRPr>
-          </a:p>
-        </p:txBody>
-      </p:sp>
-      <p:pic>
-        <p:nvPicPr>
-          <p:cNvPr id="8" name="Picture 7">
-            <a:extLst>
-              <a:ext uri="{FF2B5EF4-FFF2-40B4-BE49-F238E27FC236}">
-                <a16:creationId xmlns:a16="http://schemas.microsoft.com/office/drawing/2014/main" id="{CB7EDB07-FA6C-42DC-A023-A164C1D99C8F}"/>
-              </a:ext>
-            </a:extLst>
-          </p:cNvPr>
-          <p:cNvPicPr/>
-          <p:nvPr/>
-        </p:nvPicPr>
-        <p:blipFill>
-          <a:blip r:embed="rId3">
-            <a:extLst>
-              <a:ext uri="{28A0092B-C50C-407E-A947-70E740481C1C}">
-                <a14:useLocalDpi xmlns:a14="http://schemas.microsoft.com/office/drawing/2010/main" val="0"/>
-              </a:ext>
-            </a:extLst>
-          </a:blip>
-          <a:srcRect/>
-          <a:stretch>
-            <a:fillRect/>
-          </a:stretch>
-        </p:blipFill>
-        <p:spPr bwMode="auto">
-          <a:xfrm>
-            <a:off x="677332" y="2461808"/>
-            <a:ext cx="10837334" cy="967192"/>
-          </a:xfrm>
-          <a:prstGeom prst="rect">
-            <a:avLst/>
-          </a:prstGeom>
-          <a:noFill/>
-          <a:ln>
-            <a:noFill/>
-          </a:ln>
-        </p:spPr>
-      </p:pic>
-    </p:spTree>
-    <p:extLst>
-      <p:ext uri="{BB962C8B-B14F-4D97-AF65-F5344CB8AC3E}">
-        <p14:creationId xmlns:p14="http://schemas.microsoft.com/office/powerpoint/2010/main" val="485451428"/>
       </p:ext>
     </p:extLst>
   </p:cSld>
@@ -10235,4 +10858,299 @@
     </a:ext>
   </a:extLst>
 </a:theme>
+</file>
+
+<file path=ppt/theme/theme2.xml><?xml version="1.0" encoding="utf-8"?>
+<a:theme xmlns:a="http://schemas.openxmlformats.org/drawingml/2006/main" name="Office Theme">
+  <a:themeElements>
+    <a:clrScheme name="Office">
+      <a:dk1>
+        <a:sysClr val="windowText" lastClr="000000"/>
+      </a:dk1>
+      <a:lt1>
+        <a:sysClr val="window" lastClr="FFFFFF"/>
+      </a:lt1>
+      <a:dk2>
+        <a:srgbClr val="44546A"/>
+      </a:dk2>
+      <a:lt2>
+        <a:srgbClr val="E7E6E6"/>
+      </a:lt2>
+      <a:accent1>
+        <a:srgbClr val="4472C4"/>
+      </a:accent1>
+      <a:accent2>
+        <a:srgbClr val="ED7D31"/>
+      </a:accent2>
+      <a:accent3>
+        <a:srgbClr val="A5A5A5"/>
+      </a:accent3>
+      <a:accent4>
+        <a:srgbClr val="FFC000"/>
+      </a:accent4>
+      <a:accent5>
+        <a:srgbClr val="5B9BD5"/>
+      </a:accent5>
+      <a:accent6>
+        <a:srgbClr val="70AD47"/>
+      </a:accent6>
+      <a:hlink>
+        <a:srgbClr val="0563C1"/>
+      </a:hlink>
+      <a:folHlink>
+        <a:srgbClr val="954F72"/>
+      </a:folHlink>
+    </a:clrScheme>
+    <a:fontScheme name="Office">
+      <a:majorFont>
+        <a:latin typeface="Calibri Light" panose="020F0302020204030204"/>
+        <a:ea typeface=""/>
+        <a:cs typeface=""/>
+        <a:font script="Jpan" typeface="游ゴシック Light"/>
+        <a:font script="Hang" typeface="맑은 고딕"/>
+        <a:font script="Hans" typeface="等线 Light"/>
+        <a:font script="Hant" typeface="新細明體"/>
+        <a:font script="Arab" typeface="Times New Roman"/>
+        <a:font script="Hebr" typeface="Times New Roman"/>
+        <a:font script="Thai" typeface="Angsana New"/>
+        <a:font script="Ethi" typeface="Nyala"/>
+        <a:font script="Beng" typeface="Vrinda"/>
+        <a:font script="Gujr" typeface="Shruti"/>
+        <a:font script="Khmr" typeface="MoolBoran"/>
+        <a:font script="Knda" typeface="Tunga"/>
+        <a:font script="Guru" typeface="Raavi"/>
+        <a:font script="Cans" typeface="Euphemia"/>
+        <a:font script="Cher" typeface="Plantagenet Cherokee"/>
+        <a:font script="Yiii" typeface="Microsoft Yi Baiti"/>
+        <a:font script="Tibt" typeface="Microsoft Himalaya"/>
+        <a:font script="Thaa" typeface="MV Boli"/>
+        <a:font script="Deva" typeface="Mangal"/>
+        <a:font script="Telu" typeface="Gautami"/>
+        <a:font script="Taml" typeface="Latha"/>
+        <a:font script="Syrc" typeface="Estrangelo Edessa"/>
+        <a:font script="Orya" typeface="Kalinga"/>
+        <a:font script="Mlym" typeface="Kartika"/>
+        <a:font script="Laoo" typeface="DokChampa"/>
+        <a:font script="Sinh" typeface="Iskoola Pota"/>
+        <a:font script="Mong" typeface="Mongolian Baiti"/>
+        <a:font script="Viet" typeface="Times New Roman"/>
+        <a:font script="Uigh" typeface="Microsoft Uighur"/>
+        <a:font script="Geor" typeface="Sylfaen"/>
+        <a:font script="Armn" typeface="Arial"/>
+        <a:font script="Bugi" typeface="Leelawadee UI"/>
+        <a:font script="Bopo" typeface="Microsoft JhengHei"/>
+        <a:font script="Java" typeface="Javanese Text"/>
+        <a:font script="Lisu" typeface="Segoe UI"/>
+        <a:font script="Mymr" typeface="Myanmar Text"/>
+        <a:font script="Nkoo" typeface="Ebrima"/>
+        <a:font script="Olck" typeface="Nirmala UI"/>
+        <a:font script="Osma" typeface="Ebrima"/>
+        <a:font script="Phag" typeface="Phagspa"/>
+        <a:font script="Syrn" typeface="Estrangelo Edessa"/>
+        <a:font script="Syrj" typeface="Estrangelo Edessa"/>
+        <a:font script="Syre" typeface="Estrangelo Edessa"/>
+        <a:font script="Sora" typeface="Nirmala UI"/>
+        <a:font script="Tale" typeface="Microsoft Tai Le"/>
+        <a:font script="Talu" typeface="Microsoft New Tai Lue"/>
+        <a:font script="Tfng" typeface="Ebrima"/>
+      </a:majorFont>
+      <a:minorFont>
+        <a:latin typeface="Calibri" panose="020F0502020204030204"/>
+        <a:ea typeface=""/>
+        <a:cs typeface=""/>
+        <a:font script="Jpan" typeface="游ゴシック"/>
+        <a:font script="Hang" typeface="맑은 고딕"/>
+        <a:font script="Hans" typeface="等线"/>
+        <a:font script="Hant" typeface="新細明體"/>
+        <a:font script="Arab" typeface="Arial"/>
+        <a:font script="Hebr" typeface="Arial"/>
+        <a:font script="Thai" typeface="Cordia New"/>
+        <a:font script="Ethi" typeface="Nyala"/>
+        <a:font script="Beng" typeface="Vrinda"/>
+        <a:font script="Gujr" typeface="Shruti"/>
+        <a:font script="Khmr" typeface="DaunPenh"/>
+        <a:font script="Knda" typeface="Tunga"/>
+        <a:font script="Guru" typeface="Raavi"/>
+        <a:font script="Cans" typeface="Euphemia"/>
+        <a:font script="Cher" typeface="Plantagenet Cherokee"/>
+        <a:font script="Yiii" typeface="Microsoft Yi Baiti"/>
+        <a:font script="Tibt" typeface="Microsoft Himalaya"/>
+        <a:font script="Thaa" typeface="MV Boli"/>
+        <a:font script="Deva" typeface="Mangal"/>
+        <a:font script="Telu" typeface="Gautami"/>
+        <a:font script="Taml" typeface="Latha"/>
+        <a:font script="Syrc" typeface="Estrangelo Edessa"/>
+        <a:font script="Orya" typeface="Kalinga"/>
+        <a:font script="Mlym" typeface="Kartika"/>
+        <a:font script="Laoo" typeface="DokChampa"/>
+        <a:font script="Sinh" typeface="Iskoola Pota"/>
+        <a:font script="Mong" typeface="Mongolian Baiti"/>
+        <a:font script="Viet" typeface="Arial"/>
+        <a:font script="Uigh" typeface="Microsoft Uighur"/>
+        <a:font script="Geor" typeface="Sylfaen"/>
+        <a:font script="Armn" typeface="Arial"/>
+        <a:font script="Bugi" typeface="Leelawadee UI"/>
+        <a:font script="Bopo" typeface="Microsoft JhengHei"/>
+        <a:font script="Java" typeface="Javanese Text"/>
+        <a:font script="Lisu" typeface="Segoe UI"/>
+        <a:font script="Mymr" typeface="Myanmar Text"/>
+        <a:font script="Nkoo" typeface="Ebrima"/>
+        <a:font script="Olck" typeface="Nirmala UI"/>
+        <a:font script="Osma" typeface="Ebrima"/>
+        <a:font script="Phag" typeface="Phagspa"/>
+        <a:font script="Syrn" typeface="Estrangelo Edessa"/>
+        <a:font script="Syrj" typeface="Estrangelo Edessa"/>
+        <a:font script="Syre" typeface="Estrangelo Edessa"/>
+        <a:font script="Sora" typeface="Nirmala UI"/>
+        <a:font script="Tale" typeface="Microsoft Tai Le"/>
+        <a:font script="Talu" typeface="Microsoft New Tai Lue"/>
+        <a:font script="Tfng" typeface="Ebrima"/>
+      </a:minorFont>
+    </a:fontScheme>
+    <a:fmtScheme name="Office">
+      <a:fillStyleLst>
+        <a:solidFill>
+          <a:schemeClr val="phClr"/>
+        </a:solidFill>
+        <a:gradFill rotWithShape="1">
+          <a:gsLst>
+            <a:gs pos="0">
+              <a:schemeClr val="phClr">
+                <a:lumMod val="110000"/>
+                <a:satMod val="105000"/>
+                <a:tint val="67000"/>
+              </a:schemeClr>
+            </a:gs>
+            <a:gs pos="50000">
+              <a:schemeClr val="phClr">
+                <a:lumMod val="105000"/>
+                <a:satMod val="103000"/>
+                <a:tint val="73000"/>
+              </a:schemeClr>
+            </a:gs>
+            <a:gs pos="100000">
+              <a:schemeClr val="phClr">
+                <a:lumMod val="105000"/>
+                <a:satMod val="109000"/>
+                <a:tint val="81000"/>
+              </a:schemeClr>
+            </a:gs>
+          </a:gsLst>
+          <a:lin ang="5400000" scaled="0"/>
+        </a:gradFill>
+        <a:gradFill rotWithShape="1">
+          <a:gsLst>
+            <a:gs pos="0">
+              <a:schemeClr val="phClr">
+                <a:satMod val="103000"/>
+                <a:lumMod val="102000"/>
+                <a:tint val="94000"/>
+              </a:schemeClr>
+            </a:gs>
+            <a:gs pos="50000">
+              <a:schemeClr val="phClr">
+                <a:satMod val="110000"/>
+                <a:lumMod val="100000"/>
+                <a:shade val="100000"/>
+              </a:schemeClr>
+            </a:gs>
+            <a:gs pos="100000">
+              <a:schemeClr val="phClr">
+                <a:lumMod val="99000"/>
+                <a:satMod val="120000"/>
+                <a:shade val="78000"/>
+              </a:schemeClr>
+            </a:gs>
+          </a:gsLst>
+          <a:lin ang="5400000" scaled="0"/>
+        </a:gradFill>
+      </a:fillStyleLst>
+      <a:lnStyleLst>
+        <a:ln w="6350" cap="flat" cmpd="sng" algn="ctr">
+          <a:solidFill>
+            <a:schemeClr val="phClr"/>
+          </a:solidFill>
+          <a:prstDash val="solid"/>
+          <a:miter lim="800000"/>
+        </a:ln>
+        <a:ln w="12700" cap="flat" cmpd="sng" algn="ctr">
+          <a:solidFill>
+            <a:schemeClr val="phClr"/>
+          </a:solidFill>
+          <a:prstDash val="solid"/>
+          <a:miter lim="800000"/>
+        </a:ln>
+        <a:ln w="19050" cap="flat" cmpd="sng" algn="ctr">
+          <a:solidFill>
+            <a:schemeClr val="phClr"/>
+          </a:solidFill>
+          <a:prstDash val="solid"/>
+          <a:miter lim="800000"/>
+        </a:ln>
+      </a:lnStyleLst>
+      <a:effectStyleLst>
+        <a:effectStyle>
+          <a:effectLst/>
+        </a:effectStyle>
+        <a:effectStyle>
+          <a:effectLst/>
+        </a:effectStyle>
+        <a:effectStyle>
+          <a:effectLst>
+            <a:outerShdw blurRad="57150" dist="19050" dir="5400000" algn="ctr" rotWithShape="0">
+              <a:srgbClr val="000000">
+                <a:alpha val="63000"/>
+              </a:srgbClr>
+            </a:outerShdw>
+          </a:effectLst>
+        </a:effectStyle>
+      </a:effectStyleLst>
+      <a:bgFillStyleLst>
+        <a:solidFill>
+          <a:schemeClr val="phClr"/>
+        </a:solidFill>
+        <a:solidFill>
+          <a:schemeClr val="phClr">
+            <a:tint val="95000"/>
+            <a:satMod val="170000"/>
+          </a:schemeClr>
+        </a:solidFill>
+        <a:gradFill rotWithShape="1">
+          <a:gsLst>
+            <a:gs pos="0">
+              <a:schemeClr val="phClr">
+                <a:tint val="93000"/>
+                <a:satMod val="150000"/>
+                <a:shade val="98000"/>
+                <a:lumMod val="102000"/>
+              </a:schemeClr>
+            </a:gs>
+            <a:gs pos="50000">
+              <a:schemeClr val="phClr">
+                <a:tint val="98000"/>
+                <a:satMod val="130000"/>
+                <a:shade val="90000"/>
+                <a:lumMod val="103000"/>
+              </a:schemeClr>
+            </a:gs>
+            <a:gs pos="100000">
+              <a:schemeClr val="phClr">
+                <a:shade val="63000"/>
+                <a:satMod val="120000"/>
+              </a:schemeClr>
+            </a:gs>
+          </a:gsLst>
+          <a:lin ang="5400000" scaled="0"/>
+        </a:gradFill>
+      </a:bgFillStyleLst>
+    </a:fmtScheme>
+  </a:themeElements>
+  <a:objectDefaults/>
+  <a:extraClrSchemeLst/>
+  <a:extLst>
+    <a:ext uri="{05A4C25C-085E-4340-85A3-A5531E510DB2}">
+      <thm15:themeFamily xmlns:thm15="http://schemas.microsoft.com/office/thememl/2012/main" name="Office Theme" id="{62F939B6-93AF-4DB8-9C6B-D6C7DFDC589F}" vid="{4A3C46E8-61CC-4603-A589-7422A47A8E4A}"/>
+    </a:ext>
+  </a:extLst>
+</a:theme>
 </file>
--- a/slides.pptx
+++ b/slides.pptx
@@ -5,7 +5,7 @@
     <p:sldMasterId id="2147483648" r:id="rId1"/>
   </p:sldMasterIdLst>
   <p:notesMasterIdLst>
-    <p:notesMasterId r:id="rId15"/>
+    <p:notesMasterId r:id="rId16"/>
   </p:notesMasterIdLst>
   <p:sldIdLst>
     <p:sldId id="256" r:id="rId2"/>
@@ -18,9 +18,10 @@
     <p:sldId id="262" r:id="rId9"/>
     <p:sldId id="263" r:id="rId10"/>
     <p:sldId id="264" r:id="rId11"/>
-    <p:sldId id="266" r:id="rId12"/>
-    <p:sldId id="265" r:id="rId13"/>
-    <p:sldId id="267" r:id="rId14"/>
+    <p:sldId id="269" r:id="rId12"/>
+    <p:sldId id="266" r:id="rId13"/>
+    <p:sldId id="265" r:id="rId14"/>
+    <p:sldId id="267" r:id="rId15"/>
   </p:sldIdLst>
   <p:sldSz cx="12192000" cy="6858000"/>
   <p:notesSz cx="6858000" cy="9144000"/>
@@ -582,6 +583,2081 @@
     <p:extLst>
       <p:ext uri="{BB962C8B-B14F-4D97-AF65-F5344CB8AC3E}">
         <p14:creationId xmlns:p14="http://schemas.microsoft.com/office/powerpoint/2010/main" val="1650607823"/>
+      </p:ext>
+    </p:extLst>
+  </p:cSld>
+  <p:clrMapOvr>
+    <a:masterClrMapping/>
+  </p:clrMapOvr>
+</p:notes>
+</file>
+
+<file path=ppt/notesSlides/notesSlide2.xml><?xml version="1.0" encoding="utf-8"?>
+<p:notes xmlns:a="http://schemas.openxmlformats.org/drawingml/2006/main" xmlns:r="http://schemas.openxmlformats.org/officeDocument/2006/relationships" xmlns:p="http://schemas.openxmlformats.org/presentationml/2006/main">
+  <p:cSld>
+    <p:spTree>
+      <p:nvGrpSpPr>
+        <p:cNvPr id="1" name=""/>
+        <p:cNvGrpSpPr/>
+        <p:nvPr/>
+      </p:nvGrpSpPr>
+      <p:grpSpPr>
+        <a:xfrm>
+          <a:off x="0" y="0"/>
+          <a:ext cx="0" cy="0"/>
+          <a:chOff x="0" y="0"/>
+          <a:chExt cx="0" cy="0"/>
+        </a:xfrm>
+      </p:grpSpPr>
+      <p:sp>
+        <p:nvSpPr>
+          <p:cNvPr id="2" name="Slide Image Placeholder 1"/>
+          <p:cNvSpPr>
+            <a:spLocks noGrp="1" noRot="1" noChangeAspect="1"/>
+          </p:cNvSpPr>
+          <p:nvPr>
+            <p:ph type="sldImg"/>
+          </p:nvPr>
+        </p:nvSpPr>
+        <p:spPr/>
+      </p:sp>
+      <mc:AlternateContent xmlns:mc="http://schemas.openxmlformats.org/markup-compatibility/2006">
+        <mc:Choice xmlns:a14="http://schemas.microsoft.com/office/drawing/2010/main" Requires="a14">
+          <p:sp>
+            <p:nvSpPr>
+              <p:cNvPr id="3" name="Notes Placeholder 2"/>
+              <p:cNvSpPr>
+                <a:spLocks noGrp="1"/>
+              </p:cNvSpPr>
+              <p:nvPr>
+                <p:ph type="body" idx="1"/>
+              </p:nvPr>
+            </p:nvSpPr>
+            <p:spPr/>
+            <p:txBody>
+              <a:bodyPr/>
+              <a:lstStyle/>
+              <a:p>
+                <a:r>
+                  <a:rPr lang="en-US" sz="1200" kern="1200">
+                    <a:solidFill>
+                      <a:schemeClr val="tx1"/>
+                    </a:solidFill>
+                    <a:effectLst/>
+                    <a:latin typeface="+mn-lt"/>
+                    <a:ea typeface="+mn-ea"/>
+                    <a:cs typeface="+mn-cs"/>
+                  </a:rPr>
+                  <a:t>Với xác suất lớn hơn </a:t>
+                </a:r>
+                <a14:m>
+                  <m:oMath xmlns:m="http://schemas.openxmlformats.org/officeDocument/2006/math">
+                    <m:r>
+                      <a:rPr lang="en-US" sz="1200" i="1" kern="1200">
+                        <a:solidFill>
+                          <a:schemeClr val="tx1"/>
+                        </a:solidFill>
+                        <a:effectLst/>
+                        <a:latin typeface="+mn-lt"/>
+                        <a:ea typeface="+mn-ea"/>
+                        <a:cs typeface="+mn-cs"/>
+                      </a:rPr>
+                      <m:t>1−4</m:t>
+                    </m:r>
+                    <m:r>
+                      <m:rPr>
+                        <m:sty m:val="p"/>
+                      </m:rPr>
+                      <a:rPr lang="en-US" sz="1200" kern="1200">
+                        <a:solidFill>
+                          <a:schemeClr val="tx1"/>
+                        </a:solidFill>
+                        <a:effectLst/>
+                        <a:latin typeface="+mn-lt"/>
+                        <a:ea typeface="+mn-ea"/>
+                        <a:cs typeface="+mn-cs"/>
+                      </a:rPr>
+                      <m:t>exp</m:t>
+                    </m:r>
+                    <m:r>
+                      <a:rPr lang="en-US" sz="1200" kern="1200">
+                        <a:solidFill>
+                          <a:schemeClr val="tx1"/>
+                        </a:solidFill>
+                        <a:effectLst/>
+                        <a:latin typeface="+mn-lt"/>
+                        <a:ea typeface="+mn-ea"/>
+                        <a:cs typeface="+mn-cs"/>
+                      </a:rPr>
+                      <m:t>⁡</m:t>
+                    </m:r>
+                    <m:r>
+                      <a:rPr lang="en-US" sz="1200" i="1" kern="1200">
+                        <a:solidFill>
+                          <a:schemeClr val="tx1"/>
+                        </a:solidFill>
+                        <a:effectLst/>
+                        <a:latin typeface="+mn-lt"/>
+                        <a:ea typeface="+mn-ea"/>
+                        <a:cs typeface="+mn-cs"/>
+                      </a:rPr>
+                      <m:t>(−</m:t>
+                    </m:r>
+                    <m:f>
+                      <m:fPr>
+                        <m:ctrlPr>
+                          <a:rPr lang="en-US" sz="1200" i="1" kern="1200">
+                            <a:solidFill>
+                              <a:schemeClr val="tx1"/>
+                            </a:solidFill>
+                            <a:effectLst/>
+                            <a:latin typeface="+mn-lt"/>
+                            <a:ea typeface="+mn-ea"/>
+                            <a:cs typeface="+mn-cs"/>
+                          </a:rPr>
+                        </m:ctrlPr>
+                      </m:fPr>
+                      <m:num>
+                        <m:sSub>
+                          <m:sSubPr>
+                            <m:ctrlPr>
+                              <a:rPr lang="en-US" sz="1200" i="1" kern="1200">
+                                <a:solidFill>
+                                  <a:schemeClr val="tx1"/>
+                                </a:solidFill>
+                                <a:effectLst/>
+                                <a:latin typeface="+mn-lt"/>
+                                <a:ea typeface="+mn-ea"/>
+                                <a:cs typeface="+mn-cs"/>
+                              </a:rPr>
+                            </m:ctrlPr>
+                          </m:sSubPr>
+                          <m:e>
+                            <m:r>
+                              <a:rPr lang="en-US" sz="1200" i="1" kern="1200">
+                                <a:solidFill>
+                                  <a:schemeClr val="tx1"/>
+                                </a:solidFill>
+                                <a:effectLst/>
+                                <a:latin typeface="+mn-lt"/>
+                                <a:ea typeface="+mn-ea"/>
+                                <a:cs typeface="+mn-cs"/>
+                              </a:rPr>
+                              <m:t>𝑐</m:t>
+                            </m:r>
+                          </m:e>
+                          <m:sub>
+                            <m:r>
+                              <a:rPr lang="en-US" sz="1200" i="1" kern="1200">
+                                <a:solidFill>
+                                  <a:schemeClr val="tx1"/>
+                                </a:solidFill>
+                                <a:effectLst/>
+                                <a:latin typeface="+mn-lt"/>
+                                <a:ea typeface="+mn-ea"/>
+                                <a:cs typeface="+mn-cs"/>
+                              </a:rPr>
+                              <m:t>2</m:t>
+                            </m:r>
+                          </m:sub>
+                        </m:sSub>
+                        <m:r>
+                          <a:rPr lang="en-US" sz="1200" i="1" kern="1200">
+                            <a:solidFill>
+                              <a:schemeClr val="tx1"/>
+                            </a:solidFill>
+                            <a:effectLst/>
+                            <a:latin typeface="+mn-lt"/>
+                            <a:ea typeface="+mn-ea"/>
+                            <a:cs typeface="+mn-cs"/>
+                          </a:rPr>
+                          <m:t>𝑛</m:t>
+                        </m:r>
+                      </m:num>
+                      <m:den>
+                        <m:r>
+                          <a:rPr lang="en-US" sz="1200" i="1" kern="1200">
+                            <a:solidFill>
+                              <a:schemeClr val="tx1"/>
+                            </a:solidFill>
+                            <a:effectLst/>
+                            <a:latin typeface="+mn-lt"/>
+                            <a:ea typeface="+mn-ea"/>
+                            <a:cs typeface="+mn-cs"/>
+                          </a:rPr>
+                          <m:t>8</m:t>
+                        </m:r>
+                      </m:den>
+                    </m:f>
+                    <m:r>
+                      <a:rPr lang="en-US" sz="1200" i="1" kern="1200">
+                        <a:solidFill>
+                          <a:schemeClr val="tx1"/>
+                        </a:solidFill>
+                        <a:effectLst/>
+                        <a:latin typeface="+mn-lt"/>
+                        <a:ea typeface="+mn-ea"/>
+                        <a:cs typeface="+mn-cs"/>
+                      </a:rPr>
+                      <m:t>)</m:t>
+                    </m:r>
+                  </m:oMath>
+                </a14:m>
+                <a:r>
+                  <a:rPr lang="en-US" sz="1200" kern="1200">
+                    <a:solidFill>
+                      <a:schemeClr val="tx1"/>
+                    </a:solidFill>
+                    <a:effectLst/>
+                    <a:latin typeface="+mn-lt"/>
+                    <a:ea typeface="+mn-ea"/>
+                    <a:cs typeface="+mn-cs"/>
+                  </a:rPr>
+                  <a:t>. Trong trường hợp không nhiễu, </a:t>
+                </a:r>
+                <a14:m>
+                  <m:oMath xmlns:m="http://schemas.openxmlformats.org/officeDocument/2006/math">
+                    <m:sSub>
+                      <m:sSubPr>
+                        <m:ctrlPr>
+                          <a:rPr lang="en-US" sz="1200" i="1" kern="1200">
+                            <a:solidFill>
+                              <a:schemeClr val="tx1"/>
+                            </a:solidFill>
+                            <a:effectLst/>
+                            <a:latin typeface="+mn-lt"/>
+                            <a:ea typeface="+mn-ea"/>
+                            <a:cs typeface="+mn-cs"/>
+                          </a:rPr>
+                        </m:ctrlPr>
+                      </m:sSubPr>
+                      <m:e>
+                        <m:r>
+                          <a:rPr lang="en-US" sz="1200" i="1" kern="1200">
+                            <a:solidFill>
+                              <a:schemeClr val="tx1"/>
+                            </a:solidFill>
+                            <a:effectLst/>
+                            <a:latin typeface="+mn-lt"/>
+                            <a:ea typeface="+mn-ea"/>
+                            <a:cs typeface="+mn-cs"/>
+                          </a:rPr>
+                          <m:t>𝜎</m:t>
+                        </m:r>
+                      </m:e>
+                      <m:sub>
+                        <m:r>
+                          <a:rPr lang="en-US" sz="1200" i="1" kern="1200">
+                            <a:solidFill>
+                              <a:schemeClr val="tx1"/>
+                            </a:solidFill>
+                            <a:effectLst/>
+                            <a:latin typeface="+mn-lt"/>
+                            <a:ea typeface="+mn-ea"/>
+                            <a:cs typeface="+mn-cs"/>
+                          </a:rPr>
+                          <m:t>𝑒</m:t>
+                        </m:r>
+                      </m:sub>
+                    </m:sSub>
+                    <m:r>
+                      <a:rPr lang="en-US" sz="1200" i="1" kern="1200">
+                        <a:solidFill>
+                          <a:schemeClr val="tx1"/>
+                        </a:solidFill>
+                        <a:effectLst/>
+                        <a:latin typeface="+mn-lt"/>
+                        <a:ea typeface="+mn-ea"/>
+                        <a:cs typeface="+mn-cs"/>
+                      </a:rPr>
+                      <m:t>=0</m:t>
+                    </m:r>
+                  </m:oMath>
+                </a14:m>
+                <a:r>
+                  <a:rPr lang="en-US" sz="1200" kern="1200">
+                    <a:solidFill>
+                      <a:schemeClr val="tx1"/>
+                    </a:solidFill>
+                    <a:effectLst/>
+                    <a:latin typeface="+mn-lt"/>
+                    <a:ea typeface="+mn-ea"/>
+                    <a:cs typeface="+mn-cs"/>
+                  </a:rPr>
+                  <a:t>, và giả định </a:t>
+                </a:r>
+                <a14:m>
+                  <m:oMath xmlns:m="http://schemas.openxmlformats.org/officeDocument/2006/math">
+                    <m:sSubSup>
+                      <m:sSubSupPr>
+                        <m:ctrlPr>
+                          <a:rPr lang="en-US" sz="1200" i="1" kern="1200">
+                            <a:solidFill>
+                              <a:schemeClr val="tx1"/>
+                            </a:solidFill>
+                            <a:effectLst/>
+                            <a:latin typeface="+mn-lt"/>
+                            <a:ea typeface="+mn-ea"/>
+                            <a:cs typeface="+mn-cs"/>
+                          </a:rPr>
+                        </m:ctrlPr>
+                      </m:sSubSupPr>
+                      <m:e>
+                        <m:r>
+                          <a:rPr lang="en-US" sz="1200" i="1" kern="1200">
+                            <a:solidFill>
+                              <a:schemeClr val="tx1"/>
+                            </a:solidFill>
+                            <a:effectLst/>
+                            <a:latin typeface="+mn-lt"/>
+                            <a:ea typeface="+mn-ea"/>
+                            <a:cs typeface="+mn-cs"/>
+                          </a:rPr>
+                          <m:t>𝜎</m:t>
+                        </m:r>
+                      </m:e>
+                      <m:sub>
+                        <m:r>
+                          <a:rPr lang="en-US" sz="1200" i="1" kern="1200">
+                            <a:solidFill>
+                              <a:schemeClr val="tx1"/>
+                            </a:solidFill>
+                            <a:effectLst/>
+                            <a:latin typeface="+mn-lt"/>
+                            <a:ea typeface="+mn-ea"/>
+                            <a:cs typeface="+mn-cs"/>
+                          </a:rPr>
+                          <m:t>𝑥</m:t>
+                        </m:r>
+                      </m:sub>
+                      <m:sup>
+                        <m:r>
+                          <a:rPr lang="en-US" sz="1200" i="1" kern="1200">
+                            <a:solidFill>
+                              <a:schemeClr val="tx1"/>
+                            </a:solidFill>
+                            <a:effectLst/>
+                            <a:latin typeface="+mn-lt"/>
+                            <a:ea typeface="+mn-ea"/>
+                            <a:cs typeface="+mn-cs"/>
+                          </a:rPr>
+                          <m:t>2</m:t>
+                        </m:r>
+                      </m:sup>
+                    </m:sSubSup>
+                    <m:r>
+                      <a:rPr lang="en-US" sz="1200" i="1" kern="1200">
+                        <a:solidFill>
+                          <a:schemeClr val="tx1"/>
+                        </a:solidFill>
+                        <a:effectLst/>
+                        <a:latin typeface="+mn-lt"/>
+                        <a:ea typeface="+mn-ea"/>
+                        <a:cs typeface="+mn-cs"/>
+                      </a:rPr>
+                      <m:t>=1</m:t>
+                    </m:r>
+                  </m:oMath>
+                </a14:m>
+                <a:r>
+                  <a:rPr lang="en-US" sz="1200" kern="1200">
+                    <a:solidFill>
+                      <a:schemeClr val="tx1"/>
+                    </a:solidFill>
+                    <a:effectLst/>
+                    <a:latin typeface="+mn-lt"/>
+                    <a:ea typeface="+mn-ea"/>
+                    <a:cs typeface="+mn-cs"/>
+                  </a:rPr>
+                  <a:t>, chúng ta có </a:t>
+                </a:r>
+                <a14:m>
+                  <m:oMath xmlns:m="http://schemas.openxmlformats.org/officeDocument/2006/math">
+                    <m:sSup>
+                      <m:sSupPr>
+                        <m:ctrlPr>
+                          <a:rPr lang="en-US" sz="1200" i="1" kern="1200">
+                            <a:solidFill>
+                              <a:schemeClr val="tx1"/>
+                            </a:solidFill>
+                            <a:effectLst/>
+                            <a:latin typeface="+mn-lt"/>
+                            <a:ea typeface="+mn-ea"/>
+                            <a:cs typeface="+mn-cs"/>
+                          </a:rPr>
+                        </m:ctrlPr>
+                      </m:sSupPr>
+                      <m:e>
+                        <m:r>
+                          <a:rPr lang="en-US" sz="1200" i="1" kern="1200">
+                            <a:solidFill>
+                              <a:schemeClr val="tx1"/>
+                            </a:solidFill>
+                            <a:effectLst/>
+                            <a:latin typeface="+mn-lt"/>
+                            <a:ea typeface="+mn-ea"/>
+                            <a:cs typeface="+mn-cs"/>
+                          </a:rPr>
+                          <m:t>𝜑</m:t>
+                        </m:r>
+                      </m:e>
+                      <m:sup>
+                        <m:r>
+                          <a:rPr lang="en-US" sz="1200" i="1" kern="1200">
+                            <a:solidFill>
+                              <a:schemeClr val="tx1"/>
+                            </a:solidFill>
+                            <a:effectLst/>
+                            <a:latin typeface="+mn-lt"/>
+                            <a:ea typeface="+mn-ea"/>
+                            <a:cs typeface="+mn-cs"/>
+                          </a:rPr>
+                          <m:t>+</m:t>
+                        </m:r>
+                      </m:sup>
+                    </m:sSup>
+                    <m:d>
+                      <m:dPr>
+                        <m:ctrlPr>
+                          <a:rPr lang="en-US" sz="1200" i="1" kern="1200">
+                            <a:solidFill>
+                              <a:schemeClr val="tx1"/>
+                            </a:solidFill>
+                            <a:effectLst/>
+                            <a:latin typeface="+mn-lt"/>
+                            <a:ea typeface="+mn-ea"/>
+                            <a:cs typeface="+mn-cs"/>
+                          </a:rPr>
+                        </m:ctrlPr>
+                      </m:dPr>
+                      <m:e>
+                        <m:sSubSup>
+                          <m:sSubSupPr>
+                            <m:ctrlPr>
+                              <a:rPr lang="en-US" sz="1200" i="1" kern="1200">
+                                <a:solidFill>
+                                  <a:schemeClr val="tx1"/>
+                                </a:solidFill>
+                                <a:effectLst/>
+                                <a:latin typeface="+mn-lt"/>
+                                <a:ea typeface="+mn-ea"/>
+                                <a:cs typeface="+mn-cs"/>
+                              </a:rPr>
+                            </m:ctrlPr>
+                          </m:sSubSupPr>
+                          <m:e>
+                            <m:r>
+                              <a:rPr lang="en-US" sz="1200" i="1" kern="1200">
+                                <a:solidFill>
+                                  <a:schemeClr val="tx1"/>
+                                </a:solidFill>
+                                <a:effectLst/>
+                                <a:latin typeface="+mn-lt"/>
+                                <a:ea typeface="+mn-ea"/>
+                                <a:cs typeface="+mn-cs"/>
+                              </a:rPr>
+                              <m:t>𝜎</m:t>
+                            </m:r>
+                          </m:e>
+                          <m:sub>
+                            <m:r>
+                              <a:rPr lang="en-US" sz="1200" i="1" kern="1200">
+                                <a:solidFill>
+                                  <a:schemeClr val="tx1"/>
+                                </a:solidFill>
+                                <a:effectLst/>
+                                <a:latin typeface="+mn-lt"/>
+                                <a:ea typeface="+mn-ea"/>
+                                <a:cs typeface="+mn-cs"/>
+                              </a:rPr>
+                              <m:t>𝑒</m:t>
+                            </m:r>
+                          </m:sub>
+                          <m:sup>
+                            <m:r>
+                              <a:rPr lang="en-US" sz="1200" i="1" kern="1200">
+                                <a:solidFill>
+                                  <a:schemeClr val="tx1"/>
+                                </a:solidFill>
+                                <a:effectLst/>
+                                <a:latin typeface="+mn-lt"/>
+                                <a:ea typeface="+mn-ea"/>
+                                <a:cs typeface="+mn-cs"/>
+                              </a:rPr>
+                              <m:t>2</m:t>
+                            </m:r>
+                          </m:sup>
+                        </m:sSubSup>
+                      </m:e>
+                    </m:d>
+                    <m:r>
+                      <a:rPr lang="en-US" sz="1200" i="1" kern="1200">
+                        <a:solidFill>
+                          <a:schemeClr val="tx1"/>
+                        </a:solidFill>
+                        <a:effectLst/>
+                        <a:latin typeface="+mn-lt"/>
+                        <a:ea typeface="+mn-ea"/>
+                        <a:cs typeface="+mn-cs"/>
+                      </a:rPr>
+                      <m:t>=</m:t>
+                    </m:r>
+                    <m:f>
+                      <m:fPr>
+                        <m:ctrlPr>
+                          <a:rPr lang="en-US" sz="1200" i="1" kern="1200">
+                            <a:solidFill>
+                              <a:schemeClr val="tx1"/>
+                            </a:solidFill>
+                            <a:effectLst/>
+                            <a:latin typeface="+mn-lt"/>
+                            <a:ea typeface="+mn-ea"/>
+                            <a:cs typeface="+mn-cs"/>
+                          </a:rPr>
+                        </m:ctrlPr>
+                      </m:fPr>
+                      <m:num>
+                        <m:r>
+                          <a:rPr lang="en-US" sz="1200" i="1" kern="1200">
+                            <a:solidFill>
+                              <a:schemeClr val="tx1"/>
+                            </a:solidFill>
+                            <a:effectLst/>
+                            <a:latin typeface="+mn-lt"/>
+                            <a:ea typeface="+mn-ea"/>
+                            <a:cs typeface="+mn-cs"/>
+                          </a:rPr>
+                          <m:t>1</m:t>
+                        </m:r>
+                      </m:num>
+                      <m:den>
+                        <m:r>
+                          <a:rPr lang="en-US" sz="1200" i="1" kern="1200">
+                            <a:solidFill>
+                              <a:schemeClr val="tx1"/>
+                            </a:solidFill>
+                            <a:effectLst/>
+                            <a:latin typeface="+mn-lt"/>
+                            <a:ea typeface="+mn-ea"/>
+                            <a:cs typeface="+mn-cs"/>
+                          </a:rPr>
+                          <m:t>3</m:t>
+                        </m:r>
+                      </m:den>
+                    </m:f>
+                    <m:sSup>
+                      <m:sSupPr>
+                        <m:ctrlPr>
+                          <a:rPr lang="en-US" sz="1200" i="1" kern="1200">
+                            <a:solidFill>
+                              <a:schemeClr val="tx1"/>
+                            </a:solidFill>
+                            <a:effectLst/>
+                            <a:latin typeface="+mn-lt"/>
+                            <a:ea typeface="+mn-ea"/>
+                            <a:cs typeface="+mn-cs"/>
+                          </a:rPr>
+                        </m:ctrlPr>
+                      </m:sSupPr>
+                      <m:e>
+                        <m:r>
+                          <a:rPr lang="en-US" sz="1200" i="1" kern="1200">
+                            <a:solidFill>
+                              <a:schemeClr val="tx1"/>
+                            </a:solidFill>
+                            <a:effectLst/>
+                            <a:latin typeface="+mn-lt"/>
+                            <a:ea typeface="+mn-ea"/>
+                            <a:cs typeface="+mn-cs"/>
+                          </a:rPr>
+                          <m:t>𝑠𝑒𝑐h</m:t>
+                        </m:r>
+                      </m:e>
+                      <m:sup>
+                        <m:r>
+                          <a:rPr lang="en-US" sz="1200" i="1" kern="1200">
+                            <a:solidFill>
+                              <a:schemeClr val="tx1"/>
+                            </a:solidFill>
+                            <a:effectLst/>
+                            <a:latin typeface="+mn-lt"/>
+                            <a:ea typeface="+mn-ea"/>
+                            <a:cs typeface="+mn-cs"/>
+                          </a:rPr>
+                          <m:t>2</m:t>
+                        </m:r>
+                      </m:sup>
+                    </m:sSup>
+                    <m:d>
+                      <m:dPr>
+                        <m:ctrlPr>
+                          <a:rPr lang="en-US" sz="1200" i="1" kern="1200">
+                            <a:solidFill>
+                              <a:schemeClr val="tx1"/>
+                            </a:solidFill>
+                            <a:effectLst/>
+                            <a:latin typeface="+mn-lt"/>
+                            <a:ea typeface="+mn-ea"/>
+                            <a:cs typeface="+mn-cs"/>
+                          </a:rPr>
+                        </m:ctrlPr>
+                      </m:dPr>
+                      <m:e>
+                        <m:f>
+                          <m:fPr>
+                            <m:ctrlPr>
+                              <a:rPr lang="en-US" sz="1200" i="1" kern="1200">
+                                <a:solidFill>
+                                  <a:schemeClr val="tx1"/>
+                                </a:solidFill>
+                                <a:effectLst/>
+                                <a:latin typeface="+mn-lt"/>
+                                <a:ea typeface="+mn-ea"/>
+                                <a:cs typeface="+mn-cs"/>
+                              </a:rPr>
+                            </m:ctrlPr>
+                          </m:fPr>
+                          <m:num>
+                            <m:r>
+                              <a:rPr lang="en-US" sz="1200" i="1" kern="1200">
+                                <a:solidFill>
+                                  <a:schemeClr val="tx1"/>
+                                </a:solidFill>
+                                <a:effectLst/>
+                                <a:latin typeface="+mn-lt"/>
+                                <a:ea typeface="+mn-ea"/>
+                                <a:cs typeface="+mn-cs"/>
+                              </a:rPr>
+                              <m:t>1</m:t>
+                            </m:r>
+                          </m:num>
+                          <m:den>
+                            <m:r>
+                              <a:rPr lang="en-US" sz="1200" i="1" kern="1200">
+                                <a:solidFill>
+                                  <a:schemeClr val="tx1"/>
+                                </a:solidFill>
+                                <a:effectLst/>
+                                <a:latin typeface="+mn-lt"/>
+                                <a:ea typeface="+mn-ea"/>
+                                <a:cs typeface="+mn-cs"/>
+                              </a:rPr>
+                              <m:t>2</m:t>
+                            </m:r>
+                          </m:den>
+                        </m:f>
+                      </m:e>
+                    </m:d>
+                    <m:r>
+                      <a:rPr lang="en-US" sz="1200" i="1" kern="1200">
+                        <a:solidFill>
+                          <a:schemeClr val="tx1"/>
+                        </a:solidFill>
+                        <a:effectLst/>
+                        <a:latin typeface="+mn-lt"/>
+                        <a:ea typeface="+mn-ea"/>
+                        <a:cs typeface="+mn-cs"/>
+                      </a:rPr>
+                      <m:t>≈0.2622</m:t>
+                    </m:r>
+                  </m:oMath>
+                </a14:m>
+                <a:r>
+                  <a:rPr lang="en-US" sz="1200" kern="1200">
+                    <a:solidFill>
+                      <a:schemeClr val="tx1"/>
+                    </a:solidFill>
+                    <a:effectLst/>
+                    <a:latin typeface="+mn-lt"/>
+                    <a:ea typeface="+mn-ea"/>
+                    <a:cs typeface="+mn-cs"/>
+                  </a:rPr>
+                  <a:t> và </a:t>
+                </a:r>
+                <a14:m>
+                  <m:oMath xmlns:m="http://schemas.openxmlformats.org/officeDocument/2006/math">
+                    <m:sSup>
+                      <m:sSupPr>
+                        <m:ctrlPr>
+                          <a:rPr lang="en-US" sz="1200" i="1" kern="1200">
+                            <a:solidFill>
+                              <a:schemeClr val="tx1"/>
+                            </a:solidFill>
+                            <a:effectLst/>
+                            <a:latin typeface="+mn-lt"/>
+                            <a:ea typeface="+mn-ea"/>
+                            <a:cs typeface="+mn-cs"/>
+                          </a:rPr>
+                        </m:ctrlPr>
+                      </m:sSupPr>
+                      <m:e>
+                        <m:r>
+                          <a:rPr lang="en-US" sz="1200" i="1" kern="1200">
+                            <a:solidFill>
+                              <a:schemeClr val="tx1"/>
+                            </a:solidFill>
+                            <a:effectLst/>
+                            <a:latin typeface="+mn-lt"/>
+                            <a:ea typeface="+mn-ea"/>
+                            <a:cs typeface="+mn-cs"/>
+                          </a:rPr>
+                          <m:t>𝜑</m:t>
+                        </m:r>
+                      </m:e>
+                      <m:sup>
+                        <m:r>
+                          <a:rPr lang="en-US" sz="1200" i="1" kern="1200">
+                            <a:solidFill>
+                              <a:schemeClr val="tx1"/>
+                            </a:solidFill>
+                            <a:effectLst/>
+                            <a:latin typeface="+mn-lt"/>
+                            <a:ea typeface="+mn-ea"/>
+                            <a:cs typeface="+mn-cs"/>
+                          </a:rPr>
+                          <m:t>−</m:t>
+                        </m:r>
+                      </m:sup>
+                    </m:sSup>
+                    <m:d>
+                      <m:dPr>
+                        <m:ctrlPr>
+                          <a:rPr lang="en-US" sz="1200" i="1" kern="1200">
+                            <a:solidFill>
+                              <a:schemeClr val="tx1"/>
+                            </a:solidFill>
+                            <a:effectLst/>
+                            <a:latin typeface="+mn-lt"/>
+                            <a:ea typeface="+mn-ea"/>
+                            <a:cs typeface="+mn-cs"/>
+                          </a:rPr>
+                        </m:ctrlPr>
+                      </m:dPr>
+                      <m:e>
+                        <m:sSubSup>
+                          <m:sSubSupPr>
+                            <m:ctrlPr>
+                              <a:rPr lang="en-US" sz="1200" i="1" kern="1200">
+                                <a:solidFill>
+                                  <a:schemeClr val="tx1"/>
+                                </a:solidFill>
+                                <a:effectLst/>
+                                <a:latin typeface="+mn-lt"/>
+                                <a:ea typeface="+mn-ea"/>
+                                <a:cs typeface="+mn-cs"/>
+                              </a:rPr>
+                            </m:ctrlPr>
+                          </m:sSubSupPr>
+                          <m:e>
+                            <m:r>
+                              <a:rPr lang="en-US" sz="1200" i="1" kern="1200">
+                                <a:solidFill>
+                                  <a:schemeClr val="tx1"/>
+                                </a:solidFill>
+                                <a:effectLst/>
+                                <a:latin typeface="+mn-lt"/>
+                                <a:ea typeface="+mn-ea"/>
+                                <a:cs typeface="+mn-cs"/>
+                              </a:rPr>
+                              <m:t>𝜎</m:t>
+                            </m:r>
+                          </m:e>
+                          <m:sub>
+                            <m:r>
+                              <a:rPr lang="en-US" sz="1200" i="1" kern="1200">
+                                <a:solidFill>
+                                  <a:schemeClr val="tx1"/>
+                                </a:solidFill>
+                                <a:effectLst/>
+                                <a:latin typeface="+mn-lt"/>
+                                <a:ea typeface="+mn-ea"/>
+                                <a:cs typeface="+mn-cs"/>
+                              </a:rPr>
+                              <m:t>𝑒</m:t>
+                            </m:r>
+                          </m:sub>
+                          <m:sup>
+                            <m:r>
+                              <a:rPr lang="en-US" sz="1200" i="1" kern="1200">
+                                <a:solidFill>
+                                  <a:schemeClr val="tx1"/>
+                                </a:solidFill>
+                                <a:effectLst/>
+                                <a:latin typeface="+mn-lt"/>
+                                <a:ea typeface="+mn-ea"/>
+                                <a:cs typeface="+mn-cs"/>
+                              </a:rPr>
+                              <m:t>2</m:t>
+                            </m:r>
+                          </m:sup>
+                        </m:sSubSup>
+                        <m:r>
+                          <a:rPr lang="en-US" sz="1200" i="1" kern="1200">
+                            <a:solidFill>
+                              <a:schemeClr val="tx1"/>
+                            </a:solidFill>
+                            <a:effectLst/>
+                            <a:latin typeface="+mn-lt"/>
+                            <a:ea typeface="+mn-ea"/>
+                            <a:cs typeface="+mn-cs"/>
+                          </a:rPr>
+                          <m:t>+1</m:t>
+                        </m:r>
+                      </m:e>
+                    </m:d>
+                    <m:r>
+                      <a:rPr lang="en-US" sz="1200" i="1" kern="1200">
+                        <a:solidFill>
+                          <a:schemeClr val="tx1"/>
+                        </a:solidFill>
+                        <a:effectLst/>
+                        <a:latin typeface="+mn-lt"/>
+                        <a:ea typeface="+mn-ea"/>
+                        <a:cs typeface="+mn-cs"/>
+                      </a:rPr>
+                      <m:t>=</m:t>
+                    </m:r>
+                    <m:f>
+                      <m:fPr>
+                        <m:ctrlPr>
+                          <a:rPr lang="en-US" sz="1200" i="1" kern="1200">
+                            <a:solidFill>
+                              <a:schemeClr val="tx1"/>
+                            </a:solidFill>
+                            <a:effectLst/>
+                            <a:latin typeface="+mn-lt"/>
+                            <a:ea typeface="+mn-ea"/>
+                            <a:cs typeface="+mn-cs"/>
+                          </a:rPr>
+                        </m:ctrlPr>
+                      </m:fPr>
+                      <m:num>
+                        <m:r>
+                          <a:rPr lang="en-US" sz="1200" i="1" kern="1200">
+                            <a:solidFill>
+                              <a:schemeClr val="tx1"/>
+                            </a:solidFill>
+                            <a:effectLst/>
+                            <a:latin typeface="+mn-lt"/>
+                            <a:ea typeface="+mn-ea"/>
+                            <a:cs typeface="+mn-cs"/>
+                          </a:rPr>
+                          <m:t>1</m:t>
+                        </m:r>
+                      </m:num>
+                      <m:den>
+                        <m:r>
+                          <a:rPr lang="en-US" sz="1200" i="1" kern="1200">
+                            <a:solidFill>
+                              <a:schemeClr val="tx1"/>
+                            </a:solidFill>
+                            <a:effectLst/>
+                            <a:latin typeface="+mn-lt"/>
+                            <a:ea typeface="+mn-ea"/>
+                            <a:cs typeface="+mn-cs"/>
+                          </a:rPr>
+                          <m:t>3</m:t>
+                        </m:r>
+                      </m:den>
+                    </m:f>
+                    <m:r>
+                      <a:rPr lang="en-US" sz="1200" i="1" kern="1200">
+                        <a:solidFill>
+                          <a:schemeClr val="tx1"/>
+                        </a:solidFill>
+                        <a:effectLst/>
+                        <a:latin typeface="+mn-lt"/>
+                        <a:ea typeface="+mn-ea"/>
+                        <a:cs typeface="+mn-cs"/>
+                      </a:rPr>
+                      <m:t>+</m:t>
+                    </m:r>
+                    <m:f>
+                      <m:fPr>
+                        <m:ctrlPr>
+                          <a:rPr lang="en-US" sz="1200" i="1" kern="1200">
+                            <a:solidFill>
+                              <a:schemeClr val="tx1"/>
+                            </a:solidFill>
+                            <a:effectLst/>
+                            <a:latin typeface="+mn-lt"/>
+                            <a:ea typeface="+mn-ea"/>
+                            <a:cs typeface="+mn-cs"/>
+                          </a:rPr>
+                        </m:ctrlPr>
+                      </m:fPr>
+                      <m:num>
+                        <m:r>
+                          <a:rPr lang="en-US" sz="1200" i="1" kern="1200">
+                            <a:solidFill>
+                              <a:schemeClr val="tx1"/>
+                            </a:solidFill>
+                            <a:effectLst/>
+                            <a:latin typeface="+mn-lt"/>
+                            <a:ea typeface="+mn-ea"/>
+                            <a:cs typeface="+mn-cs"/>
+                          </a:rPr>
+                          <m:t>1</m:t>
+                        </m:r>
+                      </m:num>
+                      <m:den>
+                        <m:r>
+                          <a:rPr lang="en-US" sz="1200" i="1" kern="1200">
+                            <a:solidFill>
+                              <a:schemeClr val="tx1"/>
+                            </a:solidFill>
+                            <a:effectLst/>
+                            <a:latin typeface="+mn-lt"/>
+                            <a:ea typeface="+mn-ea"/>
+                            <a:cs typeface="+mn-cs"/>
+                          </a:rPr>
+                          <m:t>6</m:t>
+                        </m:r>
+                      </m:den>
+                    </m:f>
+                    <m:sSup>
+                      <m:sSupPr>
+                        <m:ctrlPr>
+                          <a:rPr lang="en-US" sz="1200" i="1" kern="1200">
+                            <a:solidFill>
+                              <a:schemeClr val="tx1"/>
+                            </a:solidFill>
+                            <a:effectLst/>
+                            <a:latin typeface="+mn-lt"/>
+                            <a:ea typeface="+mn-ea"/>
+                            <a:cs typeface="+mn-cs"/>
+                          </a:rPr>
+                        </m:ctrlPr>
+                      </m:sSupPr>
+                      <m:e>
+                        <m:r>
+                          <a:rPr lang="en-US" sz="1200" i="1" kern="1200">
+                            <a:solidFill>
+                              <a:schemeClr val="tx1"/>
+                            </a:solidFill>
+                            <a:effectLst/>
+                            <a:latin typeface="+mn-lt"/>
+                            <a:ea typeface="+mn-ea"/>
+                            <a:cs typeface="+mn-cs"/>
+                          </a:rPr>
+                          <m:t>𝑠𝑒𝑐h</m:t>
+                        </m:r>
+                      </m:e>
+                      <m:sup>
+                        <m:r>
+                          <a:rPr lang="en-US" sz="1200" i="1" kern="1200">
+                            <a:solidFill>
+                              <a:schemeClr val="tx1"/>
+                            </a:solidFill>
+                            <a:effectLst/>
+                            <a:latin typeface="+mn-lt"/>
+                            <a:ea typeface="+mn-ea"/>
+                            <a:cs typeface="+mn-cs"/>
+                          </a:rPr>
+                          <m:t>2</m:t>
+                        </m:r>
+                      </m:sup>
+                    </m:sSup>
+                    <m:d>
+                      <m:dPr>
+                        <m:ctrlPr>
+                          <a:rPr lang="en-US" sz="1200" i="1" kern="1200">
+                            <a:solidFill>
+                              <a:schemeClr val="tx1"/>
+                            </a:solidFill>
+                            <a:effectLst/>
+                            <a:latin typeface="+mn-lt"/>
+                            <a:ea typeface="+mn-ea"/>
+                            <a:cs typeface="+mn-cs"/>
+                          </a:rPr>
+                        </m:ctrlPr>
+                      </m:dPr>
+                      <m:e>
+                        <m:f>
+                          <m:fPr>
+                            <m:ctrlPr>
+                              <a:rPr lang="en-US" sz="1200" i="1" kern="1200">
+                                <a:solidFill>
+                                  <a:schemeClr val="tx1"/>
+                                </a:solidFill>
+                                <a:effectLst/>
+                                <a:latin typeface="+mn-lt"/>
+                                <a:ea typeface="+mn-ea"/>
+                                <a:cs typeface="+mn-cs"/>
+                              </a:rPr>
+                            </m:ctrlPr>
+                          </m:fPr>
+                          <m:num>
+                            <m:r>
+                              <a:rPr lang="en-US" sz="1200" i="1" kern="1200">
+                                <a:solidFill>
+                                  <a:schemeClr val="tx1"/>
+                                </a:solidFill>
+                                <a:effectLst/>
+                                <a:latin typeface="+mn-lt"/>
+                                <a:ea typeface="+mn-ea"/>
+                                <a:cs typeface="+mn-cs"/>
+                              </a:rPr>
+                              <m:t>1</m:t>
+                            </m:r>
+                          </m:num>
+                          <m:den>
+                            <m:r>
+                              <a:rPr lang="en-US" sz="1200" i="1" kern="1200">
+                                <a:solidFill>
+                                  <a:schemeClr val="tx1"/>
+                                </a:solidFill>
+                                <a:effectLst/>
+                                <a:latin typeface="+mn-lt"/>
+                                <a:ea typeface="+mn-ea"/>
+                                <a:cs typeface="+mn-cs"/>
+                              </a:rPr>
+                              <m:t>2</m:t>
+                            </m:r>
+                          </m:den>
+                        </m:f>
+                      </m:e>
+                    </m:d>
+                    <m:r>
+                      <a:rPr lang="en-US" sz="1200" i="1" kern="1200">
+                        <a:solidFill>
+                          <a:schemeClr val="tx1"/>
+                        </a:solidFill>
+                        <a:effectLst/>
+                        <a:latin typeface="+mn-lt"/>
+                        <a:ea typeface="+mn-ea"/>
+                        <a:cs typeface="+mn-cs"/>
+                      </a:rPr>
+                      <m:t>≈0.4644</m:t>
+                    </m:r>
+                  </m:oMath>
+                </a14:m>
+                <a:r>
+                  <a:rPr lang="en-US" sz="1200" kern="1200">
+                    <a:solidFill>
+                      <a:schemeClr val="tx1"/>
+                    </a:solidFill>
+                    <a:effectLst/>
+                    <a:latin typeface="+mn-lt"/>
+                    <a:ea typeface="+mn-ea"/>
+                    <a:cs typeface="+mn-cs"/>
+                  </a:rPr>
+                  <a:t>. Tỉ lệ là </a:t>
+                </a:r>
+                <a14:m>
+                  <m:oMath xmlns:m="http://schemas.openxmlformats.org/officeDocument/2006/math">
+                    <m:sSup>
+                      <m:sSupPr>
+                        <m:ctrlPr>
+                          <a:rPr lang="en-US" sz="1200" i="1" kern="1200">
+                            <a:solidFill>
+                              <a:schemeClr val="tx1"/>
+                            </a:solidFill>
+                            <a:effectLst/>
+                            <a:latin typeface="+mn-lt"/>
+                            <a:ea typeface="+mn-ea"/>
+                            <a:cs typeface="+mn-cs"/>
+                          </a:rPr>
+                        </m:ctrlPr>
+                      </m:sSupPr>
+                      <m:e>
+                        <m:r>
+                          <a:rPr lang="en-US" sz="1200" i="1" kern="1200">
+                            <a:solidFill>
+                              <a:schemeClr val="tx1"/>
+                            </a:solidFill>
+                            <a:effectLst/>
+                            <a:latin typeface="+mn-lt"/>
+                            <a:ea typeface="+mn-ea"/>
+                            <a:cs typeface="+mn-cs"/>
+                          </a:rPr>
+                          <m:t>𝜑</m:t>
+                        </m:r>
+                      </m:e>
+                      <m:sup>
+                        <m:r>
+                          <a:rPr lang="en-US" sz="1200" i="1" kern="1200">
+                            <a:solidFill>
+                              <a:schemeClr val="tx1"/>
+                            </a:solidFill>
+                            <a:effectLst/>
+                            <a:latin typeface="+mn-lt"/>
+                            <a:ea typeface="+mn-ea"/>
+                            <a:cs typeface="+mn-cs"/>
+                          </a:rPr>
+                          <m:t>−</m:t>
+                        </m:r>
+                      </m:sup>
+                    </m:sSup>
+                    <m:r>
+                      <a:rPr lang="en-US" sz="1200" i="1" kern="1200">
+                        <a:solidFill>
+                          <a:schemeClr val="tx1"/>
+                        </a:solidFill>
+                        <a:effectLst/>
+                        <a:latin typeface="+mn-lt"/>
+                        <a:ea typeface="+mn-ea"/>
+                        <a:cs typeface="+mn-cs"/>
+                      </a:rPr>
+                      <m:t>/</m:t>
+                    </m:r>
+                    <m:sSup>
+                      <m:sSupPr>
+                        <m:ctrlPr>
+                          <a:rPr lang="en-US" sz="1200" i="1" kern="1200">
+                            <a:solidFill>
+                              <a:schemeClr val="tx1"/>
+                            </a:solidFill>
+                            <a:effectLst/>
+                            <a:latin typeface="+mn-lt"/>
+                            <a:ea typeface="+mn-ea"/>
+                            <a:cs typeface="+mn-cs"/>
+                          </a:rPr>
+                        </m:ctrlPr>
+                      </m:sSupPr>
+                      <m:e>
+                        <m:r>
+                          <a:rPr lang="en-US" sz="1200" i="1" kern="1200">
+                            <a:solidFill>
+                              <a:schemeClr val="tx1"/>
+                            </a:solidFill>
+                            <a:effectLst/>
+                            <a:latin typeface="+mn-lt"/>
+                            <a:ea typeface="+mn-ea"/>
+                            <a:cs typeface="+mn-cs"/>
+                          </a:rPr>
+                          <m:t>𝜑</m:t>
+                        </m:r>
+                      </m:e>
+                      <m:sup>
+                        <m:r>
+                          <a:rPr lang="en-US" sz="1200" i="1" kern="1200">
+                            <a:solidFill>
+                              <a:schemeClr val="tx1"/>
+                            </a:solidFill>
+                            <a:effectLst/>
+                            <a:latin typeface="+mn-lt"/>
+                            <a:ea typeface="+mn-ea"/>
+                            <a:cs typeface="+mn-cs"/>
+                          </a:rPr>
+                          <m:t>+</m:t>
+                        </m:r>
+                      </m:sup>
+                    </m:sSup>
+                    <m:r>
+                      <a:rPr lang="en-US" sz="1200" i="1" kern="1200">
+                        <a:solidFill>
+                          <a:schemeClr val="tx1"/>
+                        </a:solidFill>
+                        <a:effectLst/>
+                        <a:latin typeface="+mn-lt"/>
+                        <a:ea typeface="+mn-ea"/>
+                        <a:cs typeface="+mn-cs"/>
+                      </a:rPr>
+                      <m:t>≈1.7715</m:t>
+                    </m:r>
+                  </m:oMath>
+                </a14:m>
+                <a:r>
+                  <a:rPr lang="en-US" sz="1200" kern="1200">
+                    <a:solidFill>
+                      <a:schemeClr val="tx1"/>
+                    </a:solidFill>
+                    <a:effectLst/>
+                    <a:latin typeface="+mn-lt"/>
+                    <a:ea typeface="+mn-ea"/>
+                    <a:cs typeface="+mn-cs"/>
+                  </a:rPr>
+                  <a:t>. Vì vậy ràng buộc được đơn giản hóa</a:t>
+                </a:r>
+              </a:p>
+              <a:p>
+                <a14:m>
+                  <m:oMathPara xmlns:m="http://schemas.openxmlformats.org/officeDocument/2006/math">
+                    <m:oMathParaPr>
+                      <m:jc m:val="centerGroup"/>
+                    </m:oMathParaPr>
+                    <m:oMath xmlns:m="http://schemas.openxmlformats.org/officeDocument/2006/math">
+                      <m:d>
+                        <m:dPr>
+                          <m:begChr m:val="‖"/>
+                          <m:endChr m:val="‖"/>
+                          <m:ctrlPr>
+                            <a:rPr lang="en-US" sz="1200" i="1" kern="1200">
+                              <a:solidFill>
+                                <a:schemeClr val="tx1"/>
+                              </a:solidFill>
+                              <a:effectLst/>
+                              <a:latin typeface="+mn-lt"/>
+                              <a:ea typeface="+mn-ea"/>
+                              <a:cs typeface="+mn-cs"/>
+                            </a:rPr>
+                          </m:ctrlPr>
+                        </m:dPr>
+                        <m:e>
+                          <m:acc>
+                            <m:accPr>
+                              <m:chr m:val="̂"/>
+                              <m:ctrlPr>
+                                <a:rPr lang="en-US" sz="1200" i="1" kern="1200">
+                                  <a:solidFill>
+                                    <a:schemeClr val="tx1"/>
+                                  </a:solidFill>
+                                  <a:effectLst/>
+                                  <a:latin typeface="+mn-lt"/>
+                                  <a:ea typeface="+mn-ea"/>
+                                  <a:cs typeface="+mn-cs"/>
+                                </a:rPr>
+                              </m:ctrlPr>
+                            </m:accPr>
+                            <m:e>
+                              <m:r>
+                                <a:rPr lang="en-US" sz="1200" i="1" kern="1200">
+                                  <a:solidFill>
+                                    <a:schemeClr val="tx1"/>
+                                  </a:solidFill>
+                                  <a:effectLst/>
+                                  <a:latin typeface="+mn-lt"/>
+                                  <a:ea typeface="+mn-ea"/>
+                                  <a:cs typeface="+mn-cs"/>
+                                </a:rPr>
+                                <m:t>𝛽</m:t>
+                              </m:r>
+                            </m:e>
+                          </m:acc>
+                          <m:r>
+                            <a:rPr lang="en-US" sz="1200" i="1" kern="1200">
+                              <a:solidFill>
+                                <a:schemeClr val="tx1"/>
+                              </a:solidFill>
+                              <a:effectLst/>
+                              <a:latin typeface="+mn-lt"/>
+                              <a:ea typeface="+mn-ea"/>
+                              <a:cs typeface="+mn-cs"/>
+                            </a:rPr>
+                            <m:t>−</m:t>
+                          </m:r>
+                          <m:sSup>
+                            <m:sSupPr>
+                              <m:ctrlPr>
+                                <a:rPr lang="en-US" sz="1200" i="1" kern="1200">
+                                  <a:solidFill>
+                                    <a:schemeClr val="tx1"/>
+                                  </a:solidFill>
+                                  <a:effectLst/>
+                                  <a:latin typeface="+mn-lt"/>
+                                  <a:ea typeface="+mn-ea"/>
+                                  <a:cs typeface="+mn-cs"/>
+                                </a:rPr>
+                              </m:ctrlPr>
+                            </m:sSupPr>
+                            <m:e>
+                              <m:r>
+                                <a:rPr lang="en-US" sz="1200" i="1" kern="1200">
+                                  <a:solidFill>
+                                    <a:schemeClr val="tx1"/>
+                                  </a:solidFill>
+                                  <a:effectLst/>
+                                  <a:latin typeface="+mn-lt"/>
+                                  <a:ea typeface="+mn-ea"/>
+                                  <a:cs typeface="+mn-cs"/>
+                                </a:rPr>
+                                <m:t>𝛽</m:t>
+                              </m:r>
+                            </m:e>
+                            <m:sup>
+                              <m:r>
+                                <a:rPr lang="en-US" sz="1200" i="1" kern="1200">
+                                  <a:solidFill>
+                                    <a:schemeClr val="tx1"/>
+                                  </a:solidFill>
+                                  <a:effectLst/>
+                                  <a:latin typeface="+mn-lt"/>
+                                  <a:ea typeface="+mn-ea"/>
+                                  <a:cs typeface="+mn-cs"/>
+                                </a:rPr>
+                                <m:t>∗</m:t>
+                              </m:r>
+                            </m:sup>
+                          </m:sSup>
+                        </m:e>
+                      </m:d>
+                      <m:r>
+                        <a:rPr lang="en-US" sz="1200" kern="1200">
+                          <a:solidFill>
+                            <a:schemeClr val="tx1"/>
+                          </a:solidFill>
+                          <a:effectLst/>
+                          <a:latin typeface="+mn-lt"/>
+                          <a:ea typeface="+mn-ea"/>
+                          <a:cs typeface="+mn-cs"/>
+                        </a:rPr>
+                        <m:t>≲3.54</m:t>
+                      </m:r>
+                      <m:r>
+                        <m:rPr>
+                          <m:sty m:val="p"/>
+                        </m:rPr>
+                        <a:rPr lang="en-US" sz="1200" kern="1200">
+                          <a:solidFill>
+                            <a:schemeClr val="tx1"/>
+                          </a:solidFill>
+                          <a:effectLst/>
+                          <a:latin typeface="+mn-lt"/>
+                          <a:ea typeface="+mn-ea"/>
+                          <a:cs typeface="+mn-cs"/>
+                        </a:rPr>
+                        <m:t>λ</m:t>
+                      </m:r>
+                    </m:oMath>
+                  </m:oMathPara>
+                </a14:m>
+                <a:endParaRPr lang="en-US" sz="1200" kern="1200">
+                  <a:solidFill>
+                    <a:schemeClr val="tx1"/>
+                  </a:solidFill>
+                  <a:effectLst/>
+                  <a:latin typeface="+mn-lt"/>
+                  <a:ea typeface="+mn-ea"/>
+                  <a:cs typeface="+mn-cs"/>
+                </a:endParaRPr>
+              </a:p>
+              <a:p>
+                <a:r>
+                  <a:rPr lang="en-US" sz="1200" kern="1200">
+                    <a:solidFill>
+                      <a:schemeClr val="tx1"/>
+                    </a:solidFill>
+                    <a:effectLst/>
+                    <a:latin typeface="+mn-lt"/>
+                    <a:ea typeface="+mn-ea"/>
+                    <a:cs typeface="+mn-cs"/>
+                  </a:rPr>
+                  <a:t>Nhớ lại rằng </a:t>
+                </a:r>
+                <a14:m>
+                  <m:oMath xmlns:m="http://schemas.openxmlformats.org/officeDocument/2006/math">
+                    <m:acc>
+                      <m:accPr>
+                        <m:chr m:val="̂"/>
+                        <m:ctrlPr>
+                          <a:rPr lang="en-US" sz="1200" i="1" kern="1200">
+                            <a:solidFill>
+                              <a:schemeClr val="tx1"/>
+                            </a:solidFill>
+                            <a:effectLst/>
+                            <a:latin typeface="+mn-lt"/>
+                            <a:ea typeface="+mn-ea"/>
+                            <a:cs typeface="+mn-cs"/>
+                          </a:rPr>
+                        </m:ctrlPr>
+                      </m:accPr>
+                      <m:e>
+                        <m:r>
+                          <a:rPr lang="en-US" sz="1200" i="1" kern="1200">
+                            <a:solidFill>
+                              <a:schemeClr val="tx1"/>
+                            </a:solidFill>
+                            <a:effectLst/>
+                            <a:latin typeface="+mn-lt"/>
+                            <a:ea typeface="+mn-ea"/>
+                            <a:cs typeface="+mn-cs"/>
+                          </a:rPr>
+                          <m:t>𝛽</m:t>
+                        </m:r>
+                      </m:e>
+                    </m:acc>
+                    <m:r>
+                      <a:rPr lang="en-US" sz="1200" i="1" kern="1200">
+                        <a:solidFill>
+                          <a:schemeClr val="tx1"/>
+                        </a:solidFill>
+                        <a:effectLst/>
+                        <a:latin typeface="+mn-lt"/>
+                        <a:ea typeface="+mn-ea"/>
+                        <a:cs typeface="+mn-cs"/>
+                      </a:rPr>
+                      <m:t>,</m:t>
+                    </m:r>
+                    <m:sSup>
+                      <m:sSupPr>
+                        <m:ctrlPr>
+                          <a:rPr lang="en-US" sz="1200" i="1" kern="1200">
+                            <a:solidFill>
+                              <a:schemeClr val="tx1"/>
+                            </a:solidFill>
+                            <a:effectLst/>
+                            <a:latin typeface="+mn-lt"/>
+                            <a:ea typeface="+mn-ea"/>
+                            <a:cs typeface="+mn-cs"/>
+                          </a:rPr>
+                        </m:ctrlPr>
+                      </m:sSupPr>
+                      <m:e>
+                        <m:r>
+                          <a:rPr lang="en-US" sz="1200" i="1" kern="1200">
+                            <a:solidFill>
+                              <a:schemeClr val="tx1"/>
+                            </a:solidFill>
+                            <a:effectLst/>
+                            <a:latin typeface="+mn-lt"/>
+                            <a:ea typeface="+mn-ea"/>
+                            <a:cs typeface="+mn-cs"/>
+                          </a:rPr>
+                          <m:t>𝛽</m:t>
+                        </m:r>
+                      </m:e>
+                      <m:sup>
+                        <m:r>
+                          <a:rPr lang="en-US" sz="1200" i="1" kern="1200">
+                            <a:solidFill>
+                              <a:schemeClr val="tx1"/>
+                            </a:solidFill>
+                            <a:effectLst/>
+                            <a:latin typeface="+mn-lt"/>
+                            <a:ea typeface="+mn-ea"/>
+                            <a:cs typeface="+mn-cs"/>
+                          </a:rPr>
+                          <m:t>∗</m:t>
+                        </m:r>
+                      </m:sup>
+                    </m:sSup>
+                    <m:r>
+                      <a:rPr lang="en-US" sz="1200" i="1" kern="1200">
+                        <a:solidFill>
+                          <a:schemeClr val="tx1"/>
+                        </a:solidFill>
+                        <a:effectLst/>
+                        <a:latin typeface="+mn-lt"/>
+                        <a:ea typeface="+mn-ea"/>
+                        <a:cs typeface="+mn-cs"/>
+                      </a:rPr>
+                      <m:t>∈</m:t>
+                    </m:r>
+                    <m:sSup>
+                      <m:sSupPr>
+                        <m:ctrlPr>
+                          <a:rPr lang="en-US" sz="1200" i="1" kern="1200">
+                            <a:solidFill>
+                              <a:schemeClr val="tx1"/>
+                            </a:solidFill>
+                            <a:effectLst/>
+                            <a:latin typeface="+mn-lt"/>
+                            <a:ea typeface="+mn-ea"/>
+                            <a:cs typeface="+mn-cs"/>
+                          </a:rPr>
+                        </m:ctrlPr>
+                      </m:sSupPr>
+                      <m:e>
+                        <m:r>
+                          <a:rPr lang="en-US" sz="1200" i="1" kern="1200">
+                            <a:solidFill>
+                              <a:schemeClr val="tx1"/>
+                            </a:solidFill>
+                            <a:effectLst/>
+                            <a:latin typeface="+mn-lt"/>
+                            <a:ea typeface="+mn-ea"/>
+                            <a:cs typeface="+mn-cs"/>
+                          </a:rPr>
+                          <m:t>𝑆</m:t>
+                        </m:r>
+                      </m:e>
+                      <m:sup>
+                        <m:r>
+                          <a:rPr lang="en-US" sz="1200" i="1" kern="1200">
+                            <a:solidFill>
+                              <a:schemeClr val="tx1"/>
+                            </a:solidFill>
+                            <a:effectLst/>
+                            <a:latin typeface="+mn-lt"/>
+                            <a:ea typeface="+mn-ea"/>
+                            <a:cs typeface="+mn-cs"/>
+                          </a:rPr>
+                          <m:t>𝑝</m:t>
+                        </m:r>
+                        <m:r>
+                          <a:rPr lang="en-US" sz="1200" i="1" kern="1200">
+                            <a:solidFill>
+                              <a:schemeClr val="tx1"/>
+                            </a:solidFill>
+                            <a:effectLst/>
+                            <a:latin typeface="+mn-lt"/>
+                            <a:ea typeface="+mn-ea"/>
+                            <a:cs typeface="+mn-cs"/>
+                          </a:rPr>
+                          <m:t>−1</m:t>
+                        </m:r>
+                      </m:sup>
+                    </m:sSup>
+                  </m:oMath>
+                </a14:m>
+                <a:r>
+                  <a:rPr lang="en-US" sz="1200" kern="1200">
+                    <a:solidFill>
+                      <a:schemeClr val="tx1"/>
+                    </a:solidFill>
+                    <a:effectLst/>
+                    <a:latin typeface="+mn-lt"/>
+                    <a:ea typeface="+mn-ea"/>
+                    <a:cs typeface="+mn-cs"/>
+                  </a:rPr>
+                  <a:t> và giá trị cực đại của </a:t>
+                </a:r>
+                <a14:m>
+                  <m:oMath xmlns:m="http://schemas.openxmlformats.org/officeDocument/2006/math">
+                    <m:d>
+                      <m:dPr>
+                        <m:begChr m:val="‖"/>
+                        <m:endChr m:val="‖"/>
+                        <m:ctrlPr>
+                          <a:rPr lang="en-US" sz="1200" i="1" kern="1200">
+                            <a:solidFill>
+                              <a:schemeClr val="tx1"/>
+                            </a:solidFill>
+                            <a:effectLst/>
+                            <a:latin typeface="+mn-lt"/>
+                            <a:ea typeface="+mn-ea"/>
+                            <a:cs typeface="+mn-cs"/>
+                          </a:rPr>
+                        </m:ctrlPr>
+                      </m:dPr>
+                      <m:e>
+                        <m:acc>
+                          <m:accPr>
+                            <m:chr m:val="̂"/>
+                            <m:ctrlPr>
+                              <a:rPr lang="en-US" sz="1200" i="1" kern="1200">
+                                <a:solidFill>
+                                  <a:schemeClr val="tx1"/>
+                                </a:solidFill>
+                                <a:effectLst/>
+                                <a:latin typeface="+mn-lt"/>
+                                <a:ea typeface="+mn-ea"/>
+                                <a:cs typeface="+mn-cs"/>
+                              </a:rPr>
+                            </m:ctrlPr>
+                          </m:accPr>
+                          <m:e>
+                            <m:r>
+                              <a:rPr lang="en-US" sz="1200" i="1" kern="1200">
+                                <a:solidFill>
+                                  <a:schemeClr val="tx1"/>
+                                </a:solidFill>
+                                <a:effectLst/>
+                                <a:latin typeface="+mn-lt"/>
+                                <a:ea typeface="+mn-ea"/>
+                                <a:cs typeface="+mn-cs"/>
+                              </a:rPr>
+                              <m:t>𝛽</m:t>
+                            </m:r>
+                          </m:e>
+                        </m:acc>
+                        <m:r>
+                          <a:rPr lang="en-US" sz="1200" i="1" kern="1200">
+                            <a:solidFill>
+                              <a:schemeClr val="tx1"/>
+                            </a:solidFill>
+                            <a:effectLst/>
+                            <a:latin typeface="+mn-lt"/>
+                            <a:ea typeface="+mn-ea"/>
+                            <a:cs typeface="+mn-cs"/>
+                          </a:rPr>
+                          <m:t>−</m:t>
+                        </m:r>
+                        <m:sSup>
+                          <m:sSupPr>
+                            <m:ctrlPr>
+                              <a:rPr lang="en-US" sz="1200" i="1" kern="1200">
+                                <a:solidFill>
+                                  <a:schemeClr val="tx1"/>
+                                </a:solidFill>
+                                <a:effectLst/>
+                                <a:latin typeface="+mn-lt"/>
+                                <a:ea typeface="+mn-ea"/>
+                                <a:cs typeface="+mn-cs"/>
+                              </a:rPr>
+                            </m:ctrlPr>
+                          </m:sSupPr>
+                          <m:e>
+                            <m:r>
+                              <a:rPr lang="en-US" sz="1200" i="1" kern="1200">
+                                <a:solidFill>
+                                  <a:schemeClr val="tx1"/>
+                                </a:solidFill>
+                                <a:effectLst/>
+                                <a:latin typeface="+mn-lt"/>
+                                <a:ea typeface="+mn-ea"/>
+                                <a:cs typeface="+mn-cs"/>
+                              </a:rPr>
+                              <m:t>𝛽</m:t>
+                            </m:r>
+                          </m:e>
+                          <m:sup>
+                            <m:r>
+                              <a:rPr lang="en-US" sz="1200" i="1" kern="1200">
+                                <a:solidFill>
+                                  <a:schemeClr val="tx1"/>
+                                </a:solidFill>
+                                <a:effectLst/>
+                                <a:latin typeface="+mn-lt"/>
+                                <a:ea typeface="+mn-ea"/>
+                                <a:cs typeface="+mn-cs"/>
+                              </a:rPr>
+                              <m:t>∗</m:t>
+                            </m:r>
+                          </m:sup>
+                        </m:sSup>
+                      </m:e>
+                    </m:d>
+                  </m:oMath>
+                </a14:m>
+                <a:r>
+                  <a:rPr lang="en-US" sz="1200" kern="1200">
+                    <a:solidFill>
+                      <a:schemeClr val="tx1"/>
+                    </a:solidFill>
+                    <a:effectLst/>
+                    <a:latin typeface="+mn-lt"/>
+                    <a:ea typeface="+mn-ea"/>
+                    <a:cs typeface="+mn-cs"/>
+                  </a:rPr>
+                  <a:t> là 2. Như vậy so với kết quả trước đó là không đáng kể, chúng ta cần </a:t>
+                </a:r>
+                <a14:m>
+                  <m:oMath xmlns:m="http://schemas.openxmlformats.org/officeDocument/2006/math">
+                    <m:r>
+                      <a:rPr lang="en-US" sz="1200" i="1" kern="1200">
+                        <a:solidFill>
+                          <a:schemeClr val="tx1"/>
+                        </a:solidFill>
+                        <a:effectLst/>
+                        <a:latin typeface="+mn-lt"/>
+                        <a:ea typeface="+mn-ea"/>
+                        <a:cs typeface="+mn-cs"/>
+                      </a:rPr>
+                      <m:t>3.54</m:t>
+                    </m:r>
+                    <m:r>
+                      <a:rPr lang="en-US" sz="1200" i="1" kern="1200">
+                        <a:solidFill>
+                          <a:schemeClr val="tx1"/>
+                        </a:solidFill>
+                        <a:effectLst/>
+                        <a:latin typeface="+mn-lt"/>
+                        <a:ea typeface="+mn-ea"/>
+                        <a:cs typeface="+mn-cs"/>
+                      </a:rPr>
+                      <m:t>𝜆</m:t>
+                    </m:r>
+                    <m:r>
+                      <a:rPr lang="en-US" sz="1200" i="1" kern="1200">
+                        <a:solidFill>
+                          <a:schemeClr val="tx1"/>
+                        </a:solidFill>
+                        <a:effectLst/>
+                        <a:latin typeface="+mn-lt"/>
+                        <a:ea typeface="+mn-ea"/>
+                        <a:cs typeface="+mn-cs"/>
+                      </a:rPr>
+                      <m:t>≤2</m:t>
+                    </m:r>
+                  </m:oMath>
+                </a14:m>
+                <a:r>
+                  <a:rPr lang="en-US" sz="1200" kern="1200">
+                    <a:solidFill>
+                      <a:schemeClr val="tx1"/>
+                    </a:solidFill>
+                    <a:effectLst/>
+                    <a:latin typeface="+mn-lt"/>
+                    <a:ea typeface="+mn-ea"/>
+                    <a:cs typeface="+mn-cs"/>
+                  </a:rPr>
+                  <a:t>, cụ thể là </a:t>
+                </a:r>
+                <a14:m>
+                  <m:oMath xmlns:m="http://schemas.openxmlformats.org/officeDocument/2006/math">
+                    <m:r>
+                      <a:rPr lang="en-US" sz="1200" i="1" kern="1200">
+                        <a:solidFill>
+                          <a:schemeClr val="tx1"/>
+                        </a:solidFill>
+                        <a:effectLst/>
+                        <a:latin typeface="+mn-lt"/>
+                        <a:ea typeface="+mn-ea"/>
+                        <a:cs typeface="+mn-cs"/>
+                      </a:rPr>
+                      <m:t>𝜆</m:t>
+                    </m:r>
+                    <m:r>
+                      <a:rPr lang="en-US" sz="1200" i="1" kern="1200">
+                        <a:solidFill>
+                          <a:schemeClr val="tx1"/>
+                        </a:solidFill>
+                        <a:effectLst/>
+                        <a:latin typeface="+mn-lt"/>
+                        <a:ea typeface="+mn-ea"/>
+                        <a:cs typeface="+mn-cs"/>
+                      </a:rPr>
+                      <m:t>≤0.56</m:t>
+                    </m:r>
+                  </m:oMath>
+                </a14:m>
+                <a:r>
+                  <a:rPr lang="en-US" sz="1200" kern="1200">
+                    <a:solidFill>
+                      <a:schemeClr val="tx1"/>
+                    </a:solidFill>
+                    <a:effectLst/>
+                    <a:latin typeface="+mn-lt"/>
+                    <a:ea typeface="+mn-ea"/>
+                    <a:cs typeface="+mn-cs"/>
+                  </a:rPr>
+                  <a:t>. </a:t>
+                </a:r>
+                <a:endParaRPr lang="en-US"/>
+              </a:p>
+            </p:txBody>
+          </p:sp>
+        </mc:Choice>
+        <mc:Fallback>
+          <p:sp>
+            <p:nvSpPr>
+              <p:cNvPr id="3" name="Notes Placeholder 2"/>
+              <p:cNvSpPr>
+                <a:spLocks noGrp="1"/>
+              </p:cNvSpPr>
+              <p:nvPr>
+                <p:ph type="body" idx="1"/>
+              </p:nvPr>
+            </p:nvSpPr>
+            <p:spPr/>
+            <p:txBody>
+              <a:bodyPr/>
+              <a:lstStyle/>
+              <a:p>
+                <a:r>
+                  <a:rPr lang="en-US" sz="1200" kern="1200">
+                    <a:solidFill>
+                      <a:schemeClr val="tx1"/>
+                    </a:solidFill>
+                    <a:effectLst/>
+                    <a:latin typeface="+mn-lt"/>
+                    <a:ea typeface="+mn-ea"/>
+                    <a:cs typeface="+mn-cs"/>
+                  </a:rPr>
+                  <a:t>Với xác suất lớn hơn </a:t>
+                </a:r>
+                <a:r>
+                  <a:rPr lang="en-US" sz="1200" i="0" kern="1200">
+                    <a:solidFill>
+                      <a:schemeClr val="tx1"/>
+                    </a:solidFill>
+                    <a:effectLst/>
+                    <a:latin typeface="+mn-lt"/>
+                    <a:ea typeface="+mn-ea"/>
+                    <a:cs typeface="+mn-cs"/>
+                  </a:rPr>
+                  <a:t>1−4exp⁡(−(𝑐_2 𝑛)/8)</a:t>
+                </a:r>
+                <a:r>
+                  <a:rPr lang="en-US" sz="1200" kern="1200">
+                    <a:solidFill>
+                      <a:schemeClr val="tx1"/>
+                    </a:solidFill>
+                    <a:effectLst/>
+                    <a:latin typeface="+mn-lt"/>
+                    <a:ea typeface="+mn-ea"/>
+                    <a:cs typeface="+mn-cs"/>
+                  </a:rPr>
+                  <a:t>. Trong trường hợp không nhiễu, </a:t>
+                </a:r>
+                <a:r>
+                  <a:rPr lang="en-US" sz="1200" i="0" kern="1200">
+                    <a:solidFill>
+                      <a:schemeClr val="tx1"/>
+                    </a:solidFill>
+                    <a:effectLst/>
+                    <a:latin typeface="+mn-lt"/>
+                    <a:ea typeface="+mn-ea"/>
+                    <a:cs typeface="+mn-cs"/>
+                  </a:rPr>
+                  <a:t>𝜎_𝑒=0</a:t>
+                </a:r>
+                <a:r>
+                  <a:rPr lang="en-US" sz="1200" kern="1200">
+                    <a:solidFill>
+                      <a:schemeClr val="tx1"/>
+                    </a:solidFill>
+                    <a:effectLst/>
+                    <a:latin typeface="+mn-lt"/>
+                    <a:ea typeface="+mn-ea"/>
+                    <a:cs typeface="+mn-cs"/>
+                  </a:rPr>
+                  <a:t>, và giả định </a:t>
+                </a:r>
+                <a:r>
+                  <a:rPr lang="en-US" sz="1200" i="0" kern="1200">
+                    <a:solidFill>
+                      <a:schemeClr val="tx1"/>
+                    </a:solidFill>
+                    <a:effectLst/>
+                    <a:latin typeface="+mn-lt"/>
+                    <a:ea typeface="+mn-ea"/>
+                    <a:cs typeface="+mn-cs"/>
+                  </a:rPr>
+                  <a:t>𝜎_𝑥^2=1</a:t>
+                </a:r>
+                <a:r>
+                  <a:rPr lang="en-US" sz="1200" kern="1200">
+                    <a:solidFill>
+                      <a:schemeClr val="tx1"/>
+                    </a:solidFill>
+                    <a:effectLst/>
+                    <a:latin typeface="+mn-lt"/>
+                    <a:ea typeface="+mn-ea"/>
+                    <a:cs typeface="+mn-cs"/>
+                  </a:rPr>
+                  <a:t>, chúng ta có </a:t>
+                </a:r>
+                <a:r>
+                  <a:rPr lang="en-US" sz="1200" i="0" kern="1200">
+                    <a:solidFill>
+                      <a:schemeClr val="tx1"/>
+                    </a:solidFill>
+                    <a:effectLst/>
+                    <a:latin typeface="+mn-lt"/>
+                    <a:ea typeface="+mn-ea"/>
+                    <a:cs typeface="+mn-cs"/>
+                  </a:rPr>
+                  <a:t>𝜑^+ (𝜎_𝑒^2 )=1/3 〖𝑠𝑒𝑐ℎ〗^2 (1/2)≈0.2622</a:t>
+                </a:r>
+                <a:r>
+                  <a:rPr lang="en-US" sz="1200" kern="1200">
+                    <a:solidFill>
+                      <a:schemeClr val="tx1"/>
+                    </a:solidFill>
+                    <a:effectLst/>
+                    <a:latin typeface="+mn-lt"/>
+                    <a:ea typeface="+mn-ea"/>
+                    <a:cs typeface="+mn-cs"/>
+                  </a:rPr>
+                  <a:t> và </a:t>
+                </a:r>
+                <a:r>
+                  <a:rPr lang="en-US" sz="1200" i="0" kern="1200">
+                    <a:solidFill>
+                      <a:schemeClr val="tx1"/>
+                    </a:solidFill>
+                    <a:effectLst/>
+                    <a:latin typeface="+mn-lt"/>
+                    <a:ea typeface="+mn-ea"/>
+                    <a:cs typeface="+mn-cs"/>
+                  </a:rPr>
+                  <a:t>𝜑^− (𝜎_𝑒^2+1)=1/3+1/6 〖𝑠𝑒𝑐ℎ〗^2 (1/2)≈0.4644</a:t>
+                </a:r>
+                <a:r>
+                  <a:rPr lang="en-US" sz="1200" kern="1200">
+                    <a:solidFill>
+                      <a:schemeClr val="tx1"/>
+                    </a:solidFill>
+                    <a:effectLst/>
+                    <a:latin typeface="+mn-lt"/>
+                    <a:ea typeface="+mn-ea"/>
+                    <a:cs typeface="+mn-cs"/>
+                  </a:rPr>
+                  <a:t>. Tỉ lệ là </a:t>
+                </a:r>
+                <a:r>
+                  <a:rPr lang="en-US" sz="1200" i="0" kern="1200">
+                    <a:solidFill>
+                      <a:schemeClr val="tx1"/>
+                    </a:solidFill>
+                    <a:effectLst/>
+                    <a:latin typeface="+mn-lt"/>
+                    <a:ea typeface="+mn-ea"/>
+                    <a:cs typeface="+mn-cs"/>
+                  </a:rPr>
+                  <a:t>𝜑^−/𝜑^+≈1.7715</a:t>
+                </a:r>
+                <a:r>
+                  <a:rPr lang="en-US" sz="1200" kern="1200">
+                    <a:solidFill>
+                      <a:schemeClr val="tx1"/>
+                    </a:solidFill>
+                    <a:effectLst/>
+                    <a:latin typeface="+mn-lt"/>
+                    <a:ea typeface="+mn-ea"/>
+                    <a:cs typeface="+mn-cs"/>
+                  </a:rPr>
+                  <a:t>. Vì vậy ràng buộc được đơn giản hóa</a:t>
+                </a:r>
+              </a:p>
+              <a:p>
+                <a:r>
+                  <a:rPr lang="en-US" sz="1200" i="0" kern="1200">
+                    <a:solidFill>
+                      <a:schemeClr val="tx1"/>
+                    </a:solidFill>
+                    <a:effectLst/>
+                    <a:latin typeface="+mn-lt"/>
+                    <a:ea typeface="+mn-ea"/>
+                    <a:cs typeface="+mn-cs"/>
+                  </a:rPr>
+                  <a:t>‖𝛽 ̂−𝛽^∗ ‖≲3.54λ</a:t>
+                </a:r>
+                <a:endParaRPr lang="en-US" sz="1200" kern="1200">
+                  <a:solidFill>
+                    <a:schemeClr val="tx1"/>
+                  </a:solidFill>
+                  <a:effectLst/>
+                  <a:latin typeface="+mn-lt"/>
+                  <a:ea typeface="+mn-ea"/>
+                  <a:cs typeface="+mn-cs"/>
+                </a:endParaRPr>
+              </a:p>
+              <a:p>
+                <a:r>
+                  <a:rPr lang="en-US" sz="1200" kern="1200">
+                    <a:solidFill>
+                      <a:schemeClr val="tx1"/>
+                    </a:solidFill>
+                    <a:effectLst/>
+                    <a:latin typeface="+mn-lt"/>
+                    <a:ea typeface="+mn-ea"/>
+                    <a:cs typeface="+mn-cs"/>
+                  </a:rPr>
+                  <a:t>Nhớ lại rằng </a:t>
+                </a:r>
+                <a:r>
+                  <a:rPr lang="en-US" sz="1200" i="0" kern="1200">
+                    <a:solidFill>
+                      <a:schemeClr val="tx1"/>
+                    </a:solidFill>
+                    <a:effectLst/>
+                    <a:latin typeface="+mn-lt"/>
+                    <a:ea typeface="+mn-ea"/>
+                    <a:cs typeface="+mn-cs"/>
+                  </a:rPr>
+                  <a:t>𝛽 ̂,𝛽^∗∈𝑆^(𝑝−1)</a:t>
+                </a:r>
+                <a:r>
+                  <a:rPr lang="en-US" sz="1200" kern="1200">
+                    <a:solidFill>
+                      <a:schemeClr val="tx1"/>
+                    </a:solidFill>
+                    <a:effectLst/>
+                    <a:latin typeface="+mn-lt"/>
+                    <a:ea typeface="+mn-ea"/>
+                    <a:cs typeface="+mn-cs"/>
+                  </a:rPr>
+                  <a:t> và giá trị cực đại của </a:t>
+                </a:r>
+                <a:r>
+                  <a:rPr lang="en-US" sz="1200" i="0" kern="1200">
+                    <a:solidFill>
+                      <a:schemeClr val="tx1"/>
+                    </a:solidFill>
+                    <a:effectLst/>
+                    <a:latin typeface="+mn-lt"/>
+                    <a:ea typeface="+mn-ea"/>
+                    <a:cs typeface="+mn-cs"/>
+                  </a:rPr>
+                  <a:t>‖𝛽 ̂−𝛽^∗ ‖</a:t>
+                </a:r>
+                <a:r>
+                  <a:rPr lang="en-US" sz="1200" kern="1200">
+                    <a:solidFill>
+                      <a:schemeClr val="tx1"/>
+                    </a:solidFill>
+                    <a:effectLst/>
+                    <a:latin typeface="+mn-lt"/>
+                    <a:ea typeface="+mn-ea"/>
+                    <a:cs typeface="+mn-cs"/>
+                  </a:rPr>
+                  <a:t> là 2. Như vậy so với kết quả trước đó là không đáng kể, chúng ta cần </a:t>
+                </a:r>
+                <a:r>
+                  <a:rPr lang="en-US" sz="1200" i="0" kern="1200">
+                    <a:solidFill>
+                      <a:schemeClr val="tx1"/>
+                    </a:solidFill>
+                    <a:effectLst/>
+                    <a:latin typeface="+mn-lt"/>
+                    <a:ea typeface="+mn-ea"/>
+                    <a:cs typeface="+mn-cs"/>
+                  </a:rPr>
+                  <a:t>3.54𝜆≤2</a:t>
+                </a:r>
+                <a:r>
+                  <a:rPr lang="en-US" sz="1200" kern="1200">
+                    <a:solidFill>
+                      <a:schemeClr val="tx1"/>
+                    </a:solidFill>
+                    <a:effectLst/>
+                    <a:latin typeface="+mn-lt"/>
+                    <a:ea typeface="+mn-ea"/>
+                    <a:cs typeface="+mn-cs"/>
+                  </a:rPr>
+                  <a:t>, cụ thể là </a:t>
+                </a:r>
+                <a:r>
+                  <a:rPr lang="en-US" sz="1200" i="0" kern="1200">
+                    <a:solidFill>
+                      <a:schemeClr val="tx1"/>
+                    </a:solidFill>
+                    <a:effectLst/>
+                    <a:latin typeface="+mn-lt"/>
+                    <a:ea typeface="+mn-ea"/>
+                    <a:cs typeface="+mn-cs"/>
+                  </a:rPr>
+                  <a:t>𝜆≤0.56</a:t>
+                </a:r>
+                <a:r>
+                  <a:rPr lang="en-US" sz="1200" kern="1200">
+                    <a:solidFill>
+                      <a:schemeClr val="tx1"/>
+                    </a:solidFill>
+                    <a:effectLst/>
+                    <a:latin typeface="+mn-lt"/>
+                    <a:ea typeface="+mn-ea"/>
+                    <a:cs typeface="+mn-cs"/>
+                  </a:rPr>
+                  <a:t>. </a:t>
+                </a:r>
+                <a:endParaRPr lang="en-US"/>
+              </a:p>
+            </p:txBody>
+          </p:sp>
+        </mc:Fallback>
+      </mc:AlternateContent>
+      <p:sp>
+        <p:nvSpPr>
+          <p:cNvPr id="4" name="Slide Number Placeholder 3"/>
+          <p:cNvSpPr>
+            <a:spLocks noGrp="1"/>
+          </p:cNvSpPr>
+          <p:nvPr>
+            <p:ph type="sldNum" sz="quarter" idx="5"/>
+          </p:nvPr>
+        </p:nvSpPr>
+        <p:spPr/>
+        <p:txBody>
+          <a:bodyPr/>
+          <a:lstStyle/>
+          <a:p>
+            <a:fld id="{852A211F-07A3-4450-B99B-885524CB33D2}" type="slidenum">
+              <a:rPr lang="en-US" smtClean="0"/>
+              <a:t>11</a:t>
+            </a:fld>
+            <a:endParaRPr lang="en-US"/>
+          </a:p>
+        </p:txBody>
+      </p:sp>
+    </p:spTree>
+    <p:extLst>
+      <p:ext uri="{BB962C8B-B14F-4D97-AF65-F5344CB8AC3E}">
+        <p14:creationId xmlns:p14="http://schemas.microsoft.com/office/powerpoint/2010/main" val="3316277364"/>
       </p:ext>
     </p:extLst>
   </p:cSld>
@@ -6582,42 +8658,6 @@
           </a:p>
         </p:txBody>
       </p:sp>
-      <p:pic>
-        <p:nvPicPr>
-          <p:cNvPr id="5" name="Picture 4">
-            <a:extLst>
-              <a:ext uri="{FF2B5EF4-FFF2-40B4-BE49-F238E27FC236}">
-                <a16:creationId xmlns:a16="http://schemas.microsoft.com/office/drawing/2014/main" id="{8892871D-B40D-4388-B1FD-63669B2C62D2}"/>
-              </a:ext>
-            </a:extLst>
-          </p:cNvPr>
-          <p:cNvPicPr/>
-          <p:nvPr/>
-        </p:nvPicPr>
-        <p:blipFill>
-          <a:blip r:embed="rId2">
-            <a:extLst>
-              <a:ext uri="{28A0092B-C50C-407E-A947-70E740481C1C}">
-                <a14:useLocalDpi xmlns:a14="http://schemas.microsoft.com/office/drawing/2010/main" val="0"/>
-              </a:ext>
-            </a:extLst>
-          </a:blip>
-          <a:srcRect/>
-          <a:stretch>
-            <a:fillRect/>
-          </a:stretch>
-        </p:blipFill>
-        <p:spPr bwMode="auto">
-          <a:xfrm>
-            <a:off x="2185562" y="3964469"/>
-            <a:ext cx="7088440" cy="982868"/>
-          </a:xfrm>
-          <a:prstGeom prst="rect">
-            <a:avLst/>
-          </a:prstGeom>
-          <a:noFill/>
-        </p:spPr>
-      </p:pic>
       <p:sp>
         <p:nvSpPr>
           <p:cNvPr id="7" name="Content Placeholder 6">
@@ -6696,7 +8736,7 @@
           <p:nvPr/>
         </p:nvPicPr>
         <p:blipFill>
-          <a:blip r:embed="rId3">
+          <a:blip r:embed="rId2">
             <a:extLst>
               <a:ext uri="{28A0092B-C50C-407E-A947-70E740481C1C}">
                 <a14:useLocalDpi xmlns:a14="http://schemas.microsoft.com/office/drawing/2010/main" val="0"/>
@@ -6710,7 +8750,7 @@
         </p:blipFill>
         <p:spPr bwMode="auto">
           <a:xfrm>
-            <a:off x="677332" y="2461808"/>
+            <a:off x="677332" y="3254537"/>
             <a:ext cx="10837334" cy="967192"/>
           </a:xfrm>
           <a:prstGeom prst="rect">
@@ -6760,6 +8800,173 @@
           <p:cNvPr id="2" name="Title 1">
             <a:extLst>
               <a:ext uri="{FF2B5EF4-FFF2-40B4-BE49-F238E27FC236}">
+                <a16:creationId xmlns:a16="http://schemas.microsoft.com/office/drawing/2014/main" id="{17A32AD9-E319-49B1-A618-2021A66070F1}"/>
+              </a:ext>
+            </a:extLst>
+          </p:cNvPr>
+          <p:cNvSpPr>
+            <a:spLocks noGrp="1"/>
+          </p:cNvSpPr>
+          <p:nvPr>
+            <p:ph type="title"/>
+          </p:nvPr>
+        </p:nvSpPr>
+        <p:spPr>
+          <a:xfrm>
+            <a:off x="677334" y="609600"/>
+            <a:ext cx="8596668" cy="825305"/>
+          </a:xfrm>
+        </p:spPr>
+        <p:txBody>
+          <a:bodyPr/>
+          <a:lstStyle/>
+          <a:p>
+            <a:r>
+              <a:rPr lang="en-US" err="1">
+                <a:latin typeface="Times New Roman" panose="02020603050405020304" pitchFamily="18" charset="0"/>
+                <a:cs typeface="Times New Roman" panose="02020603050405020304" pitchFamily="18" charset="0"/>
+              </a:rPr>
+              <a:t>Hiệu</a:t>
+            </a:r>
+            <a:r>
+              <a:rPr lang="en-US">
+                <a:latin typeface="Times New Roman" panose="02020603050405020304" pitchFamily="18" charset="0"/>
+                <a:cs typeface="Times New Roman" panose="02020603050405020304" pitchFamily="18" charset="0"/>
+              </a:rPr>
+              <a:t> </a:t>
+            </a:r>
+            <a:r>
+              <a:rPr lang="en-US" err="1">
+                <a:latin typeface="Times New Roman" panose="02020603050405020304" pitchFamily="18" charset="0"/>
+                <a:cs typeface="Times New Roman" panose="02020603050405020304" pitchFamily="18" charset="0"/>
+              </a:rPr>
+              <a:t>Suất</a:t>
+            </a:r>
+            <a:endParaRPr lang="en-US">
+              <a:latin typeface="Times New Roman" panose="02020603050405020304" pitchFamily="18" charset="0"/>
+              <a:cs typeface="Times New Roman" panose="02020603050405020304" pitchFamily="18" charset="0"/>
+            </a:endParaRPr>
+          </a:p>
+        </p:txBody>
+      </p:sp>
+      <p:pic>
+        <p:nvPicPr>
+          <p:cNvPr id="5" name="Picture 4">
+            <a:extLst>
+              <a:ext uri="{FF2B5EF4-FFF2-40B4-BE49-F238E27FC236}">
+                <a16:creationId xmlns:a16="http://schemas.microsoft.com/office/drawing/2014/main" id="{8892871D-B40D-4388-B1FD-63669B2C62D2}"/>
+              </a:ext>
+            </a:extLst>
+          </p:cNvPr>
+          <p:cNvPicPr/>
+          <p:nvPr/>
+        </p:nvPicPr>
+        <p:blipFill>
+          <a:blip r:embed="rId3">
+            <a:extLst>
+              <a:ext uri="{28A0092B-C50C-407E-A947-70E740481C1C}">
+                <a14:useLocalDpi xmlns:a14="http://schemas.microsoft.com/office/drawing/2010/main" val="0"/>
+              </a:ext>
+            </a:extLst>
+          </a:blip>
+          <a:srcRect/>
+          <a:stretch>
+            <a:fillRect/>
+          </a:stretch>
+        </p:blipFill>
+        <p:spPr bwMode="auto">
+          <a:xfrm>
+            <a:off x="2917998" y="2618251"/>
+            <a:ext cx="5680552" cy="1315119"/>
+          </a:xfrm>
+          <a:prstGeom prst="rect">
+            <a:avLst/>
+          </a:prstGeom>
+          <a:noFill/>
+        </p:spPr>
+      </p:pic>
+      <p:sp>
+        <p:nvSpPr>
+          <p:cNvPr id="7" name="Content Placeholder 6">
+            <a:extLst>
+              <a:ext uri="{FF2B5EF4-FFF2-40B4-BE49-F238E27FC236}">
+                <a16:creationId xmlns:a16="http://schemas.microsoft.com/office/drawing/2014/main" id="{3E40FBCD-11BE-4CE7-A5DD-F5B25635AFAE}"/>
+              </a:ext>
+            </a:extLst>
+          </p:cNvPr>
+          <p:cNvSpPr>
+            <a:spLocks noGrp="1"/>
+          </p:cNvSpPr>
+          <p:nvPr>
+            <p:ph idx="1"/>
+          </p:nvPr>
+        </p:nvSpPr>
+        <p:spPr>
+          <a:xfrm>
+            <a:off x="677334" y="1434905"/>
+            <a:ext cx="8596668" cy="4606457"/>
+          </a:xfrm>
+        </p:spPr>
+        <p:txBody>
+          <a:bodyPr>
+            <a:normAutofit/>
+          </a:bodyPr>
+          <a:lstStyle/>
+          <a:p>
+            <a:r>
+              <a:rPr lang="en-US" sz="2200">
+                <a:latin typeface="Times New Roman" panose="02020603050405020304" pitchFamily="18" charset="0"/>
+                <a:cs typeface="Times New Roman" panose="02020603050405020304" pitchFamily="18" charset="0"/>
+              </a:rPr>
+              <a:t>Chú thích:</a:t>
+            </a:r>
+          </a:p>
+          <a:p>
+            <a:endParaRPr lang="en-US" sz="2200">
+              <a:latin typeface="Times New Roman" panose="02020603050405020304" pitchFamily="18" charset="0"/>
+              <a:cs typeface="Times New Roman" panose="02020603050405020304" pitchFamily="18" charset="0"/>
+            </a:endParaRPr>
+          </a:p>
+        </p:txBody>
+      </p:sp>
+    </p:spTree>
+    <p:extLst>
+      <p:ext uri="{BB962C8B-B14F-4D97-AF65-F5344CB8AC3E}">
+        <p14:creationId xmlns:p14="http://schemas.microsoft.com/office/powerpoint/2010/main" val="1352785899"/>
+      </p:ext>
+    </p:extLst>
+  </p:cSld>
+  <p:clrMapOvr>
+    <a:masterClrMapping/>
+  </p:clrMapOvr>
+  <p:transition spd="slow">
+    <p:wipe/>
+  </p:transition>
+</p:sld>
+</file>
+
+<file path=ppt/slides/slide12.xml><?xml version="1.0" encoding="utf-8"?>
+<p:sld xmlns:a="http://schemas.openxmlformats.org/drawingml/2006/main" xmlns:r="http://schemas.openxmlformats.org/officeDocument/2006/relationships" xmlns:p="http://schemas.openxmlformats.org/presentationml/2006/main">
+  <p:cSld>
+    <p:spTree>
+      <p:nvGrpSpPr>
+        <p:cNvPr id="1" name=""/>
+        <p:cNvGrpSpPr/>
+        <p:nvPr/>
+      </p:nvGrpSpPr>
+      <p:grpSpPr>
+        <a:xfrm>
+          <a:off x="0" y="0"/>
+          <a:ext cx="0" cy="0"/>
+          <a:chOff x="0" y="0"/>
+          <a:chExt cx="0" cy="0"/>
+        </a:xfrm>
+      </p:grpSpPr>
+      <p:sp>
+        <p:nvSpPr>
+          <p:cNvPr id="2" name="Title 1">
+            <a:extLst>
+              <a:ext uri="{FF2B5EF4-FFF2-40B4-BE49-F238E27FC236}">
                 <a16:creationId xmlns:a16="http://schemas.microsoft.com/office/drawing/2014/main" id="{794F699A-8C53-44CB-B40D-1D6A75144032}"/>
               </a:ext>
             </a:extLst>
@@ -6786,7 +8993,7 @@
                 <a:latin typeface="Times New Roman" panose="02020603050405020304" pitchFamily="18" charset="0"/>
                 <a:cs typeface="Times New Roman" panose="02020603050405020304" pitchFamily="18" charset="0"/>
               </a:rPr>
-              <a:t>Robust Logistic Regression</a:t>
+              <a:t>So sánh</a:t>
             </a:r>
           </a:p>
         </p:txBody>
@@ -6836,7 +9043,7 @@
 </p:sld>
 </file>
 
-<file path=ppt/slides/slide12.xml><?xml version="1.0" encoding="utf-8"?>
+<file path=ppt/slides/slide13.xml><?xml version="1.0" encoding="utf-8"?>
 <p:sld xmlns:a="http://schemas.openxmlformats.org/drawingml/2006/main" xmlns:r="http://schemas.openxmlformats.org/officeDocument/2006/relationships" xmlns:p="http://schemas.openxmlformats.org/presentationml/2006/main">
   <p:cSld>
     <p:spTree>
@@ -7775,7 +9982,7 @@
 </p:sld>
 </file>
 
-<file path=ppt/slides/slide13.xml><?xml version="1.0" encoding="utf-8"?>
+<file path=ppt/slides/slide14.xml><?xml version="1.0" encoding="utf-8"?>
 <p:sld xmlns:a="http://schemas.openxmlformats.org/drawingml/2006/main" xmlns:r="http://schemas.openxmlformats.org/officeDocument/2006/relationships" xmlns:p="http://schemas.openxmlformats.org/presentationml/2006/main">
   <p:cSld>
     <p:spTree>

--- a/slides.pptx
+++ b/slides.pptx
@@ -621,8 +621,8 @@
         </p:nvSpPr>
         <p:spPr/>
       </p:sp>
-      <mc:AlternateContent xmlns:mc="http://schemas.openxmlformats.org/markup-compatibility/2006">
-        <mc:Choice xmlns:a14="http://schemas.microsoft.com/office/drawing/2010/main" Requires="a14">
+      <mc:AlternateContent xmlns:mc="http://schemas.openxmlformats.org/markup-compatibility/2006" xmlns:a14="http://schemas.microsoft.com/office/drawing/2010/main">
+        <mc:Choice Requires="a14">
           <p:sp>
             <p:nvSpPr>
               <p:cNvPr id="3" name="Notes Placeholder 2"/>
@@ -658,7 +658,7 @@
                           <a:schemeClr val="tx1"/>
                         </a:solidFill>
                         <a:effectLst/>
-                        <a:latin typeface="+mn-lt"/>
+                        <a:latin typeface="Cambria Math" panose="02040503050406030204" pitchFamily="18" charset="0"/>
                         <a:ea typeface="+mn-ea"/>
                         <a:cs typeface="+mn-cs"/>
                       </a:rPr>
@@ -673,7 +673,7 @@
                           <a:schemeClr val="tx1"/>
                         </a:solidFill>
                         <a:effectLst/>
-                        <a:latin typeface="+mn-lt"/>
+                        <a:latin typeface="Cambria Math" panose="02040503050406030204" pitchFamily="18" charset="0"/>
                         <a:ea typeface="+mn-ea"/>
                         <a:cs typeface="+mn-cs"/>
                       </a:rPr>
@@ -685,7 +685,7 @@
                           <a:schemeClr val="tx1"/>
                         </a:solidFill>
                         <a:effectLst/>
-                        <a:latin typeface="+mn-lt"/>
+                        <a:latin typeface="Cambria Math" panose="02040503050406030204" pitchFamily="18" charset="0"/>
                         <a:ea typeface="+mn-ea"/>
                         <a:cs typeface="+mn-cs"/>
                       </a:rPr>
@@ -697,7 +697,7 @@
                           <a:schemeClr val="tx1"/>
                         </a:solidFill>
                         <a:effectLst/>
-                        <a:latin typeface="+mn-lt"/>
+                        <a:latin typeface="Cambria Math" panose="02040503050406030204" pitchFamily="18" charset="0"/>
                         <a:ea typeface="+mn-ea"/>
                         <a:cs typeface="+mn-cs"/>
                       </a:rPr>
@@ -711,7 +711,7 @@
                               <a:schemeClr val="tx1"/>
                             </a:solidFill>
                             <a:effectLst/>
-                            <a:latin typeface="+mn-lt"/>
+                            <a:latin typeface="Cambria Math" panose="02040503050406030204" pitchFamily="18" charset="0"/>
                             <a:ea typeface="+mn-ea"/>
                             <a:cs typeface="+mn-cs"/>
                           </a:rPr>
@@ -726,7 +726,7 @@
                                   <a:schemeClr val="tx1"/>
                                 </a:solidFill>
                                 <a:effectLst/>
-                                <a:latin typeface="+mn-lt"/>
+                                <a:latin typeface="Cambria Math" panose="02040503050406030204" pitchFamily="18" charset="0"/>
                                 <a:ea typeface="+mn-ea"/>
                                 <a:cs typeface="+mn-cs"/>
                               </a:rPr>
@@ -739,7 +739,7 @@
                                   <a:schemeClr val="tx1"/>
                                 </a:solidFill>
                                 <a:effectLst/>
-                                <a:latin typeface="+mn-lt"/>
+                                <a:latin typeface="Cambria Math" panose="02040503050406030204" pitchFamily="18" charset="0"/>
                                 <a:ea typeface="+mn-ea"/>
                                 <a:cs typeface="+mn-cs"/>
                               </a:rPr>
@@ -753,7 +753,7 @@
                                   <a:schemeClr val="tx1"/>
                                 </a:solidFill>
                                 <a:effectLst/>
-                                <a:latin typeface="+mn-lt"/>
+                                <a:latin typeface="Cambria Math" panose="02040503050406030204" pitchFamily="18" charset="0"/>
                                 <a:ea typeface="+mn-ea"/>
                                 <a:cs typeface="+mn-cs"/>
                               </a:rPr>
@@ -767,7 +767,7 @@
                               <a:schemeClr val="tx1"/>
                             </a:solidFill>
                             <a:effectLst/>
-                            <a:latin typeface="+mn-lt"/>
+                            <a:latin typeface="Cambria Math" panose="02040503050406030204" pitchFamily="18" charset="0"/>
                             <a:ea typeface="+mn-ea"/>
                             <a:cs typeface="+mn-cs"/>
                           </a:rPr>
@@ -781,7 +781,7 @@
                               <a:schemeClr val="tx1"/>
                             </a:solidFill>
                             <a:effectLst/>
-                            <a:latin typeface="+mn-lt"/>
+                            <a:latin typeface="Cambria Math" panose="02040503050406030204" pitchFamily="18" charset="0"/>
                             <a:ea typeface="+mn-ea"/>
                             <a:cs typeface="+mn-cs"/>
                           </a:rPr>
@@ -795,7 +795,7 @@
                           <a:schemeClr val="tx1"/>
                         </a:solidFill>
                         <a:effectLst/>
-                        <a:latin typeface="+mn-lt"/>
+                        <a:latin typeface="Cambria Math" panose="02040503050406030204" pitchFamily="18" charset="0"/>
                         <a:ea typeface="+mn-ea"/>
                         <a:cs typeface="+mn-cs"/>
                       </a:rPr>
@@ -825,7 +825,7 @@
                               <a:schemeClr val="tx1"/>
                             </a:solidFill>
                             <a:effectLst/>
-                            <a:latin typeface="+mn-lt"/>
+                            <a:latin typeface="Cambria Math" panose="02040503050406030204" pitchFamily="18" charset="0"/>
                             <a:ea typeface="+mn-ea"/>
                             <a:cs typeface="+mn-cs"/>
                           </a:rPr>
@@ -838,7 +838,7 @@
                               <a:schemeClr val="tx1"/>
                             </a:solidFill>
                             <a:effectLst/>
-                            <a:latin typeface="+mn-lt"/>
+                            <a:latin typeface="Cambria Math" panose="02040503050406030204" pitchFamily="18" charset="0"/>
                             <a:ea typeface="+mn-ea"/>
                             <a:cs typeface="+mn-cs"/>
                           </a:rPr>
@@ -852,7 +852,7 @@
                               <a:schemeClr val="tx1"/>
                             </a:solidFill>
                             <a:effectLst/>
-                            <a:latin typeface="+mn-lt"/>
+                            <a:latin typeface="Cambria Math" panose="02040503050406030204" pitchFamily="18" charset="0"/>
                             <a:ea typeface="+mn-ea"/>
                             <a:cs typeface="+mn-cs"/>
                           </a:rPr>
@@ -866,7 +866,7 @@
                           <a:schemeClr val="tx1"/>
                         </a:solidFill>
                         <a:effectLst/>
-                        <a:latin typeface="+mn-lt"/>
+                        <a:latin typeface="Cambria Math" panose="02040503050406030204" pitchFamily="18" charset="0"/>
                         <a:ea typeface="+mn-ea"/>
                         <a:cs typeface="+mn-cs"/>
                       </a:rPr>
@@ -896,7 +896,7 @@
                               <a:schemeClr val="tx1"/>
                             </a:solidFill>
                             <a:effectLst/>
-                            <a:latin typeface="+mn-lt"/>
+                            <a:latin typeface="Cambria Math" panose="02040503050406030204" pitchFamily="18" charset="0"/>
                             <a:ea typeface="+mn-ea"/>
                             <a:cs typeface="+mn-cs"/>
                           </a:rPr>
@@ -909,7 +909,7 @@
                               <a:schemeClr val="tx1"/>
                             </a:solidFill>
                             <a:effectLst/>
-                            <a:latin typeface="+mn-lt"/>
+                            <a:latin typeface="Cambria Math" panose="02040503050406030204" pitchFamily="18" charset="0"/>
                             <a:ea typeface="+mn-ea"/>
                             <a:cs typeface="+mn-cs"/>
                           </a:rPr>
@@ -923,7 +923,7 @@
                               <a:schemeClr val="tx1"/>
                             </a:solidFill>
                             <a:effectLst/>
-                            <a:latin typeface="+mn-lt"/>
+                            <a:latin typeface="Cambria Math" panose="02040503050406030204" pitchFamily="18" charset="0"/>
                             <a:ea typeface="+mn-ea"/>
                             <a:cs typeface="+mn-cs"/>
                           </a:rPr>
@@ -937,7 +937,7 @@
                               <a:schemeClr val="tx1"/>
                             </a:solidFill>
                             <a:effectLst/>
-                            <a:latin typeface="+mn-lt"/>
+                            <a:latin typeface="Cambria Math" panose="02040503050406030204" pitchFamily="18" charset="0"/>
                             <a:ea typeface="+mn-ea"/>
                             <a:cs typeface="+mn-cs"/>
                           </a:rPr>
@@ -951,7 +951,7 @@
                           <a:schemeClr val="tx1"/>
                         </a:solidFill>
                         <a:effectLst/>
-                        <a:latin typeface="+mn-lt"/>
+                        <a:latin typeface="Cambria Math" panose="02040503050406030204" pitchFamily="18" charset="0"/>
                         <a:ea typeface="+mn-ea"/>
                         <a:cs typeface="+mn-cs"/>
                       </a:rPr>
@@ -981,7 +981,7 @@
                               <a:schemeClr val="tx1"/>
                             </a:solidFill>
                             <a:effectLst/>
-                            <a:latin typeface="+mn-lt"/>
+                            <a:latin typeface="Cambria Math" panose="02040503050406030204" pitchFamily="18" charset="0"/>
                             <a:ea typeface="+mn-ea"/>
                             <a:cs typeface="+mn-cs"/>
                           </a:rPr>
@@ -994,7 +994,7 @@
                               <a:schemeClr val="tx1"/>
                             </a:solidFill>
                             <a:effectLst/>
-                            <a:latin typeface="+mn-lt"/>
+                            <a:latin typeface="Cambria Math" panose="02040503050406030204" pitchFamily="18" charset="0"/>
                             <a:ea typeface="+mn-ea"/>
                             <a:cs typeface="+mn-cs"/>
                           </a:rPr>
@@ -1008,7 +1008,7 @@
                               <a:schemeClr val="tx1"/>
                             </a:solidFill>
                             <a:effectLst/>
-                            <a:latin typeface="+mn-lt"/>
+                            <a:latin typeface="Cambria Math" panose="02040503050406030204" pitchFamily="18" charset="0"/>
                             <a:ea typeface="+mn-ea"/>
                             <a:cs typeface="+mn-cs"/>
                           </a:rPr>
@@ -1024,7 +1024,7 @@
                               <a:schemeClr val="tx1"/>
                             </a:solidFill>
                             <a:effectLst/>
-                            <a:latin typeface="+mn-lt"/>
+                            <a:latin typeface="Cambria Math" panose="02040503050406030204" pitchFamily="18" charset="0"/>
                             <a:ea typeface="+mn-ea"/>
                             <a:cs typeface="+mn-cs"/>
                           </a:rPr>
@@ -1039,7 +1039,7 @@
                                   <a:schemeClr val="tx1"/>
                                 </a:solidFill>
                                 <a:effectLst/>
-                                <a:latin typeface="+mn-lt"/>
+                                <a:latin typeface="Cambria Math" panose="02040503050406030204" pitchFamily="18" charset="0"/>
                                 <a:ea typeface="+mn-ea"/>
                                 <a:cs typeface="+mn-cs"/>
                               </a:rPr>
@@ -1052,7 +1052,7 @@
                                   <a:schemeClr val="tx1"/>
                                 </a:solidFill>
                                 <a:effectLst/>
-                                <a:latin typeface="+mn-lt"/>
+                                <a:latin typeface="Cambria Math" panose="02040503050406030204" pitchFamily="18" charset="0"/>
                                 <a:ea typeface="+mn-ea"/>
                                 <a:cs typeface="+mn-cs"/>
                               </a:rPr>
@@ -1066,7 +1066,7 @@
                                   <a:schemeClr val="tx1"/>
                                 </a:solidFill>
                                 <a:effectLst/>
-                                <a:latin typeface="+mn-lt"/>
+                                <a:latin typeface="Cambria Math" panose="02040503050406030204" pitchFamily="18" charset="0"/>
                                 <a:ea typeface="+mn-ea"/>
                                 <a:cs typeface="+mn-cs"/>
                               </a:rPr>
@@ -1080,7 +1080,7 @@
                                   <a:schemeClr val="tx1"/>
                                 </a:solidFill>
                                 <a:effectLst/>
-                                <a:latin typeface="+mn-lt"/>
+                                <a:latin typeface="Cambria Math" panose="02040503050406030204" pitchFamily="18" charset="0"/>
                                 <a:ea typeface="+mn-ea"/>
                                 <a:cs typeface="+mn-cs"/>
                               </a:rPr>
@@ -1096,7 +1096,7 @@
                           <a:schemeClr val="tx1"/>
                         </a:solidFill>
                         <a:effectLst/>
-                        <a:latin typeface="+mn-lt"/>
+                        <a:latin typeface="Cambria Math" panose="02040503050406030204" pitchFamily="18" charset="0"/>
                         <a:ea typeface="+mn-ea"/>
                         <a:cs typeface="+mn-cs"/>
                       </a:rPr>
@@ -1110,7 +1110,7 @@
                               <a:schemeClr val="tx1"/>
                             </a:solidFill>
                             <a:effectLst/>
-                            <a:latin typeface="+mn-lt"/>
+                            <a:latin typeface="Cambria Math" panose="02040503050406030204" pitchFamily="18" charset="0"/>
                             <a:ea typeface="+mn-ea"/>
                             <a:cs typeface="+mn-cs"/>
                           </a:rPr>
@@ -1123,7 +1123,7 @@
                               <a:schemeClr val="tx1"/>
                             </a:solidFill>
                             <a:effectLst/>
-                            <a:latin typeface="+mn-lt"/>
+                            <a:latin typeface="Cambria Math" panose="02040503050406030204" pitchFamily="18" charset="0"/>
                             <a:ea typeface="+mn-ea"/>
                             <a:cs typeface="+mn-cs"/>
                           </a:rPr>
@@ -1137,7 +1137,7 @@
                               <a:schemeClr val="tx1"/>
                             </a:solidFill>
                             <a:effectLst/>
-                            <a:latin typeface="+mn-lt"/>
+                            <a:latin typeface="Cambria Math" panose="02040503050406030204" pitchFamily="18" charset="0"/>
                             <a:ea typeface="+mn-ea"/>
                             <a:cs typeface="+mn-cs"/>
                           </a:rPr>
@@ -1153,7 +1153,7 @@
                               <a:schemeClr val="tx1"/>
                             </a:solidFill>
                             <a:effectLst/>
-                            <a:latin typeface="+mn-lt"/>
+                            <a:latin typeface="Cambria Math" panose="02040503050406030204" pitchFamily="18" charset="0"/>
                             <a:ea typeface="+mn-ea"/>
                             <a:cs typeface="+mn-cs"/>
                           </a:rPr>
@@ -1166,7 +1166,7 @@
                               <a:schemeClr val="tx1"/>
                             </a:solidFill>
                             <a:effectLst/>
-                            <a:latin typeface="+mn-lt"/>
+                            <a:latin typeface="Cambria Math" panose="02040503050406030204" pitchFamily="18" charset="0"/>
                             <a:ea typeface="+mn-ea"/>
                             <a:cs typeface="+mn-cs"/>
                           </a:rPr>
@@ -1180,7 +1180,7 @@
                               <a:schemeClr val="tx1"/>
                             </a:solidFill>
                             <a:effectLst/>
-                            <a:latin typeface="+mn-lt"/>
+                            <a:latin typeface="Cambria Math" panose="02040503050406030204" pitchFamily="18" charset="0"/>
                             <a:ea typeface="+mn-ea"/>
                             <a:cs typeface="+mn-cs"/>
                           </a:rPr>
@@ -1196,7 +1196,7 @@
                               <a:schemeClr val="tx1"/>
                             </a:solidFill>
                             <a:effectLst/>
-                            <a:latin typeface="+mn-lt"/>
+                            <a:latin typeface="Cambria Math" panose="02040503050406030204" pitchFamily="18" charset="0"/>
                             <a:ea typeface="+mn-ea"/>
                             <a:cs typeface="+mn-cs"/>
                           </a:rPr>
@@ -1211,7 +1211,7 @@
                                   <a:schemeClr val="tx1"/>
                                 </a:solidFill>
                                 <a:effectLst/>
-                                <a:latin typeface="+mn-lt"/>
+                                <a:latin typeface="Cambria Math" panose="02040503050406030204" pitchFamily="18" charset="0"/>
                                 <a:ea typeface="+mn-ea"/>
                                 <a:cs typeface="+mn-cs"/>
                               </a:rPr>
@@ -1224,7 +1224,7 @@
                                   <a:schemeClr val="tx1"/>
                                 </a:solidFill>
                                 <a:effectLst/>
-                                <a:latin typeface="+mn-lt"/>
+                                <a:latin typeface="Cambria Math" panose="02040503050406030204" pitchFamily="18" charset="0"/>
                                 <a:ea typeface="+mn-ea"/>
                                 <a:cs typeface="+mn-cs"/>
                               </a:rPr>
@@ -1238,7 +1238,7 @@
                                   <a:schemeClr val="tx1"/>
                                 </a:solidFill>
                                 <a:effectLst/>
-                                <a:latin typeface="+mn-lt"/>
+                                <a:latin typeface="Cambria Math" panose="02040503050406030204" pitchFamily="18" charset="0"/>
                                 <a:ea typeface="+mn-ea"/>
                                 <a:cs typeface="+mn-cs"/>
                               </a:rPr>
@@ -1254,7 +1254,7 @@
                           <a:schemeClr val="tx1"/>
                         </a:solidFill>
                         <a:effectLst/>
-                        <a:latin typeface="+mn-lt"/>
+                        <a:latin typeface="Cambria Math" panose="02040503050406030204" pitchFamily="18" charset="0"/>
                         <a:ea typeface="+mn-ea"/>
                         <a:cs typeface="+mn-cs"/>
                       </a:rPr>
@@ -1284,7 +1284,7 @@
                               <a:schemeClr val="tx1"/>
                             </a:solidFill>
                             <a:effectLst/>
-                            <a:latin typeface="+mn-lt"/>
+                            <a:latin typeface="Cambria Math" panose="02040503050406030204" pitchFamily="18" charset="0"/>
                             <a:ea typeface="+mn-ea"/>
                             <a:cs typeface="+mn-cs"/>
                           </a:rPr>
@@ -1297,7 +1297,7 @@
                               <a:schemeClr val="tx1"/>
                             </a:solidFill>
                             <a:effectLst/>
-                            <a:latin typeface="+mn-lt"/>
+                            <a:latin typeface="Cambria Math" panose="02040503050406030204" pitchFamily="18" charset="0"/>
                             <a:ea typeface="+mn-ea"/>
                             <a:cs typeface="+mn-cs"/>
                           </a:rPr>
@@ -1311,7 +1311,7 @@
                               <a:schemeClr val="tx1"/>
                             </a:solidFill>
                             <a:effectLst/>
-                            <a:latin typeface="+mn-lt"/>
+                            <a:latin typeface="Cambria Math" panose="02040503050406030204" pitchFamily="18" charset="0"/>
                             <a:ea typeface="+mn-ea"/>
                             <a:cs typeface="+mn-cs"/>
                           </a:rPr>
@@ -1327,7 +1327,7 @@
                               <a:schemeClr val="tx1"/>
                             </a:solidFill>
                             <a:effectLst/>
-                            <a:latin typeface="+mn-lt"/>
+                            <a:latin typeface="Cambria Math" panose="02040503050406030204" pitchFamily="18" charset="0"/>
                             <a:ea typeface="+mn-ea"/>
                             <a:cs typeface="+mn-cs"/>
                           </a:rPr>
@@ -1342,7 +1342,7 @@
                                   <a:schemeClr val="tx1"/>
                                 </a:solidFill>
                                 <a:effectLst/>
-                                <a:latin typeface="+mn-lt"/>
+                                <a:latin typeface="Cambria Math" panose="02040503050406030204" pitchFamily="18" charset="0"/>
                                 <a:ea typeface="+mn-ea"/>
                                 <a:cs typeface="+mn-cs"/>
                               </a:rPr>
@@ -1355,7 +1355,7 @@
                                   <a:schemeClr val="tx1"/>
                                 </a:solidFill>
                                 <a:effectLst/>
-                                <a:latin typeface="+mn-lt"/>
+                                <a:latin typeface="Cambria Math" panose="02040503050406030204" pitchFamily="18" charset="0"/>
                                 <a:ea typeface="+mn-ea"/>
                                 <a:cs typeface="+mn-cs"/>
                               </a:rPr>
@@ -1369,7 +1369,7 @@
                                   <a:schemeClr val="tx1"/>
                                 </a:solidFill>
                                 <a:effectLst/>
-                                <a:latin typeface="+mn-lt"/>
+                                <a:latin typeface="Cambria Math" panose="02040503050406030204" pitchFamily="18" charset="0"/>
                                 <a:ea typeface="+mn-ea"/>
                                 <a:cs typeface="+mn-cs"/>
                               </a:rPr>
@@ -1383,7 +1383,7 @@
                                   <a:schemeClr val="tx1"/>
                                 </a:solidFill>
                                 <a:effectLst/>
-                                <a:latin typeface="+mn-lt"/>
+                                <a:latin typeface="Cambria Math" panose="02040503050406030204" pitchFamily="18" charset="0"/>
                                 <a:ea typeface="+mn-ea"/>
                                 <a:cs typeface="+mn-cs"/>
                               </a:rPr>
@@ -1397,7 +1397,7 @@
                               <a:schemeClr val="tx1"/>
                             </a:solidFill>
                             <a:effectLst/>
-                            <a:latin typeface="+mn-lt"/>
+                            <a:latin typeface="Cambria Math" panose="02040503050406030204" pitchFamily="18" charset="0"/>
                             <a:ea typeface="+mn-ea"/>
                             <a:cs typeface="+mn-cs"/>
                           </a:rPr>
@@ -1411,7 +1411,7 @@
                           <a:schemeClr val="tx1"/>
                         </a:solidFill>
                         <a:effectLst/>
-                        <a:latin typeface="+mn-lt"/>
+                        <a:latin typeface="Cambria Math" panose="02040503050406030204" pitchFamily="18" charset="0"/>
                         <a:ea typeface="+mn-ea"/>
                         <a:cs typeface="+mn-cs"/>
                       </a:rPr>
@@ -1425,7 +1425,7 @@
                               <a:schemeClr val="tx1"/>
                             </a:solidFill>
                             <a:effectLst/>
-                            <a:latin typeface="+mn-lt"/>
+                            <a:latin typeface="Cambria Math" panose="02040503050406030204" pitchFamily="18" charset="0"/>
                             <a:ea typeface="+mn-ea"/>
                             <a:cs typeface="+mn-cs"/>
                           </a:rPr>
@@ -1438,7 +1438,7 @@
                               <a:schemeClr val="tx1"/>
                             </a:solidFill>
                             <a:effectLst/>
-                            <a:latin typeface="+mn-lt"/>
+                            <a:latin typeface="Cambria Math" panose="02040503050406030204" pitchFamily="18" charset="0"/>
                             <a:ea typeface="+mn-ea"/>
                             <a:cs typeface="+mn-cs"/>
                           </a:rPr>
@@ -1452,7 +1452,7 @@
                               <a:schemeClr val="tx1"/>
                             </a:solidFill>
                             <a:effectLst/>
-                            <a:latin typeface="+mn-lt"/>
+                            <a:latin typeface="Cambria Math" panose="02040503050406030204" pitchFamily="18" charset="0"/>
                             <a:ea typeface="+mn-ea"/>
                             <a:cs typeface="+mn-cs"/>
                           </a:rPr>
@@ -1466,7 +1466,7 @@
                           <a:schemeClr val="tx1"/>
                         </a:solidFill>
                         <a:effectLst/>
-                        <a:latin typeface="+mn-lt"/>
+                        <a:latin typeface="Cambria Math" panose="02040503050406030204" pitchFamily="18" charset="0"/>
                         <a:ea typeface="+mn-ea"/>
                         <a:cs typeface="+mn-cs"/>
                       </a:rPr>
@@ -1480,7 +1480,7 @@
                               <a:schemeClr val="tx1"/>
                             </a:solidFill>
                             <a:effectLst/>
-                            <a:latin typeface="+mn-lt"/>
+                            <a:latin typeface="Cambria Math" panose="02040503050406030204" pitchFamily="18" charset="0"/>
                             <a:ea typeface="+mn-ea"/>
                             <a:cs typeface="+mn-cs"/>
                           </a:rPr>
@@ -1493,7 +1493,7 @@
                               <a:schemeClr val="tx1"/>
                             </a:solidFill>
                             <a:effectLst/>
-                            <a:latin typeface="+mn-lt"/>
+                            <a:latin typeface="Cambria Math" panose="02040503050406030204" pitchFamily="18" charset="0"/>
                             <a:ea typeface="+mn-ea"/>
                             <a:cs typeface="+mn-cs"/>
                           </a:rPr>
@@ -1507,7 +1507,7 @@
                               <a:schemeClr val="tx1"/>
                             </a:solidFill>
                             <a:effectLst/>
-                            <a:latin typeface="+mn-lt"/>
+                            <a:latin typeface="Cambria Math" panose="02040503050406030204" pitchFamily="18" charset="0"/>
                             <a:ea typeface="+mn-ea"/>
                             <a:cs typeface="+mn-cs"/>
                           </a:rPr>
@@ -1523,7 +1523,7 @@
                               <a:schemeClr val="tx1"/>
                             </a:solidFill>
                             <a:effectLst/>
-                            <a:latin typeface="+mn-lt"/>
+                            <a:latin typeface="Cambria Math" panose="02040503050406030204" pitchFamily="18" charset="0"/>
                             <a:ea typeface="+mn-ea"/>
                             <a:cs typeface="+mn-cs"/>
                           </a:rPr>
@@ -1536,7 +1536,7 @@
                               <a:schemeClr val="tx1"/>
                             </a:solidFill>
                             <a:effectLst/>
-                            <a:latin typeface="+mn-lt"/>
+                            <a:latin typeface="Cambria Math" panose="02040503050406030204" pitchFamily="18" charset="0"/>
                             <a:ea typeface="+mn-ea"/>
                             <a:cs typeface="+mn-cs"/>
                           </a:rPr>
@@ -1550,7 +1550,7 @@
                               <a:schemeClr val="tx1"/>
                             </a:solidFill>
                             <a:effectLst/>
-                            <a:latin typeface="+mn-lt"/>
+                            <a:latin typeface="Cambria Math" panose="02040503050406030204" pitchFamily="18" charset="0"/>
                             <a:ea typeface="+mn-ea"/>
                             <a:cs typeface="+mn-cs"/>
                           </a:rPr>
@@ -1566,7 +1566,7 @@
                               <a:schemeClr val="tx1"/>
                             </a:solidFill>
                             <a:effectLst/>
-                            <a:latin typeface="+mn-lt"/>
+                            <a:latin typeface="Cambria Math" panose="02040503050406030204" pitchFamily="18" charset="0"/>
                             <a:ea typeface="+mn-ea"/>
                             <a:cs typeface="+mn-cs"/>
                           </a:rPr>
@@ -1581,7 +1581,7 @@
                                   <a:schemeClr val="tx1"/>
                                 </a:solidFill>
                                 <a:effectLst/>
-                                <a:latin typeface="+mn-lt"/>
+                                <a:latin typeface="Cambria Math" panose="02040503050406030204" pitchFamily="18" charset="0"/>
                                 <a:ea typeface="+mn-ea"/>
                                 <a:cs typeface="+mn-cs"/>
                               </a:rPr>
@@ -1594,7 +1594,7 @@
                                   <a:schemeClr val="tx1"/>
                                 </a:solidFill>
                                 <a:effectLst/>
-                                <a:latin typeface="+mn-lt"/>
+                                <a:latin typeface="Cambria Math" panose="02040503050406030204" pitchFamily="18" charset="0"/>
                                 <a:ea typeface="+mn-ea"/>
                                 <a:cs typeface="+mn-cs"/>
                               </a:rPr>
@@ -1608,7 +1608,7 @@
                                   <a:schemeClr val="tx1"/>
                                 </a:solidFill>
                                 <a:effectLst/>
-                                <a:latin typeface="+mn-lt"/>
+                                <a:latin typeface="Cambria Math" panose="02040503050406030204" pitchFamily="18" charset="0"/>
                                 <a:ea typeface="+mn-ea"/>
                                 <a:cs typeface="+mn-cs"/>
                               </a:rPr>
@@ -1624,7 +1624,7 @@
                           <a:schemeClr val="tx1"/>
                         </a:solidFill>
                         <a:effectLst/>
-                        <a:latin typeface="+mn-lt"/>
+                        <a:latin typeface="Cambria Math" panose="02040503050406030204" pitchFamily="18" charset="0"/>
                         <a:ea typeface="+mn-ea"/>
                         <a:cs typeface="+mn-cs"/>
                       </a:rPr>
@@ -1654,7 +1654,7 @@
                               <a:schemeClr val="tx1"/>
                             </a:solidFill>
                             <a:effectLst/>
-                            <a:latin typeface="+mn-lt"/>
+                            <a:latin typeface="Cambria Math" panose="02040503050406030204" pitchFamily="18" charset="0"/>
                             <a:ea typeface="+mn-ea"/>
                             <a:cs typeface="+mn-cs"/>
                           </a:rPr>
@@ -1667,7 +1667,7 @@
                               <a:schemeClr val="tx1"/>
                             </a:solidFill>
                             <a:effectLst/>
-                            <a:latin typeface="+mn-lt"/>
+                            <a:latin typeface="Cambria Math" panose="02040503050406030204" pitchFamily="18" charset="0"/>
                             <a:ea typeface="+mn-ea"/>
                             <a:cs typeface="+mn-cs"/>
                           </a:rPr>
@@ -1681,7 +1681,7 @@
                               <a:schemeClr val="tx1"/>
                             </a:solidFill>
                             <a:effectLst/>
-                            <a:latin typeface="+mn-lt"/>
+                            <a:latin typeface="Cambria Math" panose="02040503050406030204" pitchFamily="18" charset="0"/>
                             <a:ea typeface="+mn-ea"/>
                             <a:cs typeface="+mn-cs"/>
                           </a:rPr>
@@ -1695,7 +1695,7 @@
                           <a:schemeClr val="tx1"/>
                         </a:solidFill>
                         <a:effectLst/>
-                        <a:latin typeface="+mn-lt"/>
+                        <a:latin typeface="Cambria Math" panose="02040503050406030204" pitchFamily="18" charset="0"/>
                         <a:ea typeface="+mn-ea"/>
                         <a:cs typeface="+mn-cs"/>
                       </a:rPr>
@@ -1709,7 +1709,7 @@
                               <a:schemeClr val="tx1"/>
                             </a:solidFill>
                             <a:effectLst/>
-                            <a:latin typeface="+mn-lt"/>
+                            <a:latin typeface="Cambria Math" panose="02040503050406030204" pitchFamily="18" charset="0"/>
                             <a:ea typeface="+mn-ea"/>
                             <a:cs typeface="+mn-cs"/>
                           </a:rPr>
@@ -1722,7 +1722,7 @@
                               <a:schemeClr val="tx1"/>
                             </a:solidFill>
                             <a:effectLst/>
-                            <a:latin typeface="+mn-lt"/>
+                            <a:latin typeface="Cambria Math" panose="02040503050406030204" pitchFamily="18" charset="0"/>
                             <a:ea typeface="+mn-ea"/>
                             <a:cs typeface="+mn-cs"/>
                           </a:rPr>
@@ -1736,7 +1736,7 @@
                               <a:schemeClr val="tx1"/>
                             </a:solidFill>
                             <a:effectLst/>
-                            <a:latin typeface="+mn-lt"/>
+                            <a:latin typeface="Cambria Math" panose="02040503050406030204" pitchFamily="18" charset="0"/>
                             <a:ea typeface="+mn-ea"/>
                             <a:cs typeface="+mn-cs"/>
                           </a:rPr>
@@ -1750,7 +1750,7 @@
                           <a:schemeClr val="tx1"/>
                         </a:solidFill>
                         <a:effectLst/>
-                        <a:latin typeface="+mn-lt"/>
+                        <a:latin typeface="Cambria Math" panose="02040503050406030204" pitchFamily="18" charset="0"/>
                         <a:ea typeface="+mn-ea"/>
                         <a:cs typeface="+mn-cs"/>
                       </a:rPr>
@@ -1772,6 +1772,7 @@
                 </a:r>
               </a:p>
               <a:p>
+                <a:pPr/>
                 <a14:m>
                   <m:oMathPara xmlns:m="http://schemas.openxmlformats.org/officeDocument/2006/math">
                     <m:oMathParaPr>
@@ -1788,7 +1789,7 @@
                                 <a:schemeClr val="tx1"/>
                               </a:solidFill>
                               <a:effectLst/>
-                              <a:latin typeface="+mn-lt"/>
+                              <a:latin typeface="Cambria Math" panose="02040503050406030204" pitchFamily="18" charset="0"/>
                               <a:ea typeface="+mn-ea"/>
                               <a:cs typeface="+mn-cs"/>
                             </a:rPr>
@@ -1804,7 +1805,7 @@
                                     <a:schemeClr val="tx1"/>
                                   </a:solidFill>
                                   <a:effectLst/>
-                                  <a:latin typeface="+mn-lt"/>
+                                  <a:latin typeface="Cambria Math" panose="02040503050406030204" pitchFamily="18" charset="0"/>
                                   <a:ea typeface="+mn-ea"/>
                                   <a:cs typeface="+mn-cs"/>
                                 </a:rPr>
@@ -1817,7 +1818,7 @@
                                     <a:schemeClr val="tx1"/>
                                   </a:solidFill>
                                   <a:effectLst/>
-                                  <a:latin typeface="+mn-lt"/>
+                                  <a:latin typeface="Cambria Math" panose="02040503050406030204" pitchFamily="18" charset="0"/>
                                   <a:ea typeface="+mn-ea"/>
                                   <a:cs typeface="+mn-cs"/>
                                 </a:rPr>
@@ -1831,7 +1832,7 @@
                                 <a:schemeClr val="tx1"/>
                               </a:solidFill>
                               <a:effectLst/>
-                              <a:latin typeface="+mn-lt"/>
+                              <a:latin typeface="Cambria Math" panose="02040503050406030204" pitchFamily="18" charset="0"/>
                               <a:ea typeface="+mn-ea"/>
                               <a:cs typeface="+mn-cs"/>
                             </a:rPr>
@@ -1845,7 +1846,7 @@
                                     <a:schemeClr val="tx1"/>
                                   </a:solidFill>
                                   <a:effectLst/>
-                                  <a:latin typeface="+mn-lt"/>
+                                  <a:latin typeface="Cambria Math" panose="02040503050406030204" pitchFamily="18" charset="0"/>
                                   <a:ea typeface="+mn-ea"/>
                                   <a:cs typeface="+mn-cs"/>
                                 </a:rPr>
@@ -1858,7 +1859,7 @@
                                     <a:schemeClr val="tx1"/>
                                   </a:solidFill>
                                   <a:effectLst/>
-                                  <a:latin typeface="+mn-lt"/>
+                                  <a:latin typeface="Cambria Math" panose="02040503050406030204" pitchFamily="18" charset="0"/>
                                   <a:ea typeface="+mn-ea"/>
                                   <a:cs typeface="+mn-cs"/>
                                 </a:rPr>
@@ -1872,7 +1873,7 @@
                                     <a:schemeClr val="tx1"/>
                                   </a:solidFill>
                                   <a:effectLst/>
-                                  <a:latin typeface="+mn-lt"/>
+                                  <a:latin typeface="Cambria Math" panose="02040503050406030204" pitchFamily="18" charset="0"/>
                                   <a:ea typeface="+mn-ea"/>
                                   <a:cs typeface="+mn-cs"/>
                                 </a:rPr>
@@ -1888,7 +1889,7 @@
                             <a:schemeClr val="tx1"/>
                           </a:solidFill>
                           <a:effectLst/>
-                          <a:latin typeface="+mn-lt"/>
+                          <a:latin typeface="Cambria Math" panose="02040503050406030204" pitchFamily="18" charset="0"/>
                           <a:ea typeface="+mn-ea"/>
                           <a:cs typeface="+mn-cs"/>
                         </a:rPr>
@@ -1903,7 +1904,7 @@
                             <a:schemeClr val="tx1"/>
                           </a:solidFill>
                           <a:effectLst/>
-                          <a:latin typeface="+mn-lt"/>
+                          <a:latin typeface="Cambria Math" panose="02040503050406030204" pitchFamily="18" charset="0"/>
                           <a:ea typeface="+mn-ea"/>
                           <a:cs typeface="+mn-cs"/>
                         </a:rPr>
@@ -1946,7 +1947,7 @@
                               <a:schemeClr val="tx1"/>
                             </a:solidFill>
                             <a:effectLst/>
-                            <a:latin typeface="+mn-lt"/>
+                            <a:latin typeface="Cambria Math" panose="02040503050406030204" pitchFamily="18" charset="0"/>
                             <a:ea typeface="+mn-ea"/>
                             <a:cs typeface="+mn-cs"/>
                           </a:rPr>
@@ -1959,7 +1960,7 @@
                               <a:schemeClr val="tx1"/>
                             </a:solidFill>
                             <a:effectLst/>
-                            <a:latin typeface="+mn-lt"/>
+                            <a:latin typeface="Cambria Math" panose="02040503050406030204" pitchFamily="18" charset="0"/>
                             <a:ea typeface="+mn-ea"/>
                             <a:cs typeface="+mn-cs"/>
                           </a:rPr>
@@ -1973,7 +1974,7 @@
                           <a:schemeClr val="tx1"/>
                         </a:solidFill>
                         <a:effectLst/>
-                        <a:latin typeface="+mn-lt"/>
+                        <a:latin typeface="Cambria Math" panose="02040503050406030204" pitchFamily="18" charset="0"/>
                         <a:ea typeface="+mn-ea"/>
                         <a:cs typeface="+mn-cs"/>
                       </a:rPr>
@@ -1987,7 +1988,7 @@
                               <a:schemeClr val="tx1"/>
                             </a:solidFill>
                             <a:effectLst/>
-                            <a:latin typeface="+mn-lt"/>
+                            <a:latin typeface="Cambria Math" panose="02040503050406030204" pitchFamily="18" charset="0"/>
                             <a:ea typeface="+mn-ea"/>
                             <a:cs typeface="+mn-cs"/>
                           </a:rPr>
@@ -2000,7 +2001,7 @@
                               <a:schemeClr val="tx1"/>
                             </a:solidFill>
                             <a:effectLst/>
-                            <a:latin typeface="+mn-lt"/>
+                            <a:latin typeface="Cambria Math" panose="02040503050406030204" pitchFamily="18" charset="0"/>
                             <a:ea typeface="+mn-ea"/>
                             <a:cs typeface="+mn-cs"/>
                           </a:rPr>
@@ -2014,7 +2015,7 @@
                               <a:schemeClr val="tx1"/>
                             </a:solidFill>
                             <a:effectLst/>
-                            <a:latin typeface="+mn-lt"/>
+                            <a:latin typeface="Cambria Math" panose="02040503050406030204" pitchFamily="18" charset="0"/>
                             <a:ea typeface="+mn-ea"/>
                             <a:cs typeface="+mn-cs"/>
                           </a:rPr>
@@ -2028,7 +2029,7 @@
                           <a:schemeClr val="tx1"/>
                         </a:solidFill>
                         <a:effectLst/>
-                        <a:latin typeface="+mn-lt"/>
+                        <a:latin typeface="Cambria Math" panose="02040503050406030204" pitchFamily="18" charset="0"/>
                         <a:ea typeface="+mn-ea"/>
                         <a:cs typeface="+mn-cs"/>
                       </a:rPr>
@@ -2042,7 +2043,7 @@
                               <a:schemeClr val="tx1"/>
                             </a:solidFill>
                             <a:effectLst/>
-                            <a:latin typeface="+mn-lt"/>
+                            <a:latin typeface="Cambria Math" panose="02040503050406030204" pitchFamily="18" charset="0"/>
                             <a:ea typeface="+mn-ea"/>
                             <a:cs typeface="+mn-cs"/>
                           </a:rPr>
@@ -2055,7 +2056,7 @@
                               <a:schemeClr val="tx1"/>
                             </a:solidFill>
                             <a:effectLst/>
-                            <a:latin typeface="+mn-lt"/>
+                            <a:latin typeface="Cambria Math" panose="02040503050406030204" pitchFamily="18" charset="0"/>
                             <a:ea typeface="+mn-ea"/>
                             <a:cs typeface="+mn-cs"/>
                           </a:rPr>
@@ -2069,7 +2070,7 @@
                               <a:schemeClr val="tx1"/>
                             </a:solidFill>
                             <a:effectLst/>
-                            <a:latin typeface="+mn-lt"/>
+                            <a:latin typeface="Cambria Math" panose="02040503050406030204" pitchFamily="18" charset="0"/>
                             <a:ea typeface="+mn-ea"/>
                             <a:cs typeface="+mn-cs"/>
                           </a:rPr>
@@ -2081,7 +2082,7 @@
                               <a:schemeClr val="tx1"/>
                             </a:solidFill>
                             <a:effectLst/>
-                            <a:latin typeface="+mn-lt"/>
+                            <a:latin typeface="Cambria Math" panose="02040503050406030204" pitchFamily="18" charset="0"/>
                             <a:ea typeface="+mn-ea"/>
                             <a:cs typeface="+mn-cs"/>
                           </a:rPr>
@@ -2115,7 +2116,7 @@
                               <a:schemeClr val="tx1"/>
                             </a:solidFill>
                             <a:effectLst/>
-                            <a:latin typeface="+mn-lt"/>
+                            <a:latin typeface="Cambria Math" panose="02040503050406030204" pitchFamily="18" charset="0"/>
                             <a:ea typeface="+mn-ea"/>
                             <a:cs typeface="+mn-cs"/>
                           </a:rPr>
@@ -2131,7 +2132,7 @@
                                   <a:schemeClr val="tx1"/>
                                 </a:solidFill>
                                 <a:effectLst/>
-                                <a:latin typeface="+mn-lt"/>
+                                <a:latin typeface="Cambria Math" panose="02040503050406030204" pitchFamily="18" charset="0"/>
                                 <a:ea typeface="+mn-ea"/>
                                 <a:cs typeface="+mn-cs"/>
                               </a:rPr>
@@ -2144,7 +2145,7 @@
                                   <a:schemeClr val="tx1"/>
                                 </a:solidFill>
                                 <a:effectLst/>
-                                <a:latin typeface="+mn-lt"/>
+                                <a:latin typeface="Cambria Math" panose="02040503050406030204" pitchFamily="18" charset="0"/>
                                 <a:ea typeface="+mn-ea"/>
                                 <a:cs typeface="+mn-cs"/>
                               </a:rPr>
@@ -2158,7 +2159,7 @@
                               <a:schemeClr val="tx1"/>
                             </a:solidFill>
                             <a:effectLst/>
-                            <a:latin typeface="+mn-lt"/>
+                            <a:latin typeface="Cambria Math" panose="02040503050406030204" pitchFamily="18" charset="0"/>
                             <a:ea typeface="+mn-ea"/>
                             <a:cs typeface="+mn-cs"/>
                           </a:rPr>
@@ -2172,7 +2173,7 @@
                                   <a:schemeClr val="tx1"/>
                                 </a:solidFill>
                                 <a:effectLst/>
-                                <a:latin typeface="+mn-lt"/>
+                                <a:latin typeface="Cambria Math" panose="02040503050406030204" pitchFamily="18" charset="0"/>
                                 <a:ea typeface="+mn-ea"/>
                                 <a:cs typeface="+mn-cs"/>
                               </a:rPr>
@@ -2185,7 +2186,7 @@
                                   <a:schemeClr val="tx1"/>
                                 </a:solidFill>
                                 <a:effectLst/>
-                                <a:latin typeface="+mn-lt"/>
+                                <a:latin typeface="Cambria Math" panose="02040503050406030204" pitchFamily="18" charset="0"/>
                                 <a:ea typeface="+mn-ea"/>
                                 <a:cs typeface="+mn-cs"/>
                               </a:rPr>
@@ -2199,7 +2200,7 @@
                                   <a:schemeClr val="tx1"/>
                                 </a:solidFill>
                                 <a:effectLst/>
-                                <a:latin typeface="+mn-lt"/>
+                                <a:latin typeface="Cambria Math" panose="02040503050406030204" pitchFamily="18" charset="0"/>
                                 <a:ea typeface="+mn-ea"/>
                                 <a:cs typeface="+mn-cs"/>
                               </a:rPr>
@@ -2231,7 +2232,7 @@
                           <a:schemeClr val="tx1"/>
                         </a:solidFill>
                         <a:effectLst/>
-                        <a:latin typeface="+mn-lt"/>
+                        <a:latin typeface="Cambria Math" panose="02040503050406030204" pitchFamily="18" charset="0"/>
                         <a:ea typeface="+mn-ea"/>
                         <a:cs typeface="+mn-cs"/>
                       </a:rPr>
@@ -2243,7 +2244,7 @@
                           <a:schemeClr val="tx1"/>
                         </a:solidFill>
                         <a:effectLst/>
-                        <a:latin typeface="+mn-lt"/>
+                        <a:latin typeface="Cambria Math" panose="02040503050406030204" pitchFamily="18" charset="0"/>
                         <a:ea typeface="+mn-ea"/>
                         <a:cs typeface="+mn-cs"/>
                       </a:rPr>
@@ -2255,7 +2256,7 @@
                           <a:schemeClr val="tx1"/>
                         </a:solidFill>
                         <a:effectLst/>
-                        <a:latin typeface="+mn-lt"/>
+                        <a:latin typeface="Cambria Math" panose="02040503050406030204" pitchFamily="18" charset="0"/>
                         <a:ea typeface="+mn-ea"/>
                         <a:cs typeface="+mn-cs"/>
                       </a:rPr>
@@ -2283,7 +2284,7 @@
                           <a:schemeClr val="tx1"/>
                         </a:solidFill>
                         <a:effectLst/>
-                        <a:latin typeface="+mn-lt"/>
+                        <a:latin typeface="Cambria Math" panose="02040503050406030204" pitchFamily="18" charset="0"/>
                         <a:ea typeface="+mn-ea"/>
                         <a:cs typeface="+mn-cs"/>
                       </a:rPr>
@@ -2295,7 +2296,7 @@
                           <a:schemeClr val="tx1"/>
                         </a:solidFill>
                         <a:effectLst/>
-                        <a:latin typeface="+mn-lt"/>
+                        <a:latin typeface="Cambria Math" panose="02040503050406030204" pitchFamily="18" charset="0"/>
                         <a:ea typeface="+mn-ea"/>
                         <a:cs typeface="+mn-cs"/>
                       </a:rPr>
@@ -2320,7 +2321,7 @@
             </p:txBody>
           </p:sp>
         </mc:Choice>
-        <mc:Fallback>
+        <mc:Fallback xmlns="">
           <p:sp>
             <p:nvSpPr>
               <p:cNvPr id="3" name="Notes Placeholder 2"/>
@@ -10131,6 +10132,15 @@
                 <a:cs typeface="Times New Roman" panose="02020603050405020304" pitchFamily="18" charset="0"/>
               </a:rPr>
               <a:t>Robust Logistic Regression</a:t>
+            </a:r>
+          </a:p>
+          <a:p>
+            <a:r>
+              <a:rPr lang="en-US" sz="2800">
+                <a:latin typeface="Times New Roman" panose="02020603050405020304" pitchFamily="18" charset="0"/>
+                <a:cs typeface="Times New Roman" panose="02020603050405020304" pitchFamily="18" charset="0"/>
+              </a:rPr>
+              <a:t>Hiệu suất</a:t>
             </a:r>
           </a:p>
           <a:p>
